--- a/Lecture/lecture78/基于形态学的数字图像处理.pptx
+++ b/Lecture/lecture78/基于形态学的数字图像处理.pptx
@@ -5,10 +5,10 @@
     <p:sldMasterId id="2147483660" r:id="rId1"/>
   </p:sldMasterIdLst>
   <p:notesMasterIdLst>
-    <p:notesMasterId r:id="rId25"/>
+    <p:notesMasterId r:id="rId40"/>
   </p:notesMasterIdLst>
   <p:handoutMasterIdLst>
-    <p:handoutMasterId r:id="rId26"/>
+    <p:handoutMasterId r:id="rId41"/>
   </p:handoutMasterIdLst>
   <p:sldIdLst>
     <p:sldId id="291" r:id="rId2"/>
@@ -33,7 +33,22 @@
     <p:sldId id="381" r:id="rId21"/>
     <p:sldId id="391" r:id="rId22"/>
     <p:sldId id="392" r:id="rId23"/>
-    <p:sldId id="333" r:id="rId24"/>
+    <p:sldId id="393" r:id="rId24"/>
+    <p:sldId id="394" r:id="rId25"/>
+    <p:sldId id="395" r:id="rId26"/>
+    <p:sldId id="396" r:id="rId27"/>
+    <p:sldId id="397" r:id="rId28"/>
+    <p:sldId id="398" r:id="rId29"/>
+    <p:sldId id="399" r:id="rId30"/>
+    <p:sldId id="401" r:id="rId31"/>
+    <p:sldId id="402" r:id="rId32"/>
+    <p:sldId id="403" r:id="rId33"/>
+    <p:sldId id="404" r:id="rId34"/>
+    <p:sldId id="405" r:id="rId35"/>
+    <p:sldId id="406" r:id="rId36"/>
+    <p:sldId id="407" r:id="rId37"/>
+    <p:sldId id="408" r:id="rId38"/>
+    <p:sldId id="333" r:id="rId39"/>
   </p:sldIdLst>
   <p:sldSz cx="12192000" cy="6858000"/>
   <p:notesSz cx="6858000" cy="9144000"/>
@@ -159,6 +174,21 @@
             <p14:sldId id="381"/>
             <p14:sldId id="391"/>
             <p14:sldId id="392"/>
+            <p14:sldId id="393"/>
+            <p14:sldId id="394"/>
+            <p14:sldId id="395"/>
+            <p14:sldId id="396"/>
+            <p14:sldId id="397"/>
+            <p14:sldId id="398"/>
+            <p14:sldId id="399"/>
+            <p14:sldId id="401"/>
+            <p14:sldId id="402"/>
+            <p14:sldId id="403"/>
+            <p14:sldId id="404"/>
+            <p14:sldId id="405"/>
+            <p14:sldId id="406"/>
+            <p14:sldId id="407"/>
+            <p14:sldId id="408"/>
             <p14:sldId id="333"/>
           </p14:sldIdLst>
         </p14:section>
@@ -287,7 +317,7 @@
                 <a:latin typeface="Microsoft YaHei UI" panose="020B0503020204020204" pitchFamily="34" charset="-122"/>
                 <a:ea typeface="Microsoft YaHei UI" panose="020B0503020204020204" pitchFamily="34" charset="-122"/>
               </a:rPr>
-              <a:t>2022/8/18</a:t>
+              <a:t>2022/8/19</a:t>
             </a:fld>
             <a:endParaRPr lang="zh-CN" altLang="en-US">
               <a:latin typeface="Microsoft YaHei UI" panose="020B0503020204020204" pitchFamily="34" charset="-122"/>
@@ -473,7 +503,7 @@
           <a:p>
             <a:fld id="{81DCBD32-5E35-4514-9815-F3DDD3668777}" type="datetime1">
               <a:rPr lang="zh-CN" altLang="en-US" smtClean="0"/>
-              <a:t>2022/8/18</a:t>
+              <a:t>2022/8/19</a:t>
             </a:fld>
             <a:endParaRPr lang="en-US" dirty="0"/>
           </a:p>
@@ -1215,7 +1245,7 @@
           <a:p>
             <a:fld id="{FC0AFDC1-AB40-4941-83E0-44D5ED544864}" type="datetime1">
               <a:rPr lang="zh-CN" altLang="en-US" noProof="0" smtClean="0"/>
-              <a:t>2022/8/18</a:t>
+              <a:t>2022/8/19</a:t>
             </a:fld>
             <a:endParaRPr lang="zh-CN" altLang="en-US" noProof="0"/>
           </a:p>
@@ -1865,7 +1895,7 @@
           <a:p>
             <a:fld id="{1814A537-FBC6-4533-8B31-767E68D33208}" type="datetime1">
               <a:rPr lang="zh-CN" altLang="en-US" noProof="0" smtClean="0"/>
-              <a:t>2022/8/18</a:t>
+              <a:t>2022/8/19</a:t>
             </a:fld>
             <a:endParaRPr lang="zh-CN" altLang="en-US" noProof="0" dirty="0"/>
           </a:p>
@@ -12588,7 +12618,7 @@
           <p:cNvPr id="2" name="标题 1">
             <a:extLst>
               <a:ext uri="{FF2B5EF4-FFF2-40B4-BE49-F238E27FC236}">
-                <a16:creationId xmlns:a16="http://schemas.microsoft.com/office/drawing/2014/main" id="{173F081B-D28B-4645-4615-3EFE97359F9B}"/>
+                <a16:creationId xmlns:a16="http://schemas.microsoft.com/office/drawing/2014/main" id="{62D1486B-7D0B-D15D-EE46-750E419DD258}"/>
               </a:ext>
             </a:extLst>
           </p:cNvPr>
@@ -12599,10 +12629,58 @@
             <p:ph type="title"/>
           </p:nvPr>
         </p:nvSpPr>
+        <p:spPr/>
+        <p:txBody>
+          <a:bodyPr/>
+          <a:lstStyle/>
+          <a:p>
+            <a:pPr marL="571500" lvl="1" indent="-342900">
+              <a:lnSpc>
+                <a:spcPct val="145000"/>
+              </a:lnSpc>
+              <a:spcBef>
+                <a:spcPts val="0"/>
+              </a:spcBef>
+              <a:spcAft>
+                <a:spcPts val="0"/>
+              </a:spcAft>
+            </a:pPr>
+            <a:r>
+              <a:rPr lang="zh-CN" altLang="en-US" sz="2800" dirty="0"/>
+              <a:t>膨胀与腐蚀运算的有趣应用</a:t>
+            </a:r>
+            <a:r>
+              <a:rPr lang="en-US" altLang="zh-CN" sz="2800" dirty="0"/>
+              <a:t>-</a:t>
+            </a:r>
+            <a:r>
+              <a:rPr lang="zh-CN" altLang="en-US" sz="2800" dirty="0"/>
+              <a:t>边界提取</a:t>
+            </a:r>
+            <a:endParaRPr lang="en-US" altLang="zh-CN" sz="2800" dirty="0"/>
+          </a:p>
+        </p:txBody>
+      </p:sp>
+      <p:sp>
+        <p:nvSpPr>
+          <p:cNvPr id="5" name="内容占位符 2">
+            <a:extLst>
+              <a:ext uri="{FF2B5EF4-FFF2-40B4-BE49-F238E27FC236}">
+                <a16:creationId xmlns:a16="http://schemas.microsoft.com/office/drawing/2014/main" id="{8F78F637-EED3-E0E7-572E-8A66A6E9E778}"/>
+              </a:ext>
+            </a:extLst>
+          </p:cNvPr>
+          <p:cNvSpPr>
+            <a:spLocks noGrp="1"/>
+          </p:cNvSpPr>
+          <p:nvPr>
+            <p:ph sz="quarter" idx="10"/>
+          </p:nvPr>
+        </p:nvSpPr>
         <p:spPr>
           <a:xfrm>
-            <a:off x="3278908" y="2623129"/>
-            <a:ext cx="5634183" cy="1145308"/>
+            <a:off x="7136418" y="1542813"/>
+            <a:ext cx="4534375" cy="4914743"/>
           </a:xfrm>
         </p:spPr>
         <p:txBody>
@@ -12611,29 +12689,2362 @@
           </a:bodyPr>
           <a:lstStyle/>
           <a:p>
-            <a:r>
-              <a:rPr lang="en-US" altLang="zh-CN" dirty="0">
-                <a:solidFill>
-                  <a:schemeClr val="bg1"/>
-                </a:solidFill>
-              </a:rPr>
-              <a:t>THANKS,</a:t>
-            </a:r>
+            <a:pPr marL="285750" indent="-285750">
+              <a:buFont typeface="Arial" panose="020B0604020202020204" pitchFamily="34" charset="0"/>
+              <a:buChar char="•"/>
+            </a:pPr>
+            <a:r>
+              <a:rPr lang="zh-CN" altLang="en-US" sz="1800" dirty="0">
+                <a:solidFill>
+                  <a:schemeClr val="tx1"/>
+                </a:solidFill>
+              </a:rPr>
+              <a:t>膨胀</a:t>
+            </a:r>
+            <a:endParaRPr lang="en-US" altLang="zh-CN" sz="1800" dirty="0">
+              <a:solidFill>
+                <a:schemeClr val="tx1"/>
+              </a:solidFill>
+            </a:endParaRPr>
+          </a:p>
+          <a:p>
+            <a:pPr marL="285750" indent="-285750">
+              <a:buFont typeface="Arial" panose="020B0604020202020204" pitchFamily="34" charset="0"/>
+              <a:buChar char="•"/>
+            </a:pPr>
+            <a:r>
+              <a:rPr lang="zh-CN" altLang="en-US" sz="1800" dirty="0">
+                <a:solidFill>
+                  <a:schemeClr val="tx1"/>
+                </a:solidFill>
+              </a:rPr>
+              <a:t>边界 </a:t>
+            </a:r>
+            <a:r>
+              <a:rPr lang="en-US" altLang="zh-CN" sz="1800" dirty="0">
+                <a:solidFill>
+                  <a:schemeClr val="tx1"/>
+                </a:solidFill>
+              </a:rPr>
+              <a:t>= </a:t>
+            </a:r>
+            <a:r>
+              <a:rPr lang="zh-CN" altLang="en-US" sz="1800" dirty="0">
+                <a:solidFill>
+                  <a:schemeClr val="tx1"/>
+                </a:solidFill>
+              </a:rPr>
+              <a:t>膨胀</a:t>
+            </a:r>
+            <a:r>
+              <a:rPr lang="en-US" altLang="zh-CN" sz="1800" dirty="0">
+                <a:solidFill>
+                  <a:schemeClr val="tx1"/>
+                </a:solidFill>
+              </a:rPr>
+              <a:t>(image) – image [XOR]</a:t>
+            </a:r>
+          </a:p>
+          <a:p>
+            <a:pPr marL="285750" indent="-285750">
+              <a:buFont typeface="Arial" panose="020B0604020202020204" pitchFamily="34" charset="0"/>
+              <a:buChar char="•"/>
+            </a:pPr>
+            <a:r>
+              <a:rPr lang="zh-CN" altLang="en-US" sz="1800" dirty="0">
+                <a:solidFill>
+                  <a:schemeClr val="tx1"/>
+                </a:solidFill>
+              </a:rPr>
+              <a:t>如何控制边界大小？</a:t>
+            </a:r>
+            <a:endParaRPr lang="en-US" altLang="zh-CN" sz="1800" dirty="0">
+              <a:solidFill>
+                <a:schemeClr val="tx1"/>
+              </a:solidFill>
+            </a:endParaRPr>
+          </a:p>
+          <a:p>
+            <a:pPr marL="285750" indent="-285750">
+              <a:buFont typeface="Arial" panose="020B0604020202020204" pitchFamily="34" charset="0"/>
+              <a:buChar char="•"/>
+            </a:pPr>
+            <a:r>
+              <a:rPr lang="zh-CN" altLang="en-US" sz="1800" dirty="0">
+                <a:solidFill>
+                  <a:schemeClr val="tx1"/>
+                </a:solidFill>
+              </a:rPr>
+              <a:t>我们能否使用腐蚀操作？</a:t>
+            </a:r>
+            <a:endParaRPr lang="en-US" altLang="zh-CN" sz="1800" dirty="0">
+              <a:solidFill>
+                <a:schemeClr val="tx1"/>
+              </a:solidFill>
+            </a:endParaRPr>
+          </a:p>
+          <a:p>
+            <a:pPr marL="285750" indent="-285750">
+              <a:buFont typeface="Arial" panose="020B0604020202020204" pitchFamily="34" charset="0"/>
+              <a:buChar char="•"/>
+            </a:pPr>
+            <a:r>
+              <a:rPr lang="zh-CN" altLang="en-US" sz="1800" dirty="0">
+                <a:solidFill>
+                  <a:schemeClr val="tx1"/>
+                </a:solidFill>
+                <a:sym typeface="Wingdings" panose="05000000000000000000" pitchFamily="2" charset="2"/>
+              </a:rPr>
+              <a:t>代码：</a:t>
+            </a:r>
+            <a:r>
+              <a:rPr lang="zh-CN" altLang="en-US" sz="1800" dirty="0">
+                <a:solidFill>
+                  <a:schemeClr val="tx1"/>
+                </a:solidFill>
+                <a:sym typeface="Wingdings" panose="05000000000000000000" pitchFamily="2" charset="2"/>
+                <a:hlinkClick r:id="rId2" action="ppaction://hlinkfile"/>
+              </a:rPr>
+              <a:t>项目</a:t>
+            </a:r>
+            <a:endParaRPr lang="en-US" altLang="zh-CN" sz="1800" dirty="0">
+              <a:solidFill>
+                <a:schemeClr val="tx1"/>
+              </a:solidFill>
+            </a:endParaRPr>
+          </a:p>
+        </p:txBody>
+      </p:sp>
+      <p:sp>
+        <p:nvSpPr>
+          <p:cNvPr id="3" name="文本框 2">
+            <a:extLst>
+              <a:ext uri="{FF2B5EF4-FFF2-40B4-BE49-F238E27FC236}">
+                <a16:creationId xmlns:a16="http://schemas.microsoft.com/office/drawing/2014/main" id="{9173CC2B-E08B-3A60-E2D1-0D90C8415882}"/>
+              </a:ext>
+            </a:extLst>
+          </p:cNvPr>
+          <p:cNvSpPr txBox="1"/>
+          <p:nvPr/>
+        </p:nvSpPr>
+        <p:spPr>
+          <a:xfrm>
+            <a:off x="1822844" y="5524383"/>
+            <a:ext cx="3677919" cy="400110"/>
+          </a:xfrm>
+          <a:prstGeom prst="rect">
+            <a:avLst/>
+          </a:prstGeom>
+          <a:noFill/>
+        </p:spPr>
+        <p:txBody>
+          <a:bodyPr wrap="square" rtlCol="0">
+            <a:spAutoFit/>
+          </a:bodyPr>
+          <a:lstStyle/>
+          <a:p>
+            <a:r>
+              <a:rPr lang="zh-CN" altLang="en-US" sz="2000" dirty="0"/>
+              <a:t>基于膨胀</a:t>
+            </a:r>
+            <a:r>
+              <a:rPr lang="en-US" altLang="zh-CN" sz="2000" dirty="0"/>
+              <a:t>+XOR</a:t>
+            </a:r>
+            <a:r>
+              <a:rPr lang="zh-CN" altLang="en-US" sz="2000" dirty="0"/>
+              <a:t>操作的边界提取</a:t>
+            </a:r>
+          </a:p>
+        </p:txBody>
+      </p:sp>
+      <p:pic>
+        <p:nvPicPr>
+          <p:cNvPr id="6" name="图片 5">
+            <a:extLst>
+              <a:ext uri="{FF2B5EF4-FFF2-40B4-BE49-F238E27FC236}">
+                <a16:creationId xmlns:a16="http://schemas.microsoft.com/office/drawing/2014/main" id="{E4848ACE-52A3-63A0-7EB9-09BFD0AAD12A}"/>
+              </a:ext>
+            </a:extLst>
+          </p:cNvPr>
+          <p:cNvPicPr>
+            <a:picLocks noChangeAspect="1"/>
+          </p:cNvPicPr>
+          <p:nvPr/>
+        </p:nvPicPr>
+        <p:blipFill>
+          <a:blip r:embed="rId3"/>
+          <a:stretch>
+            <a:fillRect/>
+          </a:stretch>
+        </p:blipFill>
+        <p:spPr>
+          <a:xfrm>
+            <a:off x="633171" y="1542813"/>
+            <a:ext cx="6057265" cy="3760458"/>
+          </a:xfrm>
+          <a:prstGeom prst="rect">
+            <a:avLst/>
+          </a:prstGeom>
+        </p:spPr>
+      </p:pic>
+    </p:spTree>
+    <p:extLst>
+      <p:ext uri="{BB962C8B-B14F-4D97-AF65-F5344CB8AC3E}">
+        <p14:creationId xmlns:p14="http://schemas.microsoft.com/office/powerpoint/2010/main" val="733441648"/>
+      </p:ext>
+    </p:extLst>
+  </p:cSld>
+  <p:clrMapOvr>
+    <a:masterClrMapping/>
+  </p:clrMapOvr>
+</p:sld>
+</file>
+
+<file path=ppt/slides/slide24.xml><?xml version="1.0" encoding="utf-8"?>
+<p:sld xmlns:a="http://schemas.openxmlformats.org/drawingml/2006/main" xmlns:r="http://schemas.openxmlformats.org/officeDocument/2006/relationships" xmlns:p="http://schemas.openxmlformats.org/presentationml/2006/main">
+  <p:cSld>
+    <p:spTree>
+      <p:nvGrpSpPr>
+        <p:cNvPr id="1" name=""/>
+        <p:cNvGrpSpPr/>
+        <p:nvPr/>
+      </p:nvGrpSpPr>
+      <p:grpSpPr>
+        <a:xfrm>
+          <a:off x="0" y="0"/>
+          <a:ext cx="0" cy="0"/>
+          <a:chOff x="0" y="0"/>
+          <a:chExt cx="0" cy="0"/>
+        </a:xfrm>
+      </p:grpSpPr>
+      <p:sp>
+        <p:nvSpPr>
+          <p:cNvPr id="2" name="标题 1">
+            <a:extLst>
+              <a:ext uri="{FF2B5EF4-FFF2-40B4-BE49-F238E27FC236}">
+                <a16:creationId xmlns:a16="http://schemas.microsoft.com/office/drawing/2014/main" id="{62D1486B-7D0B-D15D-EE46-750E419DD258}"/>
+              </a:ext>
+            </a:extLst>
+          </p:cNvPr>
+          <p:cNvSpPr>
+            <a:spLocks noGrp="1"/>
+          </p:cNvSpPr>
+          <p:nvPr>
+            <p:ph type="title"/>
+          </p:nvPr>
+        </p:nvSpPr>
+        <p:spPr/>
+        <p:txBody>
+          <a:bodyPr/>
+          <a:lstStyle/>
+          <a:p>
+            <a:pPr marL="571500" lvl="1" indent="-342900">
+              <a:lnSpc>
+                <a:spcPct val="145000"/>
+              </a:lnSpc>
+              <a:spcBef>
+                <a:spcPts val="0"/>
+              </a:spcBef>
+              <a:spcAft>
+                <a:spcPts val="0"/>
+              </a:spcAft>
+            </a:pPr>
+            <a:r>
+              <a:rPr lang="zh-CN" altLang="en-US" sz="2800" dirty="0"/>
+              <a:t>开运算的定义</a:t>
+            </a:r>
+            <a:endParaRPr lang="en-US" altLang="zh-CN" sz="2800" dirty="0"/>
+          </a:p>
+        </p:txBody>
+      </p:sp>
+      <mc:AlternateContent xmlns:mc="http://schemas.openxmlformats.org/markup-compatibility/2006" xmlns:a14="http://schemas.microsoft.com/office/drawing/2010/main">
+        <mc:Choice Requires="a14">
+          <p:sp>
+            <p:nvSpPr>
+              <p:cNvPr id="5" name="内容占位符 2">
+                <a:extLst>
+                  <a:ext uri="{FF2B5EF4-FFF2-40B4-BE49-F238E27FC236}">
+                    <a16:creationId xmlns:a16="http://schemas.microsoft.com/office/drawing/2014/main" id="{8F78F637-EED3-E0E7-572E-8A66A6E9E778}"/>
+                  </a:ext>
+                </a:extLst>
+              </p:cNvPr>
+              <p:cNvSpPr>
+                <a:spLocks noGrp="1"/>
+              </p:cNvSpPr>
+              <p:nvPr>
+                <p:ph sz="quarter" idx="10"/>
+              </p:nvPr>
+            </p:nvSpPr>
+            <p:spPr>
+              <a:xfrm>
+                <a:off x="601138" y="4136870"/>
+                <a:ext cx="10989723" cy="2150418"/>
+              </a:xfrm>
+            </p:spPr>
+            <p:txBody>
+              <a:bodyPr>
+                <a:normAutofit/>
+              </a:bodyPr>
+              <a:lstStyle/>
+              <a:p>
+                <a:pPr marL="285750" indent="-285750">
+                  <a:buFont typeface="Arial" panose="020B0604020202020204" pitchFamily="34" charset="0"/>
+                  <a:buChar char="•"/>
+                </a:pPr>
+                <a:r>
+                  <a:rPr lang="zh-CN" altLang="en-US" sz="1800" dirty="0">
+                    <a:solidFill>
+                      <a:schemeClr val="tx1"/>
+                    </a:solidFill>
+                  </a:rPr>
+                  <a:t>开运算是使用相同的结构元，对图像先做腐蚀操作，再做膨胀操作。</a:t>
+                </a:r>
+                <a:endParaRPr lang="en-US" altLang="zh-CN" sz="1800" dirty="0">
+                  <a:solidFill>
+                    <a:schemeClr val="tx1"/>
+                  </a:solidFill>
+                </a:endParaRPr>
+              </a:p>
+              <a:p>
+                <a:pPr marL="285750" indent="-285750">
+                  <a:buFont typeface="Arial" panose="020B0604020202020204" pitchFamily="34" charset="0"/>
+                  <a:buChar char="•"/>
+                </a:pPr>
+                <a:r>
+                  <a:rPr lang="zh-CN" altLang="en-US" sz="1800" dirty="0">
+                    <a:solidFill>
+                      <a:schemeClr val="tx1"/>
+                    </a:solidFill>
+                  </a:rPr>
+                  <a:t>数学表达式为：</a:t>
+                </a:r>
+                <a:endParaRPr lang="en-US" altLang="zh-CN" sz="1800" dirty="0">
+                  <a:solidFill>
+                    <a:schemeClr val="tx1"/>
+                  </a:solidFill>
+                </a:endParaRPr>
+              </a:p>
+              <a:p>
+                <a:pPr/>
+                <a14:m>
+                  <m:oMathPara xmlns:m="http://schemas.openxmlformats.org/officeDocument/2006/math">
+                    <m:oMathParaPr>
+                      <m:jc m:val="centerGroup"/>
+                    </m:oMathParaPr>
+                    <m:oMath xmlns:m="http://schemas.openxmlformats.org/officeDocument/2006/math">
+                      <m:r>
+                        <m:rPr>
+                          <m:sty m:val="p"/>
+                        </m:rPr>
+                        <a:rPr lang="en-US" altLang="zh-CN" sz="1800" i="1" dirty="0">
+                          <a:solidFill>
+                            <a:schemeClr val="tx1"/>
+                          </a:solidFill>
+                          <a:latin typeface="Cambria Math" panose="02040503050406030204" pitchFamily="18" charset="0"/>
+                        </a:rPr>
+                        <m:t>A</m:t>
+                      </m:r>
+                      <m:r>
+                        <a:rPr lang="en-US" altLang="zh-CN" sz="1800" i="1" dirty="0" smtClean="0">
+                          <a:solidFill>
+                            <a:schemeClr val="tx1"/>
+                          </a:solidFill>
+                          <a:latin typeface="Cambria Math" panose="02040503050406030204" pitchFamily="18" charset="0"/>
+                          <a:ea typeface="Cambria Math" panose="02040503050406030204" pitchFamily="18" charset="0"/>
+                        </a:rPr>
+                        <m:t>∘</m:t>
+                      </m:r>
+                      <m:r>
+                        <a:rPr lang="en-US" altLang="zh-CN" sz="1800" b="0" i="1" dirty="0" smtClean="0">
+                          <a:solidFill>
+                            <a:schemeClr val="tx1"/>
+                          </a:solidFill>
+                          <a:latin typeface="Cambria Math" panose="02040503050406030204" pitchFamily="18" charset="0"/>
+                          <a:ea typeface="Cambria Math" panose="02040503050406030204" pitchFamily="18" charset="0"/>
+                        </a:rPr>
+                        <m:t>𝐵</m:t>
+                      </m:r>
+                      <m:r>
+                        <a:rPr lang="en-US" altLang="zh-CN" sz="1800" b="0" i="1" dirty="0" smtClean="0">
+                          <a:solidFill>
+                            <a:schemeClr val="tx1"/>
+                          </a:solidFill>
+                          <a:latin typeface="Cambria Math" panose="02040503050406030204" pitchFamily="18" charset="0"/>
+                          <a:ea typeface="Cambria Math" panose="02040503050406030204" pitchFamily="18" charset="0"/>
+                        </a:rPr>
+                        <m:t>=</m:t>
+                      </m:r>
+                      <m:d>
+                        <m:dPr>
+                          <m:ctrlPr>
+                            <a:rPr lang="en-US" altLang="zh-CN" sz="1800" b="0" i="1" dirty="0" smtClean="0">
+                              <a:solidFill>
+                                <a:schemeClr val="tx1"/>
+                              </a:solidFill>
+                              <a:latin typeface="Cambria Math" panose="02040503050406030204" pitchFamily="18" charset="0"/>
+                              <a:ea typeface="Cambria Math" panose="02040503050406030204" pitchFamily="18" charset="0"/>
+                            </a:rPr>
+                          </m:ctrlPr>
+                        </m:dPr>
+                        <m:e>
+                          <m:r>
+                            <a:rPr lang="en-US" altLang="zh-CN" sz="1800" b="0" i="1" dirty="0" smtClean="0">
+                              <a:solidFill>
+                                <a:schemeClr val="tx1"/>
+                              </a:solidFill>
+                              <a:latin typeface="Cambria Math" panose="02040503050406030204" pitchFamily="18" charset="0"/>
+                              <a:ea typeface="Cambria Math" panose="02040503050406030204" pitchFamily="18" charset="0"/>
+                            </a:rPr>
+                            <m:t>𝐴</m:t>
+                          </m:r>
+                          <m:r>
+                            <a:rPr lang="en-US" altLang="zh-CN" sz="1800" b="0" i="1" dirty="0" smtClean="0">
+                              <a:solidFill>
+                                <a:schemeClr val="tx1"/>
+                              </a:solidFill>
+                              <a:latin typeface="Cambria Math" panose="02040503050406030204" pitchFamily="18" charset="0"/>
+                              <a:ea typeface="Cambria Math" panose="02040503050406030204" pitchFamily="18" charset="0"/>
+                            </a:rPr>
+                            <m:t>⊝</m:t>
+                          </m:r>
+                          <m:r>
+                            <a:rPr lang="en-US" altLang="zh-CN" sz="1800" b="0" i="1" dirty="0" smtClean="0">
+                              <a:solidFill>
+                                <a:schemeClr val="tx1"/>
+                              </a:solidFill>
+                              <a:latin typeface="Cambria Math" panose="02040503050406030204" pitchFamily="18" charset="0"/>
+                              <a:ea typeface="Cambria Math" panose="02040503050406030204" pitchFamily="18" charset="0"/>
+                            </a:rPr>
+                            <m:t>𝐵</m:t>
+                          </m:r>
+                        </m:e>
+                      </m:d>
+                      <m:r>
+                        <a:rPr lang="en-US" altLang="zh-CN" sz="1800" b="0" i="1" dirty="0" smtClean="0">
+                          <a:solidFill>
+                            <a:schemeClr val="tx1"/>
+                          </a:solidFill>
+                          <a:latin typeface="Cambria Math" panose="02040503050406030204" pitchFamily="18" charset="0"/>
+                          <a:ea typeface="Cambria Math" panose="02040503050406030204" pitchFamily="18" charset="0"/>
+                        </a:rPr>
+                        <m:t>⨁</m:t>
+                      </m:r>
+                      <m:r>
+                        <a:rPr lang="en-US" altLang="zh-CN" sz="1800" b="0" i="1" dirty="0" smtClean="0">
+                          <a:solidFill>
+                            <a:schemeClr val="tx1"/>
+                          </a:solidFill>
+                          <a:latin typeface="Cambria Math" panose="02040503050406030204" pitchFamily="18" charset="0"/>
+                          <a:ea typeface="Cambria Math" panose="02040503050406030204" pitchFamily="18" charset="0"/>
+                        </a:rPr>
+                        <m:t>𝐵</m:t>
+                      </m:r>
+                      <m:r>
+                        <a:rPr lang="en-US" altLang="zh-CN" sz="1800" b="0" i="1" dirty="0" smtClean="0">
+                          <a:solidFill>
+                            <a:schemeClr val="tx1"/>
+                          </a:solidFill>
+                          <a:latin typeface="Cambria Math" panose="02040503050406030204" pitchFamily="18" charset="0"/>
+                          <a:ea typeface="Cambria Math" panose="02040503050406030204" pitchFamily="18" charset="0"/>
+                        </a:rPr>
+                        <m:t>=∪{</m:t>
+                      </m:r>
+                      <m:sSub>
+                        <m:sSubPr>
+                          <m:ctrlPr>
+                            <a:rPr lang="en-US" altLang="zh-CN" sz="1800" b="0" i="1" dirty="0" smtClean="0">
+                              <a:solidFill>
+                                <a:schemeClr val="tx1"/>
+                              </a:solidFill>
+                              <a:latin typeface="Cambria Math" panose="02040503050406030204" pitchFamily="18" charset="0"/>
+                              <a:ea typeface="Cambria Math" panose="02040503050406030204" pitchFamily="18" charset="0"/>
+                            </a:rPr>
+                          </m:ctrlPr>
+                        </m:sSubPr>
+                        <m:e>
+                          <m:d>
+                            <m:dPr>
+                              <m:ctrlPr>
+                                <a:rPr lang="en-US" altLang="zh-CN" sz="1800" b="0" i="1" dirty="0" smtClean="0">
+                                  <a:solidFill>
+                                    <a:schemeClr val="tx1"/>
+                                  </a:solidFill>
+                                  <a:latin typeface="Cambria Math" panose="02040503050406030204" pitchFamily="18" charset="0"/>
+                                  <a:ea typeface="Cambria Math" panose="02040503050406030204" pitchFamily="18" charset="0"/>
+                                </a:rPr>
+                              </m:ctrlPr>
+                            </m:dPr>
+                            <m:e>
+                              <m:r>
+                                <a:rPr lang="en-US" altLang="zh-CN" sz="1800" b="0" i="1" dirty="0" smtClean="0">
+                                  <a:solidFill>
+                                    <a:schemeClr val="tx1"/>
+                                  </a:solidFill>
+                                  <a:latin typeface="Cambria Math" panose="02040503050406030204" pitchFamily="18" charset="0"/>
+                                  <a:ea typeface="Cambria Math" panose="02040503050406030204" pitchFamily="18" charset="0"/>
+                                </a:rPr>
+                                <m:t>𝐵</m:t>
+                              </m:r>
+                            </m:e>
+                          </m:d>
+                        </m:e>
+                        <m:sub>
+                          <m:r>
+                            <a:rPr lang="en-US" altLang="zh-CN" sz="1800" b="0" i="1" dirty="0" smtClean="0">
+                              <a:solidFill>
+                                <a:schemeClr val="tx1"/>
+                              </a:solidFill>
+                              <a:latin typeface="Cambria Math" panose="02040503050406030204" pitchFamily="18" charset="0"/>
+                              <a:ea typeface="Cambria Math" panose="02040503050406030204" pitchFamily="18" charset="0"/>
+                            </a:rPr>
+                            <m:t>𝑧</m:t>
+                          </m:r>
+                        </m:sub>
+                      </m:sSub>
+                      <m:r>
+                        <a:rPr lang="en-US" altLang="zh-CN" sz="1800" b="0" i="1" dirty="0" smtClean="0">
+                          <a:solidFill>
+                            <a:schemeClr val="tx1"/>
+                          </a:solidFill>
+                          <a:latin typeface="Cambria Math" panose="02040503050406030204" pitchFamily="18" charset="0"/>
+                          <a:ea typeface="Cambria Math" panose="02040503050406030204" pitchFamily="18" charset="0"/>
+                        </a:rPr>
+                        <m:t>|</m:t>
+                      </m:r>
+                      <m:sSub>
+                        <m:sSubPr>
+                          <m:ctrlPr>
+                            <a:rPr lang="en-US" altLang="zh-CN" sz="1800" b="0" i="1" dirty="0" smtClean="0">
+                              <a:solidFill>
+                                <a:schemeClr val="tx1"/>
+                              </a:solidFill>
+                              <a:latin typeface="Cambria Math" panose="02040503050406030204" pitchFamily="18" charset="0"/>
+                              <a:ea typeface="Cambria Math" panose="02040503050406030204" pitchFamily="18" charset="0"/>
+                            </a:rPr>
+                          </m:ctrlPr>
+                        </m:sSubPr>
+                        <m:e>
+                          <m:d>
+                            <m:dPr>
+                              <m:ctrlPr>
+                                <a:rPr lang="en-US" altLang="zh-CN" sz="1800" b="0" i="1" dirty="0" smtClean="0">
+                                  <a:solidFill>
+                                    <a:schemeClr val="tx1"/>
+                                  </a:solidFill>
+                                  <a:latin typeface="Cambria Math" panose="02040503050406030204" pitchFamily="18" charset="0"/>
+                                  <a:ea typeface="Cambria Math" panose="02040503050406030204" pitchFamily="18" charset="0"/>
+                                </a:rPr>
+                              </m:ctrlPr>
+                            </m:dPr>
+                            <m:e>
+                              <m:r>
+                                <a:rPr lang="en-US" altLang="zh-CN" sz="1800" b="0" i="1" dirty="0" smtClean="0">
+                                  <a:solidFill>
+                                    <a:schemeClr val="tx1"/>
+                                  </a:solidFill>
+                                  <a:latin typeface="Cambria Math" panose="02040503050406030204" pitchFamily="18" charset="0"/>
+                                  <a:ea typeface="Cambria Math" panose="02040503050406030204" pitchFamily="18" charset="0"/>
+                                </a:rPr>
+                                <m:t>𝐵</m:t>
+                              </m:r>
+                            </m:e>
+                          </m:d>
+                        </m:e>
+                        <m:sub>
+                          <m:r>
+                            <a:rPr lang="en-US" altLang="zh-CN" sz="1800" b="0" i="1" dirty="0" smtClean="0">
+                              <a:solidFill>
+                                <a:schemeClr val="tx1"/>
+                              </a:solidFill>
+                              <a:latin typeface="Cambria Math" panose="02040503050406030204" pitchFamily="18" charset="0"/>
+                              <a:ea typeface="Cambria Math" panose="02040503050406030204" pitchFamily="18" charset="0"/>
+                            </a:rPr>
+                            <m:t>𝑧</m:t>
+                          </m:r>
+                        </m:sub>
+                      </m:sSub>
+                      <m:r>
+                        <a:rPr lang="en-US" altLang="zh-CN" sz="1800" b="0" i="1" dirty="0" smtClean="0">
+                          <a:solidFill>
+                            <a:schemeClr val="tx1"/>
+                          </a:solidFill>
+                          <a:latin typeface="Cambria Math" panose="02040503050406030204" pitchFamily="18" charset="0"/>
+                          <a:ea typeface="Cambria Math" panose="02040503050406030204" pitchFamily="18" charset="0"/>
+                        </a:rPr>
+                        <m:t>⊆</m:t>
+                      </m:r>
+                      <m:r>
+                        <a:rPr lang="en-US" altLang="zh-CN" sz="1800" b="0" i="1" dirty="0" smtClean="0">
+                          <a:solidFill>
+                            <a:schemeClr val="tx1"/>
+                          </a:solidFill>
+                          <a:latin typeface="Cambria Math" panose="02040503050406030204" pitchFamily="18" charset="0"/>
+                          <a:ea typeface="Cambria Math" panose="02040503050406030204" pitchFamily="18" charset="0"/>
+                        </a:rPr>
+                        <m:t>𝐴</m:t>
+                      </m:r>
+                      <m:r>
+                        <a:rPr lang="en-US" altLang="zh-CN" sz="1800" b="0" i="1" dirty="0" smtClean="0">
+                          <a:solidFill>
+                            <a:schemeClr val="tx1"/>
+                          </a:solidFill>
+                          <a:latin typeface="Cambria Math" panose="02040503050406030204" pitchFamily="18" charset="0"/>
+                          <a:ea typeface="Cambria Math" panose="02040503050406030204" pitchFamily="18" charset="0"/>
+                        </a:rPr>
+                        <m:t>}</m:t>
+                      </m:r>
+                    </m:oMath>
+                  </m:oMathPara>
+                </a14:m>
+                <a:endParaRPr lang="en-US" altLang="zh-CN" sz="1800" dirty="0">
+                  <a:solidFill>
+                    <a:schemeClr val="tx1"/>
+                  </a:solidFill>
+                </a:endParaRPr>
+              </a:p>
+            </p:txBody>
+          </p:sp>
+        </mc:Choice>
+        <mc:Fallback xmlns="">
+          <p:sp>
+            <p:nvSpPr>
+              <p:cNvPr id="5" name="内容占位符 2">
+                <a:extLst>
+                  <a:ext uri="{FF2B5EF4-FFF2-40B4-BE49-F238E27FC236}">
+                    <a16:creationId xmlns:a16="http://schemas.microsoft.com/office/drawing/2014/main" id="{8F78F637-EED3-E0E7-572E-8A66A6E9E778}"/>
+                  </a:ext>
+                </a:extLst>
+              </p:cNvPr>
+              <p:cNvSpPr>
+                <a:spLocks noGrp="1" noRot="1" noChangeAspect="1" noMove="1" noResize="1" noEditPoints="1" noAdjustHandles="1" noChangeArrowheads="1" noChangeShapeType="1" noTextEdit="1"/>
+              </p:cNvSpPr>
+              <p:nvPr>
+                <p:ph sz="quarter" idx="10"/>
+              </p:nvPr>
+            </p:nvSpPr>
+            <p:spPr>
+              <a:xfrm>
+                <a:off x="601138" y="4136870"/>
+                <a:ext cx="10989723" cy="2150418"/>
+              </a:xfrm>
+              <a:blipFill>
+                <a:blip r:embed="rId2"/>
+                <a:stretch>
+                  <a:fillRect l="-388"/>
+                </a:stretch>
+              </a:blipFill>
+            </p:spPr>
+            <p:txBody>
+              <a:bodyPr/>
+              <a:lstStyle/>
+              <a:p>
+                <a:r>
+                  <a:rPr lang="zh-CN" altLang="en-US">
+                    <a:noFill/>
+                  </a:rPr>
+                  <a:t> </a:t>
+                </a:r>
+              </a:p>
+            </p:txBody>
+          </p:sp>
+        </mc:Fallback>
+      </mc:AlternateContent>
+      <p:pic>
+        <p:nvPicPr>
+          <p:cNvPr id="11" name="图片 10">
+            <a:extLst>
+              <a:ext uri="{FF2B5EF4-FFF2-40B4-BE49-F238E27FC236}">
+                <a16:creationId xmlns:a16="http://schemas.microsoft.com/office/drawing/2014/main" id="{09E36ADC-786C-E336-7703-76958571CFF7}"/>
+              </a:ext>
+            </a:extLst>
+          </p:cNvPr>
+          <p:cNvPicPr>
+            <a:picLocks noChangeAspect="1"/>
+          </p:cNvPicPr>
+          <p:nvPr/>
+        </p:nvPicPr>
+        <p:blipFill>
+          <a:blip r:embed="rId3"/>
+          <a:stretch>
+            <a:fillRect/>
+          </a:stretch>
+        </p:blipFill>
+        <p:spPr>
+          <a:xfrm>
+            <a:off x="521207" y="1665103"/>
+            <a:ext cx="11028372" cy="1894799"/>
+          </a:xfrm>
+          <a:prstGeom prst="rect">
+            <a:avLst/>
+          </a:prstGeom>
+        </p:spPr>
+      </p:pic>
+    </p:spTree>
+    <p:extLst>
+      <p:ext uri="{BB962C8B-B14F-4D97-AF65-F5344CB8AC3E}">
+        <p14:creationId xmlns:p14="http://schemas.microsoft.com/office/powerpoint/2010/main" val="3925471378"/>
+      </p:ext>
+    </p:extLst>
+  </p:cSld>
+  <p:clrMapOvr>
+    <a:masterClrMapping/>
+  </p:clrMapOvr>
+</p:sld>
+</file>
+
+<file path=ppt/slides/slide25.xml><?xml version="1.0" encoding="utf-8"?>
+<p:sld xmlns:a="http://schemas.openxmlformats.org/drawingml/2006/main" xmlns:r="http://schemas.openxmlformats.org/officeDocument/2006/relationships" xmlns:p="http://schemas.openxmlformats.org/presentationml/2006/main">
+  <p:cSld>
+    <p:spTree>
+      <p:nvGrpSpPr>
+        <p:cNvPr id="1" name=""/>
+        <p:cNvGrpSpPr/>
+        <p:nvPr/>
+      </p:nvGrpSpPr>
+      <p:grpSpPr>
+        <a:xfrm>
+          <a:off x="0" y="0"/>
+          <a:ext cx="0" cy="0"/>
+          <a:chOff x="0" y="0"/>
+          <a:chExt cx="0" cy="0"/>
+        </a:xfrm>
+      </p:grpSpPr>
+      <p:sp>
+        <p:nvSpPr>
+          <p:cNvPr id="2" name="标题 1">
+            <a:extLst>
+              <a:ext uri="{FF2B5EF4-FFF2-40B4-BE49-F238E27FC236}">
+                <a16:creationId xmlns:a16="http://schemas.microsoft.com/office/drawing/2014/main" id="{62D1486B-7D0B-D15D-EE46-750E419DD258}"/>
+              </a:ext>
+            </a:extLst>
+          </p:cNvPr>
+          <p:cNvSpPr>
+            <a:spLocks noGrp="1"/>
+          </p:cNvSpPr>
+          <p:nvPr>
+            <p:ph type="title"/>
+          </p:nvPr>
+        </p:nvSpPr>
+        <p:spPr/>
+        <p:txBody>
+          <a:bodyPr/>
+          <a:lstStyle/>
+          <a:p>
+            <a:pPr marL="571500" lvl="1" indent="-342900">
+              <a:lnSpc>
+                <a:spcPct val="145000"/>
+              </a:lnSpc>
+              <a:spcBef>
+                <a:spcPts val="0"/>
+              </a:spcBef>
+              <a:spcAft>
+                <a:spcPts val="0"/>
+              </a:spcAft>
+            </a:pPr>
+            <a:r>
+              <a:rPr lang="zh-CN" altLang="en-US" sz="2800" dirty="0"/>
+              <a:t>开运算的定义</a:t>
+            </a:r>
+            <a:endParaRPr lang="en-US" altLang="zh-CN" sz="2800" dirty="0"/>
+          </a:p>
+        </p:txBody>
+      </p:sp>
+      <p:sp>
+        <p:nvSpPr>
+          <p:cNvPr id="5" name="内容占位符 2">
+            <a:extLst>
+              <a:ext uri="{FF2B5EF4-FFF2-40B4-BE49-F238E27FC236}">
+                <a16:creationId xmlns:a16="http://schemas.microsoft.com/office/drawing/2014/main" id="{8F78F637-EED3-E0E7-572E-8A66A6E9E778}"/>
+              </a:ext>
+            </a:extLst>
+          </p:cNvPr>
+          <p:cNvSpPr>
+            <a:spLocks noGrp="1"/>
+          </p:cNvSpPr>
+          <p:nvPr>
+            <p:ph sz="quarter" idx="10"/>
+          </p:nvPr>
+        </p:nvSpPr>
+        <p:spPr>
+          <a:xfrm>
+            <a:off x="521206" y="4767491"/>
+            <a:ext cx="11075907" cy="1595472"/>
+          </a:xfrm>
+        </p:spPr>
+        <p:txBody>
+          <a:bodyPr>
+            <a:normAutofit/>
+          </a:bodyPr>
+          <a:lstStyle/>
+          <a:p>
+            <a:pPr marL="285750" indent="-285750">
+              <a:spcBef>
+                <a:spcPts val="600"/>
+              </a:spcBef>
+              <a:spcAft>
+                <a:spcPts val="600"/>
+              </a:spcAft>
+              <a:buFont typeface="Arial" panose="020B0604020202020204" pitchFamily="34" charset="0"/>
+              <a:buChar char="•"/>
+            </a:pPr>
+            <a:r>
+              <a:rPr lang="zh-CN" altLang="en-US" sz="1800" dirty="0">
+                <a:solidFill>
+                  <a:schemeClr val="tx1"/>
+                </a:solidFill>
+              </a:rPr>
+              <a:t>开运算可以看成结构元在前景图中滑动，所产生的区域。</a:t>
+            </a:r>
+            <a:endParaRPr lang="en-US" altLang="zh-CN" sz="1800" dirty="0">
+              <a:solidFill>
+                <a:schemeClr val="tx1"/>
+              </a:solidFill>
+            </a:endParaRPr>
+          </a:p>
+          <a:p>
+            <a:pPr marL="285750" indent="-285750">
+              <a:spcBef>
+                <a:spcPts val="600"/>
+              </a:spcBef>
+              <a:spcAft>
+                <a:spcPts val="600"/>
+              </a:spcAft>
+              <a:buFont typeface="Arial" panose="020B0604020202020204" pitchFamily="34" charset="0"/>
+              <a:buChar char="•"/>
+            </a:pPr>
+            <a:r>
+              <a:rPr lang="zh-CN" altLang="en-US" sz="1800" dirty="0">
+                <a:solidFill>
+                  <a:schemeClr val="tx1"/>
+                </a:solidFill>
+              </a:rPr>
+              <a:t>也可以看成前景图的凸角变圆。</a:t>
+            </a:r>
+            <a:endParaRPr lang="en-US" altLang="zh-CN" sz="1800" dirty="0">
+              <a:solidFill>
+                <a:schemeClr val="tx1"/>
+              </a:solidFill>
+            </a:endParaRPr>
+          </a:p>
+        </p:txBody>
+      </p:sp>
+      <p:pic>
+        <p:nvPicPr>
+          <p:cNvPr id="4" name="图片 3">
+            <a:extLst>
+              <a:ext uri="{FF2B5EF4-FFF2-40B4-BE49-F238E27FC236}">
+                <a16:creationId xmlns:a16="http://schemas.microsoft.com/office/drawing/2014/main" id="{148B81DE-B8C7-B521-5D23-0D301065EB45}"/>
+              </a:ext>
+            </a:extLst>
+          </p:cNvPr>
+          <p:cNvPicPr>
+            <a:picLocks noChangeAspect="1"/>
+          </p:cNvPicPr>
+          <p:nvPr/>
+        </p:nvPicPr>
+        <p:blipFill>
+          <a:blip r:embed="rId2"/>
+          <a:stretch>
+            <a:fillRect/>
+          </a:stretch>
+        </p:blipFill>
+        <p:spPr>
+          <a:xfrm>
+            <a:off x="521205" y="1409744"/>
+            <a:ext cx="5640509" cy="3111806"/>
+          </a:xfrm>
+          <a:prstGeom prst="rect">
+            <a:avLst/>
+          </a:prstGeom>
+        </p:spPr>
+      </p:pic>
+      <p:pic>
+        <p:nvPicPr>
+          <p:cNvPr id="8" name="图片 7">
+            <a:extLst>
+              <a:ext uri="{FF2B5EF4-FFF2-40B4-BE49-F238E27FC236}">
+                <a16:creationId xmlns:a16="http://schemas.microsoft.com/office/drawing/2014/main" id="{824C0828-8E3E-FCC9-0E3D-A1E38BE20FD0}"/>
+              </a:ext>
+            </a:extLst>
+          </p:cNvPr>
+          <p:cNvPicPr>
+            <a:picLocks noChangeAspect="1"/>
+          </p:cNvPicPr>
+          <p:nvPr/>
+        </p:nvPicPr>
+        <p:blipFill>
+          <a:blip r:embed="rId3"/>
+          <a:stretch>
+            <a:fillRect/>
+          </a:stretch>
+        </p:blipFill>
+        <p:spPr>
+          <a:xfrm>
+            <a:off x="6728723" y="1419762"/>
+            <a:ext cx="4203137" cy="3114374"/>
+          </a:xfrm>
+          <a:prstGeom prst="rect">
+            <a:avLst/>
+          </a:prstGeom>
+        </p:spPr>
+      </p:pic>
+    </p:spTree>
+    <p:extLst>
+      <p:ext uri="{BB962C8B-B14F-4D97-AF65-F5344CB8AC3E}">
+        <p14:creationId xmlns:p14="http://schemas.microsoft.com/office/powerpoint/2010/main" val="2483180105"/>
+      </p:ext>
+    </p:extLst>
+  </p:cSld>
+  <p:clrMapOvr>
+    <a:masterClrMapping/>
+  </p:clrMapOvr>
+</p:sld>
+</file>
+
+<file path=ppt/slides/slide26.xml><?xml version="1.0" encoding="utf-8"?>
+<p:sld xmlns:a="http://schemas.openxmlformats.org/drawingml/2006/main" xmlns:r="http://schemas.openxmlformats.org/officeDocument/2006/relationships" xmlns:p="http://schemas.openxmlformats.org/presentationml/2006/main">
+  <p:cSld>
+    <p:spTree>
+      <p:nvGrpSpPr>
+        <p:cNvPr id="1" name=""/>
+        <p:cNvGrpSpPr/>
+        <p:nvPr/>
+      </p:nvGrpSpPr>
+      <p:grpSpPr>
+        <a:xfrm>
+          <a:off x="0" y="0"/>
+          <a:ext cx="0" cy="0"/>
+          <a:chOff x="0" y="0"/>
+          <a:chExt cx="0" cy="0"/>
+        </a:xfrm>
+      </p:grpSpPr>
+      <p:sp>
+        <p:nvSpPr>
+          <p:cNvPr id="2" name="标题 1">
+            <a:extLst>
+              <a:ext uri="{FF2B5EF4-FFF2-40B4-BE49-F238E27FC236}">
+                <a16:creationId xmlns:a16="http://schemas.microsoft.com/office/drawing/2014/main" id="{62D1486B-7D0B-D15D-EE46-750E419DD258}"/>
+              </a:ext>
+            </a:extLst>
+          </p:cNvPr>
+          <p:cNvSpPr>
+            <a:spLocks noGrp="1"/>
+          </p:cNvSpPr>
+          <p:nvPr>
+            <p:ph type="title"/>
+          </p:nvPr>
+        </p:nvSpPr>
+        <p:spPr/>
+        <p:txBody>
+          <a:bodyPr/>
+          <a:lstStyle/>
+          <a:p>
+            <a:pPr marL="571500" lvl="1" indent="-342900">
+              <a:lnSpc>
+                <a:spcPct val="145000"/>
+              </a:lnSpc>
+              <a:spcBef>
+                <a:spcPts val="0"/>
+              </a:spcBef>
+              <a:spcAft>
+                <a:spcPts val="0"/>
+              </a:spcAft>
+            </a:pPr>
+            <a:r>
+              <a:rPr lang="zh-CN" altLang="en-US" sz="2800" dirty="0"/>
+              <a:t>开运算的特性</a:t>
+            </a:r>
+            <a:endParaRPr lang="en-US" altLang="zh-CN" sz="2800" dirty="0"/>
+          </a:p>
+        </p:txBody>
+      </p:sp>
+      <mc:AlternateContent xmlns:mc="http://schemas.openxmlformats.org/markup-compatibility/2006" xmlns:a14="http://schemas.microsoft.com/office/drawing/2010/main">
+        <mc:Choice Requires="a14">
+          <p:sp>
+            <p:nvSpPr>
+              <p:cNvPr id="5" name="内容占位符 2">
+                <a:extLst>
+                  <a:ext uri="{FF2B5EF4-FFF2-40B4-BE49-F238E27FC236}">
+                    <a16:creationId xmlns:a16="http://schemas.microsoft.com/office/drawing/2014/main" id="{8F78F637-EED3-E0E7-572E-8A66A6E9E778}"/>
+                  </a:ext>
+                </a:extLst>
+              </p:cNvPr>
+              <p:cNvSpPr>
+                <a:spLocks noGrp="1"/>
+              </p:cNvSpPr>
+              <p:nvPr>
+                <p:ph sz="quarter" idx="10"/>
+              </p:nvPr>
+            </p:nvSpPr>
+            <p:spPr>
+              <a:xfrm>
+                <a:off x="615799" y="4023358"/>
+                <a:ext cx="11075907" cy="561254"/>
+              </a:xfrm>
+            </p:spPr>
+            <p:txBody>
+              <a:bodyPr>
+                <a:normAutofit/>
+              </a:bodyPr>
+              <a:lstStyle/>
+              <a:p>
+                <a:pPr marL="285750" indent="-285750">
+                  <a:spcBef>
+                    <a:spcPts val="600"/>
+                  </a:spcBef>
+                  <a:spcAft>
+                    <a:spcPts val="600"/>
+                  </a:spcAft>
+                  <a:buFont typeface="Arial" panose="020B0604020202020204" pitchFamily="34" charset="0"/>
+                  <a:buChar char="•"/>
+                </a:pPr>
+                <a:r>
+                  <a:rPr lang="zh-CN" altLang="en-US" sz="1800" dirty="0">
+                    <a:solidFill>
+                      <a:schemeClr val="tx1"/>
+                    </a:solidFill>
+                  </a:rPr>
+                  <a:t>开运算具有幂等性，即操作 </a:t>
+                </a:r>
+                <a14:m>
+                  <m:oMath xmlns:m="http://schemas.openxmlformats.org/officeDocument/2006/math">
+                    <m:r>
+                      <a:rPr lang="en-US" altLang="zh-CN" sz="1800" b="0" i="1" smtClean="0">
+                        <a:solidFill>
+                          <a:schemeClr val="tx1"/>
+                        </a:solidFill>
+                        <a:latin typeface="Cambria Math" panose="02040503050406030204" pitchFamily="18" charset="0"/>
+                      </a:rPr>
+                      <m:t>𝑛</m:t>
+                    </m:r>
+                    <m:r>
+                      <a:rPr lang="en-US" altLang="zh-CN" sz="1800" b="0" i="1" smtClean="0">
+                        <a:solidFill>
+                          <a:schemeClr val="tx1"/>
+                        </a:solidFill>
+                        <a:latin typeface="Cambria Math" panose="02040503050406030204" pitchFamily="18" charset="0"/>
+                      </a:rPr>
+                      <m:t>(</m:t>
+                    </m:r>
+                    <m:r>
+                      <a:rPr lang="en-US" altLang="zh-CN" sz="1800" b="0" i="1" smtClean="0">
+                        <a:solidFill>
+                          <a:schemeClr val="tx1"/>
+                        </a:solidFill>
+                        <a:latin typeface="Cambria Math" panose="02040503050406030204" pitchFamily="18" charset="0"/>
+                      </a:rPr>
+                      <m:t>𝑛</m:t>
+                    </m:r>
+                    <m:r>
+                      <a:rPr lang="en-US" altLang="zh-CN" sz="1800" b="0" i="1" smtClean="0">
+                        <a:solidFill>
+                          <a:schemeClr val="tx1"/>
+                        </a:solidFill>
+                        <a:latin typeface="Cambria Math" panose="02040503050406030204" pitchFamily="18" charset="0"/>
+                      </a:rPr>
+                      <m:t>≥1)</m:t>
+                    </m:r>
+                  </m:oMath>
+                </a14:m>
+                <a:r>
+                  <a:rPr lang="en-US" altLang="zh-CN" sz="1800" dirty="0">
+                    <a:solidFill>
+                      <a:schemeClr val="tx1"/>
+                    </a:solidFill>
+                  </a:rPr>
+                  <a:t> </a:t>
+                </a:r>
+                <a:r>
+                  <a:rPr lang="zh-CN" altLang="en-US" sz="1800" dirty="0">
+                    <a:solidFill>
+                      <a:schemeClr val="tx1"/>
+                    </a:solidFill>
+                  </a:rPr>
+                  <a:t>次的效果与操作一次的效果相同。</a:t>
+                </a:r>
+                <a:endParaRPr lang="en-US" altLang="zh-CN" sz="1800" dirty="0">
+                  <a:solidFill>
+                    <a:schemeClr val="tx1"/>
+                  </a:solidFill>
+                </a:endParaRPr>
+              </a:p>
+            </p:txBody>
+          </p:sp>
+        </mc:Choice>
+        <mc:Fallback xmlns="">
+          <p:sp>
+            <p:nvSpPr>
+              <p:cNvPr id="5" name="内容占位符 2">
+                <a:extLst>
+                  <a:ext uri="{FF2B5EF4-FFF2-40B4-BE49-F238E27FC236}">
+                    <a16:creationId xmlns:a16="http://schemas.microsoft.com/office/drawing/2014/main" id="{8F78F637-EED3-E0E7-572E-8A66A6E9E778}"/>
+                  </a:ext>
+                </a:extLst>
+              </p:cNvPr>
+              <p:cNvSpPr>
+                <a:spLocks noGrp="1" noRot="1" noChangeAspect="1" noMove="1" noResize="1" noEditPoints="1" noAdjustHandles="1" noChangeArrowheads="1" noChangeShapeType="1" noTextEdit="1"/>
+              </p:cNvSpPr>
+              <p:nvPr>
+                <p:ph sz="quarter" idx="10"/>
+              </p:nvPr>
+            </p:nvSpPr>
+            <p:spPr>
+              <a:xfrm>
+                <a:off x="615799" y="4023358"/>
+                <a:ext cx="11075907" cy="561254"/>
+              </a:xfrm>
+              <a:blipFill>
+                <a:blip r:embed="rId2"/>
+                <a:stretch>
+                  <a:fillRect l="-330"/>
+                </a:stretch>
+              </a:blipFill>
+            </p:spPr>
+            <p:txBody>
+              <a:bodyPr/>
+              <a:lstStyle/>
+              <a:p>
+                <a:r>
+                  <a:rPr lang="zh-CN" altLang="en-US">
+                    <a:noFill/>
+                  </a:rPr>
+                  <a:t> </a:t>
+                </a:r>
+              </a:p>
+            </p:txBody>
+          </p:sp>
+        </mc:Fallback>
+      </mc:AlternateContent>
+      <p:pic>
+        <p:nvPicPr>
+          <p:cNvPr id="6" name="图片 5">
+            <a:extLst>
+              <a:ext uri="{FF2B5EF4-FFF2-40B4-BE49-F238E27FC236}">
+                <a16:creationId xmlns:a16="http://schemas.microsoft.com/office/drawing/2014/main" id="{34A508CC-E7C8-C814-00B4-D20690A96BDA}"/>
+              </a:ext>
+            </a:extLst>
+          </p:cNvPr>
+          <p:cNvPicPr>
+            <a:picLocks noChangeAspect="1"/>
+          </p:cNvPicPr>
+          <p:nvPr/>
+        </p:nvPicPr>
+        <p:blipFill>
+          <a:blip r:embed="rId3"/>
+          <a:stretch>
+            <a:fillRect/>
+          </a:stretch>
+        </p:blipFill>
+        <p:spPr>
+          <a:xfrm>
+            <a:off x="970860" y="1381388"/>
+            <a:ext cx="10081335" cy="2232069"/>
+          </a:xfrm>
+          <a:prstGeom prst="rect">
+            <a:avLst/>
+          </a:prstGeom>
+        </p:spPr>
+      </p:pic>
+    </p:spTree>
+    <p:extLst>
+      <p:ext uri="{BB962C8B-B14F-4D97-AF65-F5344CB8AC3E}">
+        <p14:creationId xmlns:p14="http://schemas.microsoft.com/office/powerpoint/2010/main" val="2785521372"/>
+      </p:ext>
+    </p:extLst>
+  </p:cSld>
+  <p:clrMapOvr>
+    <a:masterClrMapping/>
+  </p:clrMapOvr>
+</p:sld>
+</file>
+
+<file path=ppt/slides/slide27.xml><?xml version="1.0" encoding="utf-8"?>
+<p:sld xmlns:a="http://schemas.openxmlformats.org/drawingml/2006/main" xmlns:r="http://schemas.openxmlformats.org/officeDocument/2006/relationships" xmlns:p="http://schemas.openxmlformats.org/presentationml/2006/main">
+  <p:cSld>
+    <p:spTree>
+      <p:nvGrpSpPr>
+        <p:cNvPr id="1" name=""/>
+        <p:cNvGrpSpPr/>
+        <p:nvPr/>
+      </p:nvGrpSpPr>
+      <p:grpSpPr>
+        <a:xfrm>
+          <a:off x="0" y="0"/>
+          <a:ext cx="0" cy="0"/>
+          <a:chOff x="0" y="0"/>
+          <a:chExt cx="0" cy="0"/>
+        </a:xfrm>
+      </p:grpSpPr>
+      <p:sp>
+        <p:nvSpPr>
+          <p:cNvPr id="2" name="标题 1">
+            <a:extLst>
+              <a:ext uri="{FF2B5EF4-FFF2-40B4-BE49-F238E27FC236}">
+                <a16:creationId xmlns:a16="http://schemas.microsoft.com/office/drawing/2014/main" id="{62D1486B-7D0B-D15D-EE46-750E419DD258}"/>
+              </a:ext>
+            </a:extLst>
+          </p:cNvPr>
+          <p:cNvSpPr>
+            <a:spLocks noGrp="1"/>
+          </p:cNvSpPr>
+          <p:nvPr>
+            <p:ph type="title"/>
+          </p:nvPr>
+        </p:nvSpPr>
+        <p:spPr/>
+        <p:txBody>
+          <a:bodyPr/>
+          <a:lstStyle/>
+          <a:p>
+            <a:pPr marL="571500" lvl="1" indent="-342900">
+              <a:lnSpc>
+                <a:spcPct val="145000"/>
+              </a:lnSpc>
+              <a:spcBef>
+                <a:spcPts val="0"/>
+              </a:spcBef>
+              <a:spcAft>
+                <a:spcPts val="0"/>
+              </a:spcAft>
+            </a:pPr>
+            <a:r>
+              <a:rPr lang="zh-CN" altLang="en-US" sz="2800" dirty="0"/>
+              <a:t>开运算的应用</a:t>
+            </a:r>
+            <a:endParaRPr lang="en-US" altLang="zh-CN" sz="2800" dirty="0"/>
+          </a:p>
+        </p:txBody>
+      </p:sp>
+      <p:sp>
+        <p:nvSpPr>
+          <p:cNvPr id="5" name="内容占位符 2">
+            <a:extLst>
+              <a:ext uri="{FF2B5EF4-FFF2-40B4-BE49-F238E27FC236}">
+                <a16:creationId xmlns:a16="http://schemas.microsoft.com/office/drawing/2014/main" id="{8F78F637-EED3-E0E7-572E-8A66A6E9E778}"/>
+              </a:ext>
+            </a:extLst>
+          </p:cNvPr>
+          <p:cNvSpPr>
+            <a:spLocks noGrp="1"/>
+          </p:cNvSpPr>
+          <p:nvPr>
+            <p:ph sz="quarter" idx="10"/>
+          </p:nvPr>
+        </p:nvSpPr>
+        <p:spPr>
+          <a:xfrm>
+            <a:off x="2058955" y="3934418"/>
+            <a:ext cx="1844055" cy="340538"/>
+          </a:xfrm>
+        </p:spPr>
+        <p:txBody>
+          <a:bodyPr>
+            <a:normAutofit/>
+          </a:bodyPr>
+          <a:lstStyle/>
+          <a:p>
+            <a:pPr>
+              <a:spcBef>
+                <a:spcPts val="600"/>
+              </a:spcBef>
+              <a:spcAft>
+                <a:spcPts val="600"/>
+              </a:spcAft>
+            </a:pPr>
             <a:r>
               <a:rPr lang="zh-CN" altLang="en-US" dirty="0">
                 <a:solidFill>
-                  <a:schemeClr val="bg1"/>
-                </a:solidFill>
-              </a:rPr>
-              <a:t>希望大家实验课玩的愉快！</a:t>
-            </a:r>
+                  <a:schemeClr val="tx1"/>
+                </a:solidFill>
+              </a:rPr>
+              <a:t>移除图像中小物体</a:t>
+            </a:r>
+            <a:endParaRPr lang="en-US" altLang="zh-CN" dirty="0">
+              <a:solidFill>
+                <a:schemeClr val="tx1"/>
+              </a:solidFill>
+            </a:endParaRPr>
+          </a:p>
+        </p:txBody>
+      </p:sp>
+      <p:pic>
+        <p:nvPicPr>
+          <p:cNvPr id="4" name="图片 3">
+            <a:extLst>
+              <a:ext uri="{FF2B5EF4-FFF2-40B4-BE49-F238E27FC236}">
+                <a16:creationId xmlns:a16="http://schemas.microsoft.com/office/drawing/2014/main" id="{17193C78-85EC-61C2-8133-4E6A468AD699}"/>
+              </a:ext>
+            </a:extLst>
+          </p:cNvPr>
+          <p:cNvPicPr>
+            <a:picLocks noChangeAspect="1"/>
+          </p:cNvPicPr>
+          <p:nvPr/>
+        </p:nvPicPr>
+        <p:blipFill>
+          <a:blip r:embed="rId2"/>
+          <a:stretch>
+            <a:fillRect/>
+          </a:stretch>
+        </p:blipFill>
+        <p:spPr>
+          <a:xfrm>
+            <a:off x="6201104" y="1595300"/>
+            <a:ext cx="5208616" cy="2339940"/>
+          </a:xfrm>
+          <a:prstGeom prst="rect">
+            <a:avLst/>
+          </a:prstGeom>
+        </p:spPr>
+      </p:pic>
+      <p:pic>
+        <p:nvPicPr>
+          <p:cNvPr id="8" name="图片 7">
+            <a:extLst>
+              <a:ext uri="{FF2B5EF4-FFF2-40B4-BE49-F238E27FC236}">
+                <a16:creationId xmlns:a16="http://schemas.microsoft.com/office/drawing/2014/main" id="{227D700E-99CA-5D6F-A332-67BF091540FA}"/>
+              </a:ext>
+            </a:extLst>
+          </p:cNvPr>
+          <p:cNvPicPr>
+            <a:picLocks noChangeAspect="1"/>
+          </p:cNvPicPr>
+          <p:nvPr/>
+        </p:nvPicPr>
+        <p:blipFill>
+          <a:blip r:embed="rId3"/>
+          <a:stretch>
+            <a:fillRect/>
+          </a:stretch>
+        </p:blipFill>
+        <p:spPr>
+          <a:xfrm>
+            <a:off x="279576" y="4289935"/>
+            <a:ext cx="5208616" cy="2070964"/>
+          </a:xfrm>
+          <a:prstGeom prst="rect">
+            <a:avLst/>
+          </a:prstGeom>
+        </p:spPr>
+      </p:pic>
+      <p:pic>
+        <p:nvPicPr>
+          <p:cNvPr id="12" name="图片 11">
+            <a:extLst>
+              <a:ext uri="{FF2B5EF4-FFF2-40B4-BE49-F238E27FC236}">
+                <a16:creationId xmlns:a16="http://schemas.microsoft.com/office/drawing/2014/main" id="{92E4E615-090F-3250-1D77-573039B0F7D3}"/>
+              </a:ext>
+            </a:extLst>
+          </p:cNvPr>
+          <p:cNvPicPr>
+            <a:picLocks noChangeAspect="1"/>
+          </p:cNvPicPr>
+          <p:nvPr/>
+        </p:nvPicPr>
+        <p:blipFill>
+          <a:blip r:embed="rId4"/>
+          <a:stretch>
+            <a:fillRect/>
+          </a:stretch>
+        </p:blipFill>
+        <p:spPr>
+          <a:xfrm>
+            <a:off x="279576" y="1595300"/>
+            <a:ext cx="5803389" cy="2339940"/>
+          </a:xfrm>
+          <a:prstGeom prst="rect">
+            <a:avLst/>
+          </a:prstGeom>
+        </p:spPr>
+      </p:pic>
+      <p:sp>
+        <p:nvSpPr>
+          <p:cNvPr id="14" name="文本框 13">
+            <a:extLst>
+              <a:ext uri="{FF2B5EF4-FFF2-40B4-BE49-F238E27FC236}">
+                <a16:creationId xmlns:a16="http://schemas.microsoft.com/office/drawing/2014/main" id="{CB51AFB5-77E5-3709-7A80-531583BE8A0A}"/>
+              </a:ext>
+            </a:extLst>
+          </p:cNvPr>
+          <p:cNvSpPr txBox="1"/>
+          <p:nvPr/>
+        </p:nvSpPr>
+        <p:spPr>
+          <a:xfrm>
+            <a:off x="8125574" y="3935240"/>
+            <a:ext cx="2545243" cy="276999"/>
+          </a:xfrm>
+          <a:prstGeom prst="rect">
+            <a:avLst/>
+          </a:prstGeom>
+          <a:noFill/>
+        </p:spPr>
+        <p:txBody>
+          <a:bodyPr wrap="square">
+            <a:spAutoFit/>
+          </a:bodyPr>
+          <a:lstStyle/>
+          <a:p>
+            <a:pPr>
+              <a:spcBef>
+                <a:spcPts val="600"/>
+              </a:spcBef>
+              <a:spcAft>
+                <a:spcPts val="600"/>
+              </a:spcAft>
+            </a:pPr>
+            <a:r>
+              <a:rPr lang="zh-CN" altLang="en-US" sz="1200" dirty="0">
+                <a:solidFill>
+                  <a:schemeClr val="tx1"/>
+                </a:solidFill>
+              </a:rPr>
+              <a:t>分开细连接的物体</a:t>
+            </a:r>
+            <a:endParaRPr lang="en-US" altLang="zh-CN" sz="1200" dirty="0">
+              <a:solidFill>
+                <a:schemeClr val="tx1"/>
+              </a:solidFill>
+            </a:endParaRPr>
+          </a:p>
+        </p:txBody>
+      </p:sp>
+      <p:sp>
+        <p:nvSpPr>
+          <p:cNvPr id="15" name="文本框 14">
+            <a:extLst>
+              <a:ext uri="{FF2B5EF4-FFF2-40B4-BE49-F238E27FC236}">
+                <a16:creationId xmlns:a16="http://schemas.microsoft.com/office/drawing/2014/main" id="{7469FD22-F8BF-B4EA-2855-BEA54D13E2B3}"/>
+              </a:ext>
+            </a:extLst>
+          </p:cNvPr>
+          <p:cNvSpPr txBox="1"/>
+          <p:nvPr/>
+        </p:nvSpPr>
+        <p:spPr>
+          <a:xfrm>
+            <a:off x="2090534" y="6360899"/>
+            <a:ext cx="2545243" cy="276999"/>
+          </a:xfrm>
+          <a:prstGeom prst="rect">
+            <a:avLst/>
+          </a:prstGeom>
+          <a:noFill/>
+        </p:spPr>
+        <p:txBody>
+          <a:bodyPr wrap="square">
+            <a:spAutoFit/>
+          </a:bodyPr>
+          <a:lstStyle/>
+          <a:p>
+            <a:pPr>
+              <a:spcBef>
+                <a:spcPts val="600"/>
+              </a:spcBef>
+              <a:spcAft>
+                <a:spcPts val="600"/>
+              </a:spcAft>
+            </a:pPr>
+            <a:r>
+              <a:rPr lang="zh-CN" altLang="en-US" sz="1200" dirty="0">
+                <a:solidFill>
+                  <a:schemeClr val="tx1"/>
+                </a:solidFill>
+              </a:rPr>
+              <a:t>开操作能够找出简单的形状</a:t>
+            </a:r>
+            <a:endParaRPr lang="en-US" altLang="zh-CN" sz="1200" dirty="0">
+              <a:solidFill>
+                <a:schemeClr val="tx1"/>
+              </a:solidFill>
+            </a:endParaRPr>
           </a:p>
         </p:txBody>
       </p:sp>
     </p:spTree>
     <p:extLst>
       <p:ext uri="{BB962C8B-B14F-4D97-AF65-F5344CB8AC3E}">
-        <p14:creationId xmlns:p14="http://schemas.microsoft.com/office/powerpoint/2010/main" val="2947316665"/>
+        <p14:creationId xmlns:p14="http://schemas.microsoft.com/office/powerpoint/2010/main" val="441174127"/>
+      </p:ext>
+    </p:extLst>
+  </p:cSld>
+  <p:clrMapOvr>
+    <a:masterClrMapping/>
+  </p:clrMapOvr>
+</p:sld>
+</file>
+
+<file path=ppt/slides/slide28.xml><?xml version="1.0" encoding="utf-8"?>
+<p:sld xmlns:a="http://schemas.openxmlformats.org/drawingml/2006/main" xmlns:r="http://schemas.openxmlformats.org/officeDocument/2006/relationships" xmlns:p="http://schemas.openxmlformats.org/presentationml/2006/main">
+  <p:cSld>
+    <p:spTree>
+      <p:nvGrpSpPr>
+        <p:cNvPr id="1" name=""/>
+        <p:cNvGrpSpPr/>
+        <p:nvPr/>
+      </p:nvGrpSpPr>
+      <p:grpSpPr>
+        <a:xfrm>
+          <a:off x="0" y="0"/>
+          <a:ext cx="0" cy="0"/>
+          <a:chOff x="0" y="0"/>
+          <a:chExt cx="0" cy="0"/>
+        </a:xfrm>
+      </p:grpSpPr>
+      <p:sp>
+        <p:nvSpPr>
+          <p:cNvPr id="2" name="标题 1">
+            <a:extLst>
+              <a:ext uri="{FF2B5EF4-FFF2-40B4-BE49-F238E27FC236}">
+                <a16:creationId xmlns:a16="http://schemas.microsoft.com/office/drawing/2014/main" id="{62D1486B-7D0B-D15D-EE46-750E419DD258}"/>
+              </a:ext>
+            </a:extLst>
+          </p:cNvPr>
+          <p:cNvSpPr>
+            <a:spLocks noGrp="1"/>
+          </p:cNvSpPr>
+          <p:nvPr>
+            <p:ph type="title"/>
+          </p:nvPr>
+        </p:nvSpPr>
+        <p:spPr/>
+        <p:txBody>
+          <a:bodyPr/>
+          <a:lstStyle/>
+          <a:p>
+            <a:pPr marL="571500" lvl="1" indent="-342900">
+              <a:lnSpc>
+                <a:spcPct val="145000"/>
+              </a:lnSpc>
+              <a:spcBef>
+                <a:spcPts val="0"/>
+              </a:spcBef>
+              <a:spcAft>
+                <a:spcPts val="0"/>
+              </a:spcAft>
+            </a:pPr>
+            <a:r>
+              <a:rPr lang="zh-CN" altLang="en-US" sz="2800" dirty="0"/>
+              <a:t>闭运算的定义</a:t>
+            </a:r>
+            <a:endParaRPr lang="en-US" altLang="zh-CN" sz="2800" dirty="0"/>
+          </a:p>
+        </p:txBody>
+      </p:sp>
+      <mc:AlternateContent xmlns:mc="http://schemas.openxmlformats.org/markup-compatibility/2006" xmlns:a14="http://schemas.microsoft.com/office/drawing/2010/main">
+        <mc:Choice Requires="a14">
+          <p:sp>
+            <p:nvSpPr>
+              <p:cNvPr id="5" name="内容占位符 2">
+                <a:extLst>
+                  <a:ext uri="{FF2B5EF4-FFF2-40B4-BE49-F238E27FC236}">
+                    <a16:creationId xmlns:a16="http://schemas.microsoft.com/office/drawing/2014/main" id="{8F78F637-EED3-E0E7-572E-8A66A6E9E778}"/>
+                  </a:ext>
+                </a:extLst>
+              </p:cNvPr>
+              <p:cNvSpPr>
+                <a:spLocks noGrp="1"/>
+              </p:cNvSpPr>
+              <p:nvPr>
+                <p:ph sz="quarter" idx="10"/>
+              </p:nvPr>
+            </p:nvSpPr>
+            <p:spPr>
+              <a:xfrm>
+                <a:off x="615799" y="4023358"/>
+                <a:ext cx="11075909" cy="2453116"/>
+              </a:xfrm>
+            </p:spPr>
+            <p:txBody>
+              <a:bodyPr>
+                <a:normAutofit/>
+              </a:bodyPr>
+              <a:lstStyle/>
+              <a:p>
+                <a:pPr marL="285750" indent="-285750">
+                  <a:buFont typeface="Arial" panose="020B0604020202020204" pitchFamily="34" charset="0"/>
+                  <a:buChar char="•"/>
+                </a:pPr>
+                <a:r>
+                  <a:rPr lang="zh-CN" altLang="en-US" sz="1800" dirty="0">
+                    <a:solidFill>
+                      <a:schemeClr val="tx1"/>
+                    </a:solidFill>
+                  </a:rPr>
+                  <a:t>闭运算是使用相同的结构元，对图像先做膨胀操作，再做腐蚀操作。</a:t>
+                </a:r>
+                <a:endParaRPr lang="en-US" altLang="zh-CN" sz="1800" dirty="0">
+                  <a:solidFill>
+                    <a:schemeClr val="tx1"/>
+                  </a:solidFill>
+                </a:endParaRPr>
+              </a:p>
+              <a:p>
+                <a:pPr marL="285750" indent="-285750">
+                  <a:buFont typeface="Arial" panose="020B0604020202020204" pitchFamily="34" charset="0"/>
+                  <a:buChar char="•"/>
+                </a:pPr>
+                <a:r>
+                  <a:rPr lang="zh-CN" altLang="en-US" sz="1800" dirty="0">
+                    <a:solidFill>
+                      <a:schemeClr val="tx1"/>
+                    </a:solidFill>
+                  </a:rPr>
+                  <a:t>数学表达式为：</a:t>
+                </a:r>
+                <a:endParaRPr lang="en-US" altLang="zh-CN" sz="1800" dirty="0">
+                  <a:solidFill>
+                    <a:schemeClr val="tx1"/>
+                  </a:solidFill>
+                </a:endParaRPr>
+              </a:p>
+              <a:p>
+                <a:pPr/>
+                <a14:m>
+                  <m:oMathPara xmlns:m="http://schemas.openxmlformats.org/officeDocument/2006/math">
+                    <m:oMathParaPr>
+                      <m:jc m:val="centerGroup"/>
+                    </m:oMathParaPr>
+                    <m:oMath xmlns:m="http://schemas.openxmlformats.org/officeDocument/2006/math">
+                      <m:r>
+                        <m:rPr>
+                          <m:sty m:val="p"/>
+                        </m:rPr>
+                        <a:rPr lang="en-US" altLang="zh-CN" sz="1800" i="1" dirty="0">
+                          <a:solidFill>
+                            <a:schemeClr val="tx1"/>
+                          </a:solidFill>
+                          <a:latin typeface="Cambria Math" panose="02040503050406030204" pitchFamily="18" charset="0"/>
+                        </a:rPr>
+                        <m:t>A</m:t>
+                      </m:r>
+                      <m:r>
+                        <a:rPr lang="en-US" altLang="zh-CN" sz="1800" i="1" dirty="0" smtClean="0">
+                          <a:solidFill>
+                            <a:schemeClr val="tx1"/>
+                          </a:solidFill>
+                          <a:latin typeface="Cambria Math" panose="02040503050406030204" pitchFamily="18" charset="0"/>
+                          <a:ea typeface="Cambria Math" panose="02040503050406030204" pitchFamily="18" charset="0"/>
+                        </a:rPr>
+                        <m:t>∙</m:t>
+                      </m:r>
+                      <m:r>
+                        <a:rPr lang="en-US" altLang="zh-CN" sz="1800" i="1" dirty="0">
+                          <a:solidFill>
+                            <a:schemeClr val="tx1"/>
+                          </a:solidFill>
+                          <a:latin typeface="Cambria Math" panose="02040503050406030204" pitchFamily="18" charset="0"/>
+                          <a:ea typeface="Cambria Math" panose="02040503050406030204" pitchFamily="18" charset="0"/>
+                        </a:rPr>
+                        <m:t>𝐵</m:t>
+                      </m:r>
+                      <m:r>
+                        <a:rPr lang="en-US" altLang="zh-CN" sz="1800" i="1" dirty="0">
+                          <a:solidFill>
+                            <a:schemeClr val="tx1"/>
+                          </a:solidFill>
+                          <a:latin typeface="Cambria Math" panose="02040503050406030204" pitchFamily="18" charset="0"/>
+                          <a:ea typeface="Cambria Math" panose="02040503050406030204" pitchFamily="18" charset="0"/>
+                        </a:rPr>
+                        <m:t>=</m:t>
+                      </m:r>
+                      <m:d>
+                        <m:dPr>
+                          <m:ctrlPr>
+                            <a:rPr lang="en-US" altLang="zh-CN" sz="1800" i="1" dirty="0">
+                              <a:solidFill>
+                                <a:schemeClr val="tx1"/>
+                              </a:solidFill>
+                              <a:latin typeface="Cambria Math" panose="02040503050406030204" pitchFamily="18" charset="0"/>
+                              <a:ea typeface="Cambria Math" panose="02040503050406030204" pitchFamily="18" charset="0"/>
+                            </a:rPr>
+                          </m:ctrlPr>
+                        </m:dPr>
+                        <m:e>
+                          <m:r>
+                            <a:rPr lang="en-US" altLang="zh-CN" sz="1800" i="1" dirty="0">
+                              <a:solidFill>
+                                <a:schemeClr val="tx1"/>
+                              </a:solidFill>
+                              <a:latin typeface="Cambria Math" panose="02040503050406030204" pitchFamily="18" charset="0"/>
+                              <a:ea typeface="Cambria Math" panose="02040503050406030204" pitchFamily="18" charset="0"/>
+                            </a:rPr>
+                            <m:t>𝐴</m:t>
+                          </m:r>
+                          <m:r>
+                            <a:rPr lang="en-US" altLang="zh-CN" sz="1800" i="1" dirty="0" smtClean="0">
+                              <a:solidFill>
+                                <a:schemeClr val="tx1"/>
+                              </a:solidFill>
+                              <a:latin typeface="Cambria Math" panose="02040503050406030204" pitchFamily="18" charset="0"/>
+                              <a:ea typeface="Cambria Math" panose="02040503050406030204" pitchFamily="18" charset="0"/>
+                            </a:rPr>
+                            <m:t>⊕</m:t>
+                          </m:r>
+                          <m:r>
+                            <a:rPr lang="en-US" altLang="zh-CN" sz="1800" i="1" dirty="0">
+                              <a:solidFill>
+                                <a:schemeClr val="tx1"/>
+                              </a:solidFill>
+                              <a:latin typeface="Cambria Math" panose="02040503050406030204" pitchFamily="18" charset="0"/>
+                              <a:ea typeface="Cambria Math" panose="02040503050406030204" pitchFamily="18" charset="0"/>
+                            </a:rPr>
+                            <m:t>𝐵</m:t>
+                          </m:r>
+                        </m:e>
+                      </m:d>
+                      <m:r>
+                        <a:rPr lang="en-US" altLang="zh-CN" sz="1800" i="1" dirty="0" smtClean="0">
+                          <a:solidFill>
+                            <a:schemeClr val="tx1"/>
+                          </a:solidFill>
+                          <a:latin typeface="Cambria Math" panose="02040503050406030204" pitchFamily="18" charset="0"/>
+                          <a:ea typeface="Cambria Math" panose="02040503050406030204" pitchFamily="18" charset="0"/>
+                        </a:rPr>
+                        <m:t>⊖</m:t>
+                      </m:r>
+                      <m:r>
+                        <a:rPr lang="en-US" altLang="zh-CN" sz="1800" i="1" dirty="0">
+                          <a:solidFill>
+                            <a:schemeClr val="tx1"/>
+                          </a:solidFill>
+                          <a:latin typeface="Cambria Math" panose="02040503050406030204" pitchFamily="18" charset="0"/>
+                          <a:ea typeface="Cambria Math" panose="02040503050406030204" pitchFamily="18" charset="0"/>
+                        </a:rPr>
+                        <m:t>𝐵</m:t>
+                      </m:r>
+                      <m:r>
+                        <a:rPr lang="en-US" altLang="zh-CN" sz="1800" i="1" dirty="0">
+                          <a:solidFill>
+                            <a:schemeClr val="tx1"/>
+                          </a:solidFill>
+                          <a:latin typeface="Cambria Math" panose="02040503050406030204" pitchFamily="18" charset="0"/>
+                          <a:ea typeface="Cambria Math" panose="02040503050406030204" pitchFamily="18" charset="0"/>
+                        </a:rPr>
+                        <m:t>={</m:t>
+                      </m:r>
+                      <m:sSub>
+                        <m:sSubPr>
+                          <m:ctrlPr>
+                            <a:rPr lang="en-US" altLang="zh-CN" sz="1800" i="1" dirty="0">
+                              <a:solidFill>
+                                <a:schemeClr val="tx1"/>
+                              </a:solidFill>
+                              <a:latin typeface="Cambria Math" panose="02040503050406030204" pitchFamily="18" charset="0"/>
+                              <a:ea typeface="Cambria Math" panose="02040503050406030204" pitchFamily="18" charset="0"/>
+                            </a:rPr>
+                          </m:ctrlPr>
+                        </m:sSubPr>
+                        <m:e>
+                          <m:r>
+                            <a:rPr lang="en-US" altLang="zh-CN" sz="1800" i="1" dirty="0" smtClean="0">
+                              <a:solidFill>
+                                <a:schemeClr val="tx1"/>
+                              </a:solidFill>
+                              <a:latin typeface="Cambria Math" panose="02040503050406030204" pitchFamily="18" charset="0"/>
+                              <a:ea typeface="Cambria Math" panose="02040503050406030204" pitchFamily="18" charset="0"/>
+                            </a:rPr>
+                            <m:t>𝑤</m:t>
+                          </m:r>
+                          <m:r>
+                            <a:rPr lang="en-US" altLang="zh-CN" sz="1800" b="0" i="1" dirty="0" smtClean="0">
+                              <a:solidFill>
+                                <a:schemeClr val="tx1"/>
+                              </a:solidFill>
+                              <a:latin typeface="Cambria Math" panose="02040503050406030204" pitchFamily="18" charset="0"/>
+                              <a:ea typeface="Cambria Math" panose="02040503050406030204" pitchFamily="18" charset="0"/>
+                            </a:rPr>
+                            <m:t>|</m:t>
+                          </m:r>
+                          <m:r>
+                            <a:rPr lang="en-US" altLang="zh-CN" sz="1800" b="0" i="1" dirty="0" smtClean="0">
+                              <a:solidFill>
+                                <a:schemeClr val="tx1"/>
+                              </a:solidFill>
+                              <a:latin typeface="Cambria Math" panose="02040503050406030204" pitchFamily="18" charset="0"/>
+                              <a:ea typeface="Cambria Math" panose="02040503050406030204" pitchFamily="18" charset="0"/>
+                            </a:rPr>
+                            <m:t>𝑤</m:t>
+                          </m:r>
+                          <m:r>
+                            <a:rPr lang="en-US" altLang="zh-CN" sz="1800" b="0" i="1" dirty="0" smtClean="0">
+                              <a:solidFill>
+                                <a:schemeClr val="tx1"/>
+                              </a:solidFill>
+                              <a:latin typeface="Cambria Math" panose="02040503050406030204" pitchFamily="18" charset="0"/>
+                              <a:ea typeface="Cambria Math" panose="02040503050406030204" pitchFamily="18" charset="0"/>
+                            </a:rPr>
+                            <m:t>∈</m:t>
+                          </m:r>
+                          <m:d>
+                            <m:dPr>
+                              <m:ctrlPr>
+                                <a:rPr lang="en-US" altLang="zh-CN" sz="1800" i="1" dirty="0">
+                                  <a:solidFill>
+                                    <a:schemeClr val="tx1"/>
+                                  </a:solidFill>
+                                  <a:latin typeface="Cambria Math" panose="02040503050406030204" pitchFamily="18" charset="0"/>
+                                  <a:ea typeface="Cambria Math" panose="02040503050406030204" pitchFamily="18" charset="0"/>
+                                </a:rPr>
+                              </m:ctrlPr>
+                            </m:dPr>
+                            <m:e>
+                              <m:r>
+                                <a:rPr lang="en-US" altLang="zh-CN" sz="1800" i="1" dirty="0">
+                                  <a:solidFill>
+                                    <a:schemeClr val="tx1"/>
+                                  </a:solidFill>
+                                  <a:latin typeface="Cambria Math" panose="02040503050406030204" pitchFamily="18" charset="0"/>
+                                  <a:ea typeface="Cambria Math" panose="02040503050406030204" pitchFamily="18" charset="0"/>
+                                </a:rPr>
+                                <m:t>𝐵</m:t>
+                              </m:r>
+                            </m:e>
+                          </m:d>
+                        </m:e>
+                        <m:sub>
+                          <m:r>
+                            <a:rPr lang="en-US" altLang="zh-CN" sz="1800" i="1" dirty="0">
+                              <a:solidFill>
+                                <a:schemeClr val="tx1"/>
+                              </a:solidFill>
+                              <a:latin typeface="Cambria Math" panose="02040503050406030204" pitchFamily="18" charset="0"/>
+                              <a:ea typeface="Cambria Math" panose="02040503050406030204" pitchFamily="18" charset="0"/>
+                            </a:rPr>
+                            <m:t>𝑧</m:t>
+                          </m:r>
+                        </m:sub>
+                      </m:sSub>
+                      <m:r>
+                        <a:rPr lang="en-US" altLang="zh-CN" sz="1800" b="0" i="1" dirty="0" smtClean="0">
+                          <a:solidFill>
+                            <a:schemeClr val="tx1"/>
+                          </a:solidFill>
+                          <a:latin typeface="Cambria Math" panose="02040503050406030204" pitchFamily="18" charset="0"/>
+                          <a:ea typeface="Cambria Math" panose="02040503050406030204" pitchFamily="18" charset="0"/>
+                        </a:rPr>
+                        <m:t>⇒</m:t>
+                      </m:r>
+                      <m:sSub>
+                        <m:sSubPr>
+                          <m:ctrlPr>
+                            <a:rPr lang="en-US" altLang="zh-CN" sz="1800" i="1" dirty="0">
+                              <a:solidFill>
+                                <a:schemeClr val="tx1"/>
+                              </a:solidFill>
+                              <a:latin typeface="Cambria Math" panose="02040503050406030204" pitchFamily="18" charset="0"/>
+                              <a:ea typeface="Cambria Math" panose="02040503050406030204" pitchFamily="18" charset="0"/>
+                            </a:rPr>
+                          </m:ctrlPr>
+                        </m:sSubPr>
+                        <m:e>
+                          <m:d>
+                            <m:dPr>
+                              <m:ctrlPr>
+                                <a:rPr lang="en-US" altLang="zh-CN" sz="1800" i="1" dirty="0">
+                                  <a:solidFill>
+                                    <a:schemeClr val="tx1"/>
+                                  </a:solidFill>
+                                  <a:latin typeface="Cambria Math" panose="02040503050406030204" pitchFamily="18" charset="0"/>
+                                  <a:ea typeface="Cambria Math" panose="02040503050406030204" pitchFamily="18" charset="0"/>
+                                </a:rPr>
+                              </m:ctrlPr>
+                            </m:dPr>
+                            <m:e>
+                              <m:r>
+                                <a:rPr lang="en-US" altLang="zh-CN" sz="1800" i="1" dirty="0">
+                                  <a:solidFill>
+                                    <a:schemeClr val="tx1"/>
+                                  </a:solidFill>
+                                  <a:latin typeface="Cambria Math" panose="02040503050406030204" pitchFamily="18" charset="0"/>
+                                  <a:ea typeface="Cambria Math" panose="02040503050406030204" pitchFamily="18" charset="0"/>
+                                </a:rPr>
+                                <m:t>𝐵</m:t>
+                              </m:r>
+                            </m:e>
+                          </m:d>
+                        </m:e>
+                        <m:sub>
+                          <m:r>
+                            <a:rPr lang="en-US" altLang="zh-CN" sz="1800" i="1" dirty="0">
+                              <a:solidFill>
+                                <a:schemeClr val="tx1"/>
+                              </a:solidFill>
+                              <a:latin typeface="Cambria Math" panose="02040503050406030204" pitchFamily="18" charset="0"/>
+                              <a:ea typeface="Cambria Math" panose="02040503050406030204" pitchFamily="18" charset="0"/>
+                            </a:rPr>
+                            <m:t>𝑧</m:t>
+                          </m:r>
+                        </m:sub>
+                      </m:sSub>
+                      <m:r>
+                        <a:rPr lang="en-US" altLang="zh-CN" sz="1800" i="1" dirty="0">
+                          <a:solidFill>
+                            <a:schemeClr val="tx1"/>
+                          </a:solidFill>
+                          <a:latin typeface="Cambria Math" panose="02040503050406030204" pitchFamily="18" charset="0"/>
+                          <a:ea typeface="Cambria Math" panose="02040503050406030204" pitchFamily="18" charset="0"/>
+                        </a:rPr>
+                        <m:t>⋂</m:t>
+                      </m:r>
+                      <m:r>
+                        <a:rPr lang="en-US" altLang="zh-CN" sz="1800" i="1" dirty="0">
+                          <a:solidFill>
+                            <a:schemeClr val="tx1"/>
+                          </a:solidFill>
+                          <a:latin typeface="Cambria Math" panose="02040503050406030204" pitchFamily="18" charset="0"/>
+                          <a:ea typeface="Cambria Math" panose="02040503050406030204" pitchFamily="18" charset="0"/>
+                        </a:rPr>
+                        <m:t>𝐴</m:t>
+                      </m:r>
+                      <m:r>
+                        <a:rPr lang="en-US" altLang="zh-CN" sz="1800" i="1" dirty="0" smtClean="0">
+                          <a:solidFill>
+                            <a:schemeClr val="tx1"/>
+                          </a:solidFill>
+                          <a:latin typeface="Cambria Math" panose="02040503050406030204" pitchFamily="18" charset="0"/>
+                          <a:ea typeface="Cambria Math" panose="02040503050406030204" pitchFamily="18" charset="0"/>
+                        </a:rPr>
+                        <m:t>≠∅</m:t>
+                      </m:r>
+                      <m:r>
+                        <a:rPr lang="en-US" altLang="zh-CN" sz="1800" i="1" dirty="0">
+                          <a:solidFill>
+                            <a:schemeClr val="tx1"/>
+                          </a:solidFill>
+                          <a:latin typeface="Cambria Math" panose="02040503050406030204" pitchFamily="18" charset="0"/>
+                          <a:ea typeface="Cambria Math" panose="02040503050406030204" pitchFamily="18" charset="0"/>
+                        </a:rPr>
+                        <m:t>}</m:t>
+                      </m:r>
+                    </m:oMath>
+                  </m:oMathPara>
+                </a14:m>
+                <a:endParaRPr lang="en-US" altLang="zh-CN" sz="1800" dirty="0">
+                  <a:solidFill>
+                    <a:schemeClr val="tx1"/>
+                  </a:solidFill>
+                </a:endParaRPr>
+              </a:p>
+            </p:txBody>
+          </p:sp>
+        </mc:Choice>
+        <mc:Fallback xmlns="">
+          <p:sp>
+            <p:nvSpPr>
+              <p:cNvPr id="5" name="内容占位符 2">
+                <a:extLst>
+                  <a:ext uri="{FF2B5EF4-FFF2-40B4-BE49-F238E27FC236}">
+                    <a16:creationId xmlns:a16="http://schemas.microsoft.com/office/drawing/2014/main" id="{8F78F637-EED3-E0E7-572E-8A66A6E9E778}"/>
+                  </a:ext>
+                </a:extLst>
+              </p:cNvPr>
+              <p:cNvSpPr>
+                <a:spLocks noGrp="1" noRot="1" noChangeAspect="1" noMove="1" noResize="1" noEditPoints="1" noAdjustHandles="1" noChangeArrowheads="1" noChangeShapeType="1" noTextEdit="1"/>
+              </p:cNvSpPr>
+              <p:nvPr>
+                <p:ph sz="quarter" idx="10"/>
+              </p:nvPr>
+            </p:nvSpPr>
+            <p:spPr>
+              <a:xfrm>
+                <a:off x="615799" y="4023358"/>
+                <a:ext cx="11075909" cy="2453116"/>
+              </a:xfrm>
+              <a:blipFill>
+                <a:blip r:embed="rId2"/>
+                <a:stretch>
+                  <a:fillRect l="-330"/>
+                </a:stretch>
+              </a:blipFill>
+            </p:spPr>
+            <p:txBody>
+              <a:bodyPr/>
+              <a:lstStyle/>
+              <a:p>
+                <a:r>
+                  <a:rPr lang="zh-CN" altLang="en-US">
+                    <a:noFill/>
+                  </a:rPr>
+                  <a:t> </a:t>
+                </a:r>
+              </a:p>
+            </p:txBody>
+          </p:sp>
+        </mc:Fallback>
+      </mc:AlternateContent>
+      <p:pic>
+        <p:nvPicPr>
+          <p:cNvPr id="4" name="图片 3">
+            <a:extLst>
+              <a:ext uri="{FF2B5EF4-FFF2-40B4-BE49-F238E27FC236}">
+                <a16:creationId xmlns:a16="http://schemas.microsoft.com/office/drawing/2014/main" id="{7A15B301-A90B-07D6-9AF4-12217C97506A}"/>
+              </a:ext>
+            </a:extLst>
+          </p:cNvPr>
+          <p:cNvPicPr>
+            <a:picLocks noChangeAspect="1"/>
+          </p:cNvPicPr>
+          <p:nvPr/>
+        </p:nvPicPr>
+        <p:blipFill>
+          <a:blip r:embed="rId3"/>
+          <a:stretch>
+            <a:fillRect/>
+          </a:stretch>
+        </p:blipFill>
+        <p:spPr>
+          <a:xfrm>
+            <a:off x="2856712" y="1460332"/>
+            <a:ext cx="5612819" cy="2190830"/>
+          </a:xfrm>
+          <a:prstGeom prst="rect">
+            <a:avLst/>
+          </a:prstGeom>
+        </p:spPr>
+      </p:pic>
+    </p:spTree>
+    <p:extLst>
+      <p:ext uri="{BB962C8B-B14F-4D97-AF65-F5344CB8AC3E}">
+        <p14:creationId xmlns:p14="http://schemas.microsoft.com/office/powerpoint/2010/main" val="1018424253"/>
+      </p:ext>
+    </p:extLst>
+  </p:cSld>
+  <p:clrMapOvr>
+    <a:masterClrMapping/>
+  </p:clrMapOvr>
+</p:sld>
+</file>
+
+<file path=ppt/slides/slide29.xml><?xml version="1.0" encoding="utf-8"?>
+<p:sld xmlns:a="http://schemas.openxmlformats.org/drawingml/2006/main" xmlns:r="http://schemas.openxmlformats.org/officeDocument/2006/relationships" xmlns:p="http://schemas.openxmlformats.org/presentationml/2006/main">
+  <p:cSld>
+    <p:spTree>
+      <p:nvGrpSpPr>
+        <p:cNvPr id="1" name=""/>
+        <p:cNvGrpSpPr/>
+        <p:nvPr/>
+      </p:nvGrpSpPr>
+      <p:grpSpPr>
+        <a:xfrm>
+          <a:off x="0" y="0"/>
+          <a:ext cx="0" cy="0"/>
+          <a:chOff x="0" y="0"/>
+          <a:chExt cx="0" cy="0"/>
+        </a:xfrm>
+      </p:grpSpPr>
+      <p:sp>
+        <p:nvSpPr>
+          <p:cNvPr id="2" name="标题 1">
+            <a:extLst>
+              <a:ext uri="{FF2B5EF4-FFF2-40B4-BE49-F238E27FC236}">
+                <a16:creationId xmlns:a16="http://schemas.microsoft.com/office/drawing/2014/main" id="{62D1486B-7D0B-D15D-EE46-750E419DD258}"/>
+              </a:ext>
+            </a:extLst>
+          </p:cNvPr>
+          <p:cNvSpPr>
+            <a:spLocks noGrp="1"/>
+          </p:cNvSpPr>
+          <p:nvPr>
+            <p:ph type="title"/>
+          </p:nvPr>
+        </p:nvSpPr>
+        <p:spPr/>
+        <p:txBody>
+          <a:bodyPr/>
+          <a:lstStyle/>
+          <a:p>
+            <a:pPr marL="571500" lvl="1" indent="-342900">
+              <a:lnSpc>
+                <a:spcPct val="145000"/>
+              </a:lnSpc>
+              <a:spcBef>
+                <a:spcPts val="0"/>
+              </a:spcBef>
+              <a:spcAft>
+                <a:spcPts val="0"/>
+              </a:spcAft>
+            </a:pPr>
+            <a:r>
+              <a:rPr lang="zh-CN" altLang="en-US" sz="2800" dirty="0"/>
+              <a:t>闭运算的定义</a:t>
+            </a:r>
+            <a:endParaRPr lang="en-US" altLang="zh-CN" sz="2800" dirty="0"/>
+          </a:p>
+        </p:txBody>
+      </p:sp>
+      <mc:AlternateContent xmlns:mc="http://schemas.openxmlformats.org/markup-compatibility/2006" xmlns:a14="http://schemas.microsoft.com/office/drawing/2010/main">
+        <mc:Choice Requires="a14">
+          <p:sp>
+            <p:nvSpPr>
+              <p:cNvPr id="5" name="内容占位符 2">
+                <a:extLst>
+                  <a:ext uri="{FF2B5EF4-FFF2-40B4-BE49-F238E27FC236}">
+                    <a16:creationId xmlns:a16="http://schemas.microsoft.com/office/drawing/2014/main" id="{8F78F637-EED3-E0E7-572E-8A66A6E9E778}"/>
+                  </a:ext>
+                </a:extLst>
+              </p:cNvPr>
+              <p:cNvSpPr>
+                <a:spLocks noGrp="1"/>
+              </p:cNvSpPr>
+              <p:nvPr>
+                <p:ph sz="quarter" idx="10"/>
+              </p:nvPr>
+            </p:nvSpPr>
+            <p:spPr>
+              <a:xfrm>
+                <a:off x="521207" y="4199932"/>
+                <a:ext cx="11069602" cy="2490954"/>
+              </a:xfrm>
+            </p:spPr>
+            <p:txBody>
+              <a:bodyPr>
+                <a:normAutofit/>
+              </a:bodyPr>
+              <a:lstStyle/>
+              <a:p>
+                <a:pPr marL="285750" indent="-285750">
+                  <a:spcBef>
+                    <a:spcPts val="600"/>
+                  </a:spcBef>
+                  <a:spcAft>
+                    <a:spcPts val="600"/>
+                  </a:spcAft>
+                  <a:buFont typeface="Arial" panose="020B0604020202020204" pitchFamily="34" charset="0"/>
+                  <a:buChar char="•"/>
+                </a:pPr>
+                <a:r>
+                  <a:rPr lang="zh-CN" altLang="en-US" sz="1800" dirty="0">
+                    <a:solidFill>
+                      <a:schemeClr val="tx1"/>
+                    </a:solidFill>
+                  </a:rPr>
+                  <a:t>闭运算可以看成结构元在背景图中滑动，所产生的区域。</a:t>
+                </a:r>
+                <a:endParaRPr lang="en-US" altLang="zh-CN" sz="1800" dirty="0">
+                  <a:solidFill>
+                    <a:schemeClr val="tx1"/>
+                  </a:solidFill>
+                </a:endParaRPr>
+              </a:p>
+              <a:p>
+                <a:pPr marL="285750" indent="-285750">
+                  <a:spcBef>
+                    <a:spcPts val="600"/>
+                  </a:spcBef>
+                  <a:spcAft>
+                    <a:spcPts val="600"/>
+                  </a:spcAft>
+                  <a:buFont typeface="Arial" panose="020B0604020202020204" pitchFamily="34" charset="0"/>
+                  <a:buChar char="•"/>
+                </a:pPr>
+                <a:r>
+                  <a:rPr lang="zh-CN" altLang="en-US" sz="1800" dirty="0">
+                    <a:solidFill>
+                      <a:schemeClr val="tx1"/>
+                    </a:solidFill>
+                  </a:rPr>
+                  <a:t>也可以看成背景图的凸角变圆。</a:t>
+                </a:r>
+                <a:endParaRPr lang="en-US" altLang="zh-CN" sz="1800" dirty="0">
+                  <a:solidFill>
+                    <a:schemeClr val="tx1"/>
+                  </a:solidFill>
+                </a:endParaRPr>
+              </a:p>
+              <a:p>
+                <a:pPr marL="285750" indent="-285750">
+                  <a:spcBef>
+                    <a:spcPts val="600"/>
+                  </a:spcBef>
+                  <a:spcAft>
+                    <a:spcPts val="600"/>
+                  </a:spcAft>
+                  <a:buFont typeface="Arial" panose="020B0604020202020204" pitchFamily="34" charset="0"/>
+                  <a:buChar char="•"/>
+                </a:pPr>
+                <a:r>
+                  <a:rPr lang="zh-CN" altLang="en-US" sz="1800" dirty="0">
+                    <a:solidFill>
+                      <a:schemeClr val="tx1"/>
+                    </a:solidFill>
+                  </a:rPr>
+                  <a:t>闭运算具有幂等性，即操作 </a:t>
+                </a:r>
+                <a14:m>
+                  <m:oMath xmlns:m="http://schemas.openxmlformats.org/officeDocument/2006/math">
+                    <m:r>
+                      <a:rPr lang="en-US" altLang="zh-CN" sz="1800" b="0" i="1" smtClean="0">
+                        <a:solidFill>
+                          <a:schemeClr val="tx1"/>
+                        </a:solidFill>
+                        <a:latin typeface="Cambria Math" panose="02040503050406030204" pitchFamily="18" charset="0"/>
+                      </a:rPr>
+                      <m:t>𝑛</m:t>
+                    </m:r>
+                    <m:r>
+                      <a:rPr lang="en-US" altLang="zh-CN" sz="1800" b="0" i="1" smtClean="0">
+                        <a:solidFill>
+                          <a:schemeClr val="tx1"/>
+                        </a:solidFill>
+                        <a:latin typeface="Cambria Math" panose="02040503050406030204" pitchFamily="18" charset="0"/>
+                      </a:rPr>
+                      <m:t>(</m:t>
+                    </m:r>
+                    <m:r>
+                      <a:rPr lang="en-US" altLang="zh-CN" sz="1800" b="0" i="1" smtClean="0">
+                        <a:solidFill>
+                          <a:schemeClr val="tx1"/>
+                        </a:solidFill>
+                        <a:latin typeface="Cambria Math" panose="02040503050406030204" pitchFamily="18" charset="0"/>
+                      </a:rPr>
+                      <m:t>𝑛</m:t>
+                    </m:r>
+                    <m:r>
+                      <a:rPr lang="en-US" altLang="zh-CN" sz="1800" b="0" i="1" smtClean="0">
+                        <a:solidFill>
+                          <a:schemeClr val="tx1"/>
+                        </a:solidFill>
+                        <a:latin typeface="Cambria Math" panose="02040503050406030204" pitchFamily="18" charset="0"/>
+                      </a:rPr>
+                      <m:t>≥1)</m:t>
+                    </m:r>
+                  </m:oMath>
+                </a14:m>
+                <a:r>
+                  <a:rPr lang="en-US" altLang="zh-CN" sz="1800" dirty="0">
+                    <a:solidFill>
+                      <a:schemeClr val="tx1"/>
+                    </a:solidFill>
+                  </a:rPr>
+                  <a:t> </a:t>
+                </a:r>
+                <a:r>
+                  <a:rPr lang="zh-CN" altLang="en-US" sz="1800" dirty="0">
+                    <a:solidFill>
+                      <a:schemeClr val="tx1"/>
+                    </a:solidFill>
+                  </a:rPr>
+                  <a:t>次的效果与操作一次的效果相同。</a:t>
+                </a:r>
+                <a:endParaRPr lang="en-US" altLang="zh-CN" sz="1800" dirty="0">
+                  <a:solidFill>
+                    <a:schemeClr val="tx1"/>
+                  </a:solidFill>
+                </a:endParaRPr>
+              </a:p>
+            </p:txBody>
+          </p:sp>
+        </mc:Choice>
+        <mc:Fallback xmlns="">
+          <p:sp>
+            <p:nvSpPr>
+              <p:cNvPr id="5" name="内容占位符 2">
+                <a:extLst>
+                  <a:ext uri="{FF2B5EF4-FFF2-40B4-BE49-F238E27FC236}">
+                    <a16:creationId xmlns:a16="http://schemas.microsoft.com/office/drawing/2014/main" id="{8F78F637-EED3-E0E7-572E-8A66A6E9E778}"/>
+                  </a:ext>
+                </a:extLst>
+              </p:cNvPr>
+              <p:cNvSpPr>
+                <a:spLocks noGrp="1" noRot="1" noChangeAspect="1" noMove="1" noResize="1" noEditPoints="1" noAdjustHandles="1" noChangeArrowheads="1" noChangeShapeType="1" noTextEdit="1"/>
+              </p:cNvSpPr>
+              <p:nvPr>
+                <p:ph sz="quarter" idx="10"/>
+              </p:nvPr>
+            </p:nvSpPr>
+            <p:spPr>
+              <a:xfrm>
+                <a:off x="521207" y="4199932"/>
+                <a:ext cx="11069602" cy="2490954"/>
+              </a:xfrm>
+              <a:blipFill>
+                <a:blip r:embed="rId2"/>
+                <a:stretch>
+                  <a:fillRect l="-330"/>
+                </a:stretch>
+              </a:blipFill>
+            </p:spPr>
+            <p:txBody>
+              <a:bodyPr/>
+              <a:lstStyle/>
+              <a:p>
+                <a:r>
+                  <a:rPr lang="zh-CN" altLang="en-US">
+                    <a:noFill/>
+                  </a:rPr>
+                  <a:t> </a:t>
+                </a:r>
+              </a:p>
+            </p:txBody>
+          </p:sp>
+        </mc:Fallback>
+      </mc:AlternateContent>
+      <p:pic>
+        <p:nvPicPr>
+          <p:cNvPr id="7" name="图片 6">
+            <a:extLst>
+              <a:ext uri="{FF2B5EF4-FFF2-40B4-BE49-F238E27FC236}">
+                <a16:creationId xmlns:a16="http://schemas.microsoft.com/office/drawing/2014/main" id="{EB62A044-F855-575B-349E-6C51CFA151B6}"/>
+              </a:ext>
+            </a:extLst>
+          </p:cNvPr>
+          <p:cNvPicPr>
+            <a:picLocks noChangeAspect="1"/>
+          </p:cNvPicPr>
+          <p:nvPr/>
+        </p:nvPicPr>
+        <p:blipFill>
+          <a:blip r:embed="rId3"/>
+          <a:stretch>
+            <a:fillRect/>
+          </a:stretch>
+        </p:blipFill>
+        <p:spPr>
+          <a:xfrm>
+            <a:off x="615799" y="1460332"/>
+            <a:ext cx="5612819" cy="2190830"/>
+          </a:xfrm>
+          <a:prstGeom prst="rect">
+            <a:avLst/>
+          </a:prstGeom>
+        </p:spPr>
+      </p:pic>
+      <p:pic>
+        <p:nvPicPr>
+          <p:cNvPr id="9" name="图片 8">
+            <a:extLst>
+              <a:ext uri="{FF2B5EF4-FFF2-40B4-BE49-F238E27FC236}">
+                <a16:creationId xmlns:a16="http://schemas.microsoft.com/office/drawing/2014/main" id="{CE964D10-3E93-B085-4958-5FC7140FEB21}"/>
+              </a:ext>
+            </a:extLst>
+          </p:cNvPr>
+          <p:cNvPicPr>
+            <a:picLocks noChangeAspect="1"/>
+          </p:cNvPicPr>
+          <p:nvPr/>
+        </p:nvPicPr>
+        <p:blipFill>
+          <a:blip r:embed="rId4"/>
+          <a:stretch>
+            <a:fillRect/>
+          </a:stretch>
+        </p:blipFill>
+        <p:spPr>
+          <a:xfrm>
+            <a:off x="6647729" y="1460332"/>
+            <a:ext cx="4675746" cy="3679672"/>
+          </a:xfrm>
+          <a:prstGeom prst="rect">
+            <a:avLst/>
+          </a:prstGeom>
+        </p:spPr>
+      </p:pic>
+    </p:spTree>
+    <p:extLst>
+      <p:ext uri="{BB962C8B-B14F-4D97-AF65-F5344CB8AC3E}">
+        <p14:creationId xmlns:p14="http://schemas.microsoft.com/office/powerpoint/2010/main" val="3695802541"/>
       </p:ext>
     </p:extLst>
   </p:cSld>
@@ -12769,6 +15180,2451 @@
     <p:extLst>
       <p:ext uri="{BB962C8B-B14F-4D97-AF65-F5344CB8AC3E}">
         <p14:creationId xmlns:p14="http://schemas.microsoft.com/office/powerpoint/2010/main" val="3391943681"/>
+      </p:ext>
+    </p:extLst>
+  </p:cSld>
+  <p:clrMapOvr>
+    <a:masterClrMapping/>
+  </p:clrMapOvr>
+</p:sld>
+</file>
+
+<file path=ppt/slides/slide30.xml><?xml version="1.0" encoding="utf-8"?>
+<p:sld xmlns:a="http://schemas.openxmlformats.org/drawingml/2006/main" xmlns:r="http://schemas.openxmlformats.org/officeDocument/2006/relationships" xmlns:p="http://schemas.openxmlformats.org/presentationml/2006/main">
+  <p:cSld>
+    <p:spTree>
+      <p:nvGrpSpPr>
+        <p:cNvPr id="1" name=""/>
+        <p:cNvGrpSpPr/>
+        <p:nvPr/>
+      </p:nvGrpSpPr>
+      <p:grpSpPr>
+        <a:xfrm>
+          <a:off x="0" y="0"/>
+          <a:ext cx="0" cy="0"/>
+          <a:chOff x="0" y="0"/>
+          <a:chExt cx="0" cy="0"/>
+        </a:xfrm>
+      </p:grpSpPr>
+      <p:sp>
+        <p:nvSpPr>
+          <p:cNvPr id="2" name="标题 1">
+            <a:extLst>
+              <a:ext uri="{FF2B5EF4-FFF2-40B4-BE49-F238E27FC236}">
+                <a16:creationId xmlns:a16="http://schemas.microsoft.com/office/drawing/2014/main" id="{62D1486B-7D0B-D15D-EE46-750E419DD258}"/>
+              </a:ext>
+            </a:extLst>
+          </p:cNvPr>
+          <p:cNvSpPr>
+            <a:spLocks noGrp="1"/>
+          </p:cNvSpPr>
+          <p:nvPr>
+            <p:ph type="title"/>
+          </p:nvPr>
+        </p:nvSpPr>
+        <p:spPr/>
+        <p:txBody>
+          <a:bodyPr/>
+          <a:lstStyle/>
+          <a:p>
+            <a:pPr marL="571500" lvl="1" indent="-342900">
+              <a:lnSpc>
+                <a:spcPct val="145000"/>
+              </a:lnSpc>
+              <a:spcBef>
+                <a:spcPts val="0"/>
+              </a:spcBef>
+              <a:spcAft>
+                <a:spcPts val="0"/>
+              </a:spcAft>
+            </a:pPr>
+            <a:r>
+              <a:rPr lang="zh-CN" altLang="en-US" sz="2800" dirty="0"/>
+              <a:t>闭运算的应用</a:t>
+            </a:r>
+            <a:endParaRPr lang="en-US" altLang="zh-CN" sz="2800" dirty="0"/>
+          </a:p>
+        </p:txBody>
+      </p:sp>
+      <p:sp>
+        <p:nvSpPr>
+          <p:cNvPr id="5" name="内容占位符 2">
+            <a:extLst>
+              <a:ext uri="{FF2B5EF4-FFF2-40B4-BE49-F238E27FC236}">
+                <a16:creationId xmlns:a16="http://schemas.microsoft.com/office/drawing/2014/main" id="{8F78F637-EED3-E0E7-572E-8A66A6E9E778}"/>
+              </a:ext>
+            </a:extLst>
+          </p:cNvPr>
+          <p:cNvSpPr>
+            <a:spLocks noGrp="1"/>
+          </p:cNvSpPr>
+          <p:nvPr>
+            <p:ph sz="quarter" idx="10"/>
+          </p:nvPr>
+        </p:nvSpPr>
+        <p:spPr>
+          <a:xfrm>
+            <a:off x="5018865" y="3384856"/>
+            <a:ext cx="1844055" cy="340538"/>
+          </a:xfrm>
+        </p:spPr>
+        <p:txBody>
+          <a:bodyPr>
+            <a:normAutofit/>
+          </a:bodyPr>
+          <a:lstStyle/>
+          <a:p>
+            <a:pPr>
+              <a:spcBef>
+                <a:spcPts val="600"/>
+              </a:spcBef>
+              <a:spcAft>
+                <a:spcPts val="600"/>
+              </a:spcAft>
+            </a:pPr>
+            <a:r>
+              <a:rPr lang="zh-CN" altLang="en-US" dirty="0">
+                <a:solidFill>
+                  <a:schemeClr val="tx1"/>
+                </a:solidFill>
+              </a:rPr>
+              <a:t>移除前景图的孔</a:t>
+            </a:r>
+            <a:endParaRPr lang="en-US" altLang="zh-CN" dirty="0">
+              <a:solidFill>
+                <a:schemeClr val="tx1"/>
+              </a:solidFill>
+            </a:endParaRPr>
+          </a:p>
+        </p:txBody>
+      </p:sp>
+      <p:sp>
+        <p:nvSpPr>
+          <p:cNvPr id="15" name="文本框 14">
+            <a:extLst>
+              <a:ext uri="{FF2B5EF4-FFF2-40B4-BE49-F238E27FC236}">
+                <a16:creationId xmlns:a16="http://schemas.microsoft.com/office/drawing/2014/main" id="{7469FD22-F8BF-B4EA-2855-BEA54D13E2B3}"/>
+              </a:ext>
+            </a:extLst>
+          </p:cNvPr>
+          <p:cNvSpPr txBox="1"/>
+          <p:nvPr/>
+        </p:nvSpPr>
+        <p:spPr>
+          <a:xfrm>
+            <a:off x="5142818" y="6104494"/>
+            <a:ext cx="1347852" cy="276999"/>
+          </a:xfrm>
+          <a:prstGeom prst="rect">
+            <a:avLst/>
+          </a:prstGeom>
+          <a:noFill/>
+        </p:spPr>
+        <p:txBody>
+          <a:bodyPr wrap="square">
+            <a:spAutoFit/>
+          </a:bodyPr>
+          <a:lstStyle/>
+          <a:p>
+            <a:pPr>
+              <a:spcBef>
+                <a:spcPts val="600"/>
+              </a:spcBef>
+              <a:spcAft>
+                <a:spcPts val="600"/>
+              </a:spcAft>
+            </a:pPr>
+            <a:r>
+              <a:rPr lang="zh-CN" altLang="en-US" sz="1200" dirty="0"/>
+              <a:t>连接靠近的物体</a:t>
+            </a:r>
+            <a:endParaRPr lang="en-US" altLang="zh-CN" sz="1200" dirty="0">
+              <a:solidFill>
+                <a:schemeClr val="tx1"/>
+              </a:solidFill>
+            </a:endParaRPr>
+          </a:p>
+        </p:txBody>
+      </p:sp>
+      <p:pic>
+        <p:nvPicPr>
+          <p:cNvPr id="6" name="图片 5">
+            <a:extLst>
+              <a:ext uri="{FF2B5EF4-FFF2-40B4-BE49-F238E27FC236}">
+                <a16:creationId xmlns:a16="http://schemas.microsoft.com/office/drawing/2014/main" id="{095603B6-F6D9-E2DB-A461-C8E1AB445736}"/>
+              </a:ext>
+            </a:extLst>
+          </p:cNvPr>
+          <p:cNvPicPr>
+            <a:picLocks noChangeAspect="1"/>
+          </p:cNvPicPr>
+          <p:nvPr/>
+        </p:nvPicPr>
+        <p:blipFill>
+          <a:blip r:embed="rId2"/>
+          <a:stretch>
+            <a:fillRect/>
+          </a:stretch>
+        </p:blipFill>
+        <p:spPr>
+          <a:xfrm>
+            <a:off x="2074386" y="1366193"/>
+            <a:ext cx="7484716" cy="1906728"/>
+          </a:xfrm>
+          <a:prstGeom prst="rect">
+            <a:avLst/>
+          </a:prstGeom>
+        </p:spPr>
+      </p:pic>
+      <p:pic>
+        <p:nvPicPr>
+          <p:cNvPr id="9" name="图片 8">
+            <a:extLst>
+              <a:ext uri="{FF2B5EF4-FFF2-40B4-BE49-F238E27FC236}">
+                <a16:creationId xmlns:a16="http://schemas.microsoft.com/office/drawing/2014/main" id="{58B7EDE7-4EFF-972D-A63B-B27F04CB70A6}"/>
+              </a:ext>
+            </a:extLst>
+          </p:cNvPr>
+          <p:cNvPicPr>
+            <a:picLocks noChangeAspect="1"/>
+          </p:cNvPicPr>
+          <p:nvPr/>
+        </p:nvPicPr>
+        <p:blipFill>
+          <a:blip r:embed="rId3"/>
+          <a:stretch>
+            <a:fillRect/>
+          </a:stretch>
+        </p:blipFill>
+        <p:spPr>
+          <a:xfrm>
+            <a:off x="3556735" y="3959402"/>
+            <a:ext cx="4768313" cy="2049584"/>
+          </a:xfrm>
+          <a:prstGeom prst="rect">
+            <a:avLst/>
+          </a:prstGeom>
+        </p:spPr>
+      </p:pic>
+    </p:spTree>
+    <p:extLst>
+      <p:ext uri="{BB962C8B-B14F-4D97-AF65-F5344CB8AC3E}">
+        <p14:creationId xmlns:p14="http://schemas.microsoft.com/office/powerpoint/2010/main" val="1896585056"/>
+      </p:ext>
+    </p:extLst>
+  </p:cSld>
+  <p:clrMapOvr>
+    <a:masterClrMapping/>
+  </p:clrMapOvr>
+</p:sld>
+</file>
+
+<file path=ppt/slides/slide31.xml><?xml version="1.0" encoding="utf-8"?>
+<p:sld xmlns:a="http://schemas.openxmlformats.org/drawingml/2006/main" xmlns:r="http://schemas.openxmlformats.org/officeDocument/2006/relationships" xmlns:p="http://schemas.openxmlformats.org/presentationml/2006/main">
+  <p:cSld>
+    <p:spTree>
+      <p:nvGrpSpPr>
+        <p:cNvPr id="1" name=""/>
+        <p:cNvGrpSpPr/>
+        <p:nvPr/>
+      </p:nvGrpSpPr>
+      <p:grpSpPr>
+        <a:xfrm>
+          <a:off x="0" y="0"/>
+          <a:ext cx="0" cy="0"/>
+          <a:chOff x="0" y="0"/>
+          <a:chExt cx="0" cy="0"/>
+        </a:xfrm>
+      </p:grpSpPr>
+      <p:sp>
+        <p:nvSpPr>
+          <p:cNvPr id="2" name="标题 1">
+            <a:extLst>
+              <a:ext uri="{FF2B5EF4-FFF2-40B4-BE49-F238E27FC236}">
+                <a16:creationId xmlns:a16="http://schemas.microsoft.com/office/drawing/2014/main" id="{62D1486B-7D0B-D15D-EE46-750E419DD258}"/>
+              </a:ext>
+            </a:extLst>
+          </p:cNvPr>
+          <p:cNvSpPr>
+            <a:spLocks noGrp="1"/>
+          </p:cNvSpPr>
+          <p:nvPr>
+            <p:ph type="title"/>
+          </p:nvPr>
+        </p:nvSpPr>
+        <p:spPr/>
+        <p:txBody>
+          <a:bodyPr/>
+          <a:lstStyle/>
+          <a:p>
+            <a:pPr marL="571500" lvl="1" indent="-342900">
+              <a:lnSpc>
+                <a:spcPct val="145000"/>
+              </a:lnSpc>
+              <a:spcBef>
+                <a:spcPts val="0"/>
+              </a:spcBef>
+              <a:spcAft>
+                <a:spcPts val="0"/>
+              </a:spcAft>
+            </a:pPr>
+            <a:r>
+              <a:rPr lang="zh-CN" altLang="en-US" sz="2800" dirty="0"/>
+              <a:t>开运算与闭运算的总结</a:t>
+            </a:r>
+            <a:endParaRPr lang="en-US" altLang="zh-CN" sz="2800" dirty="0"/>
+          </a:p>
+        </p:txBody>
+      </p:sp>
+      <mc:AlternateContent xmlns:mc="http://schemas.openxmlformats.org/markup-compatibility/2006" xmlns:a14="http://schemas.microsoft.com/office/drawing/2010/main">
+        <mc:Choice Requires="a14">
+          <p:sp>
+            <p:nvSpPr>
+              <p:cNvPr id="4" name="内容占位符 3">
+                <a:extLst>
+                  <a:ext uri="{FF2B5EF4-FFF2-40B4-BE49-F238E27FC236}">
+                    <a16:creationId xmlns:a16="http://schemas.microsoft.com/office/drawing/2014/main" id="{E36AE4DA-739C-529A-086E-B96C76BC3025}"/>
+                  </a:ext>
+                </a:extLst>
+              </p:cNvPr>
+              <p:cNvSpPr>
+                <a:spLocks noGrp="1"/>
+              </p:cNvSpPr>
+              <p:nvPr>
+                <p:ph sz="quarter" idx="10"/>
+              </p:nvPr>
+            </p:nvSpPr>
+            <p:spPr>
+              <a:xfrm>
+                <a:off x="539496" y="1435608"/>
+                <a:ext cx="5432482" cy="4908436"/>
+              </a:xfrm>
+            </p:spPr>
+            <p:txBody>
+              <a:bodyPr>
+                <a:normAutofit/>
+              </a:bodyPr>
+              <a:lstStyle/>
+              <a:p>
+                <a:pPr marL="171450" indent="-171450">
+                  <a:buFont typeface="Arial" panose="020B0604020202020204" pitchFamily="34" charset="0"/>
+                  <a:buChar char="•"/>
+                </a:pPr>
+                <a:r>
+                  <a:rPr lang="zh-CN" altLang="en-US" sz="2000" dirty="0"/>
+                  <a:t>开运算与闭运算是一对对偶操作。</a:t>
+                </a:r>
+                <a:endParaRPr lang="en-US" altLang="zh-CN" sz="2000" dirty="0"/>
+              </a:p>
+              <a:p>
+                <a:pPr marL="171450" indent="-171450">
+                  <a:buFont typeface="Arial" panose="020B0604020202020204" pitchFamily="34" charset="0"/>
+                  <a:buChar char="•"/>
+                </a:pPr>
+                <a:r>
+                  <a:rPr lang="zh-CN" altLang="en-US" sz="2000" dirty="0"/>
+                  <a:t>数学表达式：</a:t>
+                </a:r>
+                <a:endParaRPr lang="en-US" altLang="zh-CN" sz="2000" dirty="0"/>
+              </a:p>
+              <a:p>
+                <a:pPr/>
+                <a14:m>
+                  <m:oMathPara xmlns:m="http://schemas.openxmlformats.org/officeDocument/2006/math">
+                    <m:oMathParaPr>
+                      <m:jc m:val="centerGroup"/>
+                    </m:oMathParaPr>
+                    <m:oMath xmlns:m="http://schemas.openxmlformats.org/officeDocument/2006/math">
+                      <m:sSup>
+                        <m:sSupPr>
+                          <m:ctrlPr>
+                            <a:rPr lang="en-US" altLang="zh-CN" sz="2000" b="0" i="1" smtClean="0">
+                              <a:latin typeface="Cambria Math" panose="02040503050406030204" pitchFamily="18" charset="0"/>
+                              <a:ea typeface="Cambria Math" panose="02040503050406030204" pitchFamily="18" charset="0"/>
+                            </a:rPr>
+                          </m:ctrlPr>
+                        </m:sSupPr>
+                        <m:e>
+                          <m:d>
+                            <m:dPr>
+                              <m:ctrlPr>
+                                <a:rPr lang="en-US" altLang="zh-CN" sz="2000" b="0" i="1" smtClean="0">
+                                  <a:latin typeface="Cambria Math" panose="02040503050406030204" pitchFamily="18" charset="0"/>
+                                </a:rPr>
+                              </m:ctrlPr>
+                            </m:dPr>
+                            <m:e>
+                              <m:r>
+                                <a:rPr lang="en-US" altLang="zh-CN" sz="2000" b="0" i="1" smtClean="0">
+                                  <a:latin typeface="Cambria Math" panose="02040503050406030204" pitchFamily="18" charset="0"/>
+                                </a:rPr>
+                                <m:t>𝐴</m:t>
+                              </m:r>
+                              <m:r>
+                                <a:rPr lang="en-US" altLang="zh-CN" sz="2000" b="0" i="1" smtClean="0">
+                                  <a:latin typeface="Cambria Math" panose="02040503050406030204" pitchFamily="18" charset="0"/>
+                                  <a:ea typeface="Cambria Math" panose="02040503050406030204" pitchFamily="18" charset="0"/>
+                                </a:rPr>
+                                <m:t>∙</m:t>
+                              </m:r>
+                              <m:r>
+                                <m:rPr>
+                                  <m:sty m:val="p"/>
+                                </m:rPr>
+                                <a:rPr lang="en-US" altLang="zh-CN" sz="2000" i="1">
+                                  <a:latin typeface="Cambria Math" panose="02040503050406030204" pitchFamily="18" charset="0"/>
+                                  <a:ea typeface="Cambria Math" panose="02040503050406030204" pitchFamily="18" charset="0"/>
+                                </a:rPr>
+                                <m:t>B</m:t>
+                              </m:r>
+                            </m:e>
+                          </m:d>
+                        </m:e>
+                        <m:sup>
+                          <m:r>
+                            <a:rPr lang="en-US" altLang="zh-CN" sz="2000" b="0" i="1" smtClean="0">
+                              <a:latin typeface="Cambria Math" panose="02040503050406030204" pitchFamily="18" charset="0"/>
+                              <a:ea typeface="Cambria Math" panose="02040503050406030204" pitchFamily="18" charset="0"/>
+                            </a:rPr>
+                            <m:t>𝑐</m:t>
+                          </m:r>
+                        </m:sup>
+                      </m:sSup>
+                      <m:r>
+                        <a:rPr lang="en-US" altLang="zh-CN" sz="2000" b="0" i="1" smtClean="0">
+                          <a:latin typeface="Cambria Math" panose="02040503050406030204" pitchFamily="18" charset="0"/>
+                          <a:ea typeface="Cambria Math" panose="02040503050406030204" pitchFamily="18" charset="0"/>
+                        </a:rPr>
+                        <m:t>=</m:t>
+                      </m:r>
+                      <m:d>
+                        <m:dPr>
+                          <m:ctrlPr>
+                            <a:rPr lang="en-US" altLang="zh-CN" sz="2000" b="0" i="1" smtClean="0">
+                              <a:latin typeface="Cambria Math" panose="02040503050406030204" pitchFamily="18" charset="0"/>
+                              <a:ea typeface="Cambria Math" panose="02040503050406030204" pitchFamily="18" charset="0"/>
+                            </a:rPr>
+                          </m:ctrlPr>
+                        </m:dPr>
+                        <m:e>
+                          <m:sSup>
+                            <m:sSupPr>
+                              <m:ctrlPr>
+                                <a:rPr lang="en-US" altLang="zh-CN" sz="2000" b="0" i="1" smtClean="0">
+                                  <a:latin typeface="Cambria Math" panose="02040503050406030204" pitchFamily="18" charset="0"/>
+                                  <a:ea typeface="Cambria Math" panose="02040503050406030204" pitchFamily="18" charset="0"/>
+                                </a:rPr>
+                              </m:ctrlPr>
+                            </m:sSupPr>
+                            <m:e>
+                              <m:r>
+                                <a:rPr lang="en-US" altLang="zh-CN" sz="2000" b="0" i="1" smtClean="0">
+                                  <a:latin typeface="Cambria Math" panose="02040503050406030204" pitchFamily="18" charset="0"/>
+                                  <a:ea typeface="Cambria Math" panose="02040503050406030204" pitchFamily="18" charset="0"/>
+                                </a:rPr>
+                                <m:t>𝐴</m:t>
+                              </m:r>
+                            </m:e>
+                            <m:sup>
+                              <m:r>
+                                <a:rPr lang="en-US" altLang="zh-CN" sz="2000" b="0" i="1" smtClean="0">
+                                  <a:latin typeface="Cambria Math" panose="02040503050406030204" pitchFamily="18" charset="0"/>
+                                  <a:ea typeface="Cambria Math" panose="02040503050406030204" pitchFamily="18" charset="0"/>
+                                </a:rPr>
+                                <m:t>𝑐</m:t>
+                              </m:r>
+                            </m:sup>
+                          </m:sSup>
+                          <m:r>
+                            <a:rPr lang="en-US" altLang="zh-CN" sz="2000" b="0" i="1" smtClean="0">
+                              <a:latin typeface="Cambria Math" panose="02040503050406030204" pitchFamily="18" charset="0"/>
+                              <a:ea typeface="Cambria Math" panose="02040503050406030204" pitchFamily="18" charset="0"/>
+                            </a:rPr>
+                            <m:t>∘</m:t>
+                          </m:r>
+                          <m:acc>
+                            <m:accPr>
+                              <m:chr m:val="̂"/>
+                              <m:ctrlPr>
+                                <a:rPr lang="en-US" altLang="zh-CN" sz="2000" b="0" i="1" smtClean="0">
+                                  <a:latin typeface="Cambria Math" panose="02040503050406030204" pitchFamily="18" charset="0"/>
+                                  <a:ea typeface="Cambria Math" panose="02040503050406030204" pitchFamily="18" charset="0"/>
+                                </a:rPr>
+                              </m:ctrlPr>
+                            </m:accPr>
+                            <m:e>
+                              <m:r>
+                                <a:rPr lang="en-US" altLang="zh-CN" sz="2000" b="0" i="1" smtClean="0">
+                                  <a:latin typeface="Cambria Math" panose="02040503050406030204" pitchFamily="18" charset="0"/>
+                                  <a:ea typeface="Cambria Math" panose="02040503050406030204" pitchFamily="18" charset="0"/>
+                                </a:rPr>
+                                <m:t>𝐵</m:t>
+                              </m:r>
+                            </m:e>
+                          </m:acc>
+                        </m:e>
+                      </m:d>
+                    </m:oMath>
+                  </m:oMathPara>
+                </a14:m>
+                <a:endParaRPr lang="en-US" altLang="zh-CN" sz="2000" b="0" dirty="0">
+                  <a:ea typeface="Cambria Math" panose="02040503050406030204" pitchFamily="18" charset="0"/>
+                </a:endParaRPr>
+              </a:p>
+              <a:p>
+                <a:pPr/>
+                <a14:m>
+                  <m:oMathPara xmlns:m="http://schemas.openxmlformats.org/officeDocument/2006/math">
+                    <m:oMathParaPr>
+                      <m:jc m:val="centerGroup"/>
+                    </m:oMathParaPr>
+                    <m:oMath xmlns:m="http://schemas.openxmlformats.org/officeDocument/2006/math">
+                      <m:sSup>
+                        <m:sSupPr>
+                          <m:ctrlPr>
+                            <a:rPr lang="en-US" altLang="zh-CN" sz="2000" b="0" i="1" smtClean="0">
+                              <a:latin typeface="Cambria Math" panose="02040503050406030204" pitchFamily="18" charset="0"/>
+                              <a:ea typeface="Cambria Math" panose="02040503050406030204" pitchFamily="18" charset="0"/>
+                            </a:rPr>
+                          </m:ctrlPr>
+                        </m:sSupPr>
+                        <m:e>
+                          <m:d>
+                            <m:dPr>
+                              <m:ctrlPr>
+                                <a:rPr lang="en-US" altLang="zh-CN" sz="2000" b="0" i="1" smtClean="0">
+                                  <a:latin typeface="Cambria Math" panose="02040503050406030204" pitchFamily="18" charset="0"/>
+                                </a:rPr>
+                              </m:ctrlPr>
+                            </m:dPr>
+                            <m:e>
+                              <m:r>
+                                <a:rPr lang="en-US" altLang="zh-CN" sz="2000" b="0" i="1" smtClean="0">
+                                  <a:latin typeface="Cambria Math" panose="02040503050406030204" pitchFamily="18" charset="0"/>
+                                </a:rPr>
+                                <m:t>𝐴</m:t>
+                              </m:r>
+                              <m:r>
+                                <a:rPr lang="en-US" altLang="zh-CN" sz="2000" b="0" i="1" smtClean="0">
+                                  <a:latin typeface="Cambria Math" panose="02040503050406030204" pitchFamily="18" charset="0"/>
+                                  <a:ea typeface="Cambria Math" panose="02040503050406030204" pitchFamily="18" charset="0"/>
+                                </a:rPr>
+                                <m:t>∘</m:t>
+                              </m:r>
+                              <m:r>
+                                <a:rPr lang="en-US" altLang="zh-CN" sz="2000" b="0" i="1" smtClean="0">
+                                  <a:latin typeface="Cambria Math" panose="02040503050406030204" pitchFamily="18" charset="0"/>
+                                  <a:ea typeface="Cambria Math" panose="02040503050406030204" pitchFamily="18" charset="0"/>
+                                </a:rPr>
+                                <m:t>𝐵</m:t>
+                              </m:r>
+                            </m:e>
+                          </m:d>
+                        </m:e>
+                        <m:sup>
+                          <m:r>
+                            <a:rPr lang="en-US" altLang="zh-CN" sz="2000" b="0" i="1" smtClean="0">
+                              <a:latin typeface="Cambria Math" panose="02040503050406030204" pitchFamily="18" charset="0"/>
+                              <a:ea typeface="Cambria Math" panose="02040503050406030204" pitchFamily="18" charset="0"/>
+                            </a:rPr>
+                            <m:t>𝑐</m:t>
+                          </m:r>
+                        </m:sup>
+                      </m:sSup>
+                      <m:r>
+                        <a:rPr lang="en-US" altLang="zh-CN" sz="2000" b="0" i="1" smtClean="0">
+                          <a:latin typeface="Cambria Math" panose="02040503050406030204" pitchFamily="18" charset="0"/>
+                          <a:ea typeface="Cambria Math" panose="02040503050406030204" pitchFamily="18" charset="0"/>
+                        </a:rPr>
+                        <m:t>=(</m:t>
+                      </m:r>
+                      <m:sSup>
+                        <m:sSupPr>
+                          <m:ctrlPr>
+                            <a:rPr lang="en-US" altLang="zh-CN" sz="2000" b="0" i="1" smtClean="0">
+                              <a:latin typeface="Cambria Math" panose="02040503050406030204" pitchFamily="18" charset="0"/>
+                              <a:ea typeface="Cambria Math" panose="02040503050406030204" pitchFamily="18" charset="0"/>
+                            </a:rPr>
+                          </m:ctrlPr>
+                        </m:sSupPr>
+                        <m:e>
+                          <m:r>
+                            <a:rPr lang="en-US" altLang="zh-CN" sz="2000" b="0" i="1" smtClean="0">
+                              <a:latin typeface="Cambria Math" panose="02040503050406030204" pitchFamily="18" charset="0"/>
+                              <a:ea typeface="Cambria Math" panose="02040503050406030204" pitchFamily="18" charset="0"/>
+                            </a:rPr>
+                            <m:t>𝐴</m:t>
+                          </m:r>
+                        </m:e>
+                        <m:sup>
+                          <m:r>
+                            <a:rPr lang="en-US" altLang="zh-CN" sz="2000" b="0" i="1" smtClean="0">
+                              <a:latin typeface="Cambria Math" panose="02040503050406030204" pitchFamily="18" charset="0"/>
+                              <a:ea typeface="Cambria Math" panose="02040503050406030204" pitchFamily="18" charset="0"/>
+                            </a:rPr>
+                            <m:t>𝑐</m:t>
+                          </m:r>
+                        </m:sup>
+                      </m:sSup>
+                      <m:r>
+                        <a:rPr lang="en-US" altLang="zh-CN" sz="2000" b="0" i="1" smtClean="0">
+                          <a:latin typeface="Cambria Math" panose="02040503050406030204" pitchFamily="18" charset="0"/>
+                          <a:ea typeface="Cambria Math" panose="02040503050406030204" pitchFamily="18" charset="0"/>
+                        </a:rPr>
+                        <m:t>∙</m:t>
+                      </m:r>
+                      <m:acc>
+                        <m:accPr>
+                          <m:chr m:val="̂"/>
+                          <m:ctrlPr>
+                            <a:rPr lang="en-US" altLang="zh-CN" sz="2000" b="0" i="1" smtClean="0">
+                              <a:latin typeface="Cambria Math" panose="02040503050406030204" pitchFamily="18" charset="0"/>
+                              <a:ea typeface="Cambria Math" panose="02040503050406030204" pitchFamily="18" charset="0"/>
+                            </a:rPr>
+                          </m:ctrlPr>
+                        </m:accPr>
+                        <m:e>
+                          <m:r>
+                            <a:rPr lang="en-US" altLang="zh-CN" sz="2000" b="0" i="1" smtClean="0">
+                              <a:latin typeface="Cambria Math" panose="02040503050406030204" pitchFamily="18" charset="0"/>
+                              <a:ea typeface="Cambria Math" panose="02040503050406030204" pitchFamily="18" charset="0"/>
+                            </a:rPr>
+                            <m:t>𝐵</m:t>
+                          </m:r>
+                        </m:e>
+                      </m:acc>
+                      <m:r>
+                        <a:rPr lang="en-US" altLang="zh-CN" sz="2000" b="0" i="1" smtClean="0">
+                          <a:latin typeface="Cambria Math" panose="02040503050406030204" pitchFamily="18" charset="0"/>
+                          <a:ea typeface="Cambria Math" panose="02040503050406030204" pitchFamily="18" charset="0"/>
+                        </a:rPr>
+                        <m:t>)</m:t>
+                      </m:r>
+                    </m:oMath>
+                  </m:oMathPara>
+                </a14:m>
+                <a:endParaRPr lang="en-US" altLang="zh-CN" sz="2000" dirty="0"/>
+              </a:p>
+            </p:txBody>
+          </p:sp>
+        </mc:Choice>
+        <mc:Fallback xmlns="">
+          <p:sp>
+            <p:nvSpPr>
+              <p:cNvPr id="4" name="内容占位符 3">
+                <a:extLst>
+                  <a:ext uri="{FF2B5EF4-FFF2-40B4-BE49-F238E27FC236}">
+                    <a16:creationId xmlns:a16="http://schemas.microsoft.com/office/drawing/2014/main" id="{E36AE4DA-739C-529A-086E-B96C76BC3025}"/>
+                  </a:ext>
+                </a:extLst>
+              </p:cNvPr>
+              <p:cNvSpPr>
+                <a:spLocks noGrp="1" noRot="1" noChangeAspect="1" noMove="1" noResize="1" noEditPoints="1" noAdjustHandles="1" noChangeArrowheads="1" noChangeShapeType="1" noTextEdit="1"/>
+              </p:cNvSpPr>
+              <p:nvPr>
+                <p:ph sz="quarter" idx="10"/>
+              </p:nvPr>
+            </p:nvSpPr>
+            <p:spPr>
+              <a:xfrm>
+                <a:off x="539496" y="1435608"/>
+                <a:ext cx="5432482" cy="4908436"/>
+              </a:xfrm>
+              <a:blipFill>
+                <a:blip r:embed="rId2"/>
+                <a:stretch>
+                  <a:fillRect l="-1010"/>
+                </a:stretch>
+              </a:blipFill>
+            </p:spPr>
+            <p:txBody>
+              <a:bodyPr/>
+              <a:lstStyle/>
+              <a:p>
+                <a:r>
+                  <a:rPr lang="zh-CN" altLang="en-US">
+                    <a:noFill/>
+                  </a:rPr>
+                  <a:t> </a:t>
+                </a:r>
+              </a:p>
+            </p:txBody>
+          </p:sp>
+        </mc:Fallback>
+      </mc:AlternateContent>
+      <p:pic>
+        <p:nvPicPr>
+          <p:cNvPr id="13" name="图片 12">
+            <a:extLst>
+              <a:ext uri="{FF2B5EF4-FFF2-40B4-BE49-F238E27FC236}">
+                <a16:creationId xmlns:a16="http://schemas.microsoft.com/office/drawing/2014/main" id="{83603CBA-1457-2305-C7CB-5D54F853426F}"/>
+              </a:ext>
+            </a:extLst>
+          </p:cNvPr>
+          <p:cNvPicPr>
+            <a:picLocks noChangeAspect="1"/>
+          </p:cNvPicPr>
+          <p:nvPr/>
+        </p:nvPicPr>
+        <p:blipFill>
+          <a:blip r:embed="rId3"/>
+          <a:stretch>
+            <a:fillRect/>
+          </a:stretch>
+        </p:blipFill>
+        <p:spPr>
+          <a:xfrm>
+            <a:off x="5111215" y="1929698"/>
+            <a:ext cx="6402552" cy="3116547"/>
+          </a:xfrm>
+          <a:prstGeom prst="rect">
+            <a:avLst/>
+          </a:prstGeom>
+        </p:spPr>
+      </p:pic>
+    </p:spTree>
+    <p:extLst>
+      <p:ext uri="{BB962C8B-B14F-4D97-AF65-F5344CB8AC3E}">
+        <p14:creationId xmlns:p14="http://schemas.microsoft.com/office/powerpoint/2010/main" val="2568548699"/>
+      </p:ext>
+    </p:extLst>
+  </p:cSld>
+  <p:clrMapOvr>
+    <a:masterClrMapping/>
+  </p:clrMapOvr>
+</p:sld>
+</file>
+
+<file path=ppt/slides/slide32.xml><?xml version="1.0" encoding="utf-8"?>
+<p:sld xmlns:a="http://schemas.openxmlformats.org/drawingml/2006/main" xmlns:r="http://schemas.openxmlformats.org/officeDocument/2006/relationships" xmlns:p="http://schemas.openxmlformats.org/presentationml/2006/main">
+  <p:cSld>
+    <p:spTree>
+      <p:nvGrpSpPr>
+        <p:cNvPr id="1" name=""/>
+        <p:cNvGrpSpPr/>
+        <p:nvPr/>
+      </p:nvGrpSpPr>
+      <p:grpSpPr>
+        <a:xfrm>
+          <a:off x="0" y="0"/>
+          <a:ext cx="0" cy="0"/>
+          <a:chOff x="0" y="0"/>
+          <a:chExt cx="0" cy="0"/>
+        </a:xfrm>
+      </p:grpSpPr>
+      <p:sp>
+        <p:nvSpPr>
+          <p:cNvPr id="2" name="标题 1">
+            <a:extLst>
+              <a:ext uri="{FF2B5EF4-FFF2-40B4-BE49-F238E27FC236}">
+                <a16:creationId xmlns:a16="http://schemas.microsoft.com/office/drawing/2014/main" id="{62D1486B-7D0B-D15D-EE46-750E419DD258}"/>
+              </a:ext>
+            </a:extLst>
+          </p:cNvPr>
+          <p:cNvSpPr>
+            <a:spLocks noGrp="1"/>
+          </p:cNvSpPr>
+          <p:nvPr>
+            <p:ph type="title"/>
+          </p:nvPr>
+        </p:nvSpPr>
+        <p:spPr/>
+        <p:txBody>
+          <a:bodyPr/>
+          <a:lstStyle/>
+          <a:p>
+            <a:pPr marL="571500" lvl="1" indent="-342900">
+              <a:lnSpc>
+                <a:spcPct val="145000"/>
+              </a:lnSpc>
+              <a:spcBef>
+                <a:spcPts val="0"/>
+              </a:spcBef>
+              <a:spcAft>
+                <a:spcPts val="0"/>
+              </a:spcAft>
+            </a:pPr>
+            <a:r>
+              <a:rPr lang="zh-CN" altLang="en-US" sz="2800" dirty="0"/>
+              <a:t>击中或击不中（</a:t>
+            </a:r>
+            <a:r>
+              <a:rPr lang="en-US" altLang="zh-CN" sz="2800" dirty="0"/>
+              <a:t>Hit-or-miss</a:t>
+            </a:r>
+            <a:r>
+              <a:rPr lang="zh-CN" altLang="en-US" sz="2800" dirty="0"/>
+              <a:t>）的定义</a:t>
+            </a:r>
+            <a:endParaRPr lang="en-US" altLang="zh-CN" sz="2800" dirty="0"/>
+          </a:p>
+        </p:txBody>
+      </p:sp>
+      <mc:AlternateContent xmlns:mc="http://schemas.openxmlformats.org/markup-compatibility/2006" xmlns:a14="http://schemas.microsoft.com/office/drawing/2010/main">
+        <mc:Choice Requires="a14">
+          <p:sp>
+            <p:nvSpPr>
+              <p:cNvPr id="5" name="内容占位符 2">
+                <a:extLst>
+                  <a:ext uri="{FF2B5EF4-FFF2-40B4-BE49-F238E27FC236}">
+                    <a16:creationId xmlns:a16="http://schemas.microsoft.com/office/drawing/2014/main" id="{8F78F637-EED3-E0E7-572E-8A66A6E9E778}"/>
+                  </a:ext>
+                </a:extLst>
+              </p:cNvPr>
+              <p:cNvSpPr>
+                <a:spLocks noGrp="1"/>
+              </p:cNvSpPr>
+              <p:nvPr>
+                <p:ph sz="quarter" idx="10"/>
+              </p:nvPr>
+            </p:nvSpPr>
+            <p:spPr>
+              <a:xfrm>
+                <a:off x="634718" y="1481955"/>
+                <a:ext cx="5248973" cy="5057581"/>
+              </a:xfrm>
+            </p:spPr>
+            <p:txBody>
+              <a:bodyPr>
+                <a:normAutofit/>
+              </a:bodyPr>
+              <a:lstStyle/>
+              <a:p>
+                <a:pPr marL="285750" indent="-285750">
+                  <a:buFont typeface="Arial" panose="020B0604020202020204" pitchFamily="34" charset="0"/>
+                  <a:buChar char="•"/>
+                </a:pPr>
+                <a:r>
+                  <a:rPr lang="zh-CN" altLang="en-US" sz="1800" dirty="0">
+                    <a:solidFill>
+                      <a:schemeClr val="tx1"/>
+                    </a:solidFill>
+                  </a:rPr>
+                  <a:t>击中或击不中用于检测图像中的形状</a:t>
+                </a:r>
+                <a:endParaRPr lang="en-US" altLang="zh-CN" sz="1800" dirty="0">
+                  <a:solidFill>
+                    <a:schemeClr val="tx1"/>
+                  </a:solidFill>
+                </a:endParaRPr>
+              </a:p>
+              <a:p>
+                <a:pPr marL="285750" indent="-285750">
+                  <a:buFont typeface="Arial" panose="020B0604020202020204" pitchFamily="34" charset="0"/>
+                  <a:buChar char="•"/>
+                </a:pPr>
+                <a:r>
+                  <a:rPr lang="zh-CN" altLang="en-US" sz="1800" dirty="0">
+                    <a:solidFill>
+                      <a:schemeClr val="tx1"/>
+                    </a:solidFill>
+                  </a:rPr>
+                  <a:t>数学表达式为：</a:t>
+                </a:r>
+                <a:endParaRPr lang="en-US" altLang="zh-CN" sz="1800" dirty="0">
+                  <a:solidFill>
+                    <a:schemeClr val="tx1"/>
+                  </a:solidFill>
+                </a:endParaRPr>
+              </a:p>
+              <a:p>
+                <a:pPr/>
+                <a14:m>
+                  <m:oMathPara xmlns:m="http://schemas.openxmlformats.org/officeDocument/2006/math">
+                    <m:oMathParaPr>
+                      <m:jc m:val="centerGroup"/>
+                    </m:oMathParaPr>
+                    <m:oMath xmlns:m="http://schemas.openxmlformats.org/officeDocument/2006/math">
+                      <m:r>
+                        <m:rPr>
+                          <m:sty m:val="p"/>
+                        </m:rPr>
+                        <a:rPr lang="en-US" altLang="zh-CN" sz="1800" i="1" dirty="0">
+                          <a:solidFill>
+                            <a:schemeClr val="tx1"/>
+                          </a:solidFill>
+                          <a:latin typeface="Cambria Math" panose="02040503050406030204" pitchFamily="18" charset="0"/>
+                        </a:rPr>
+                        <m:t>A</m:t>
+                      </m:r>
+                      <m:r>
+                        <a:rPr lang="en-US" altLang="zh-CN" sz="1800" i="1" dirty="0">
+                          <a:solidFill>
+                            <a:schemeClr val="tx1"/>
+                          </a:solidFill>
+                          <a:latin typeface="Cambria Math" panose="02040503050406030204" pitchFamily="18" charset="0"/>
+                          <a:ea typeface="Cambria Math" panose="02040503050406030204" pitchFamily="18" charset="0"/>
+                        </a:rPr>
+                        <m:t>⊛</m:t>
+                      </m:r>
+                      <m:r>
+                        <a:rPr lang="en-US" altLang="zh-CN" sz="1800" b="0" i="1" dirty="0" smtClean="0">
+                          <a:solidFill>
+                            <a:schemeClr val="tx1"/>
+                          </a:solidFill>
+                          <a:latin typeface="Cambria Math" panose="02040503050406030204" pitchFamily="18" charset="0"/>
+                          <a:ea typeface="Cambria Math" panose="02040503050406030204" pitchFamily="18" charset="0"/>
+                        </a:rPr>
+                        <m:t>𝐷</m:t>
+                      </m:r>
+                      <m:r>
+                        <a:rPr lang="en-US" altLang="zh-CN" sz="1800" i="1" dirty="0">
+                          <a:solidFill>
+                            <a:schemeClr val="tx1"/>
+                          </a:solidFill>
+                          <a:latin typeface="Cambria Math" panose="02040503050406030204" pitchFamily="18" charset="0"/>
+                          <a:ea typeface="Cambria Math" panose="02040503050406030204" pitchFamily="18" charset="0"/>
+                        </a:rPr>
+                        <m:t>=</m:t>
+                      </m:r>
+                      <m:d>
+                        <m:dPr>
+                          <m:ctrlPr>
+                            <a:rPr lang="en-US" altLang="zh-CN" sz="1800" i="1" dirty="0">
+                              <a:solidFill>
+                                <a:schemeClr val="tx1"/>
+                              </a:solidFill>
+                              <a:latin typeface="Cambria Math" panose="02040503050406030204" pitchFamily="18" charset="0"/>
+                              <a:ea typeface="Cambria Math" panose="02040503050406030204" pitchFamily="18" charset="0"/>
+                            </a:rPr>
+                          </m:ctrlPr>
+                        </m:dPr>
+                        <m:e>
+                          <m:r>
+                            <a:rPr lang="en-US" altLang="zh-CN" sz="1800" i="1" dirty="0">
+                              <a:solidFill>
+                                <a:schemeClr val="tx1"/>
+                              </a:solidFill>
+                              <a:latin typeface="Cambria Math" panose="02040503050406030204" pitchFamily="18" charset="0"/>
+                              <a:ea typeface="Cambria Math" panose="02040503050406030204" pitchFamily="18" charset="0"/>
+                            </a:rPr>
+                            <m:t>𝐴</m:t>
+                          </m:r>
+                          <m:r>
+                            <a:rPr lang="en-US" altLang="zh-CN" sz="1800" i="1" dirty="0">
+                              <a:solidFill>
+                                <a:schemeClr val="tx1"/>
+                              </a:solidFill>
+                              <a:latin typeface="Cambria Math" panose="02040503050406030204" pitchFamily="18" charset="0"/>
+                              <a:ea typeface="Cambria Math" panose="02040503050406030204" pitchFamily="18" charset="0"/>
+                            </a:rPr>
+                            <m:t>⊖</m:t>
+                          </m:r>
+                          <m:r>
+                            <a:rPr lang="en-US" altLang="zh-CN" sz="1800" b="0" i="1" dirty="0" smtClean="0">
+                              <a:solidFill>
+                                <a:schemeClr val="tx1"/>
+                              </a:solidFill>
+                              <a:latin typeface="Cambria Math" panose="02040503050406030204" pitchFamily="18" charset="0"/>
+                              <a:ea typeface="Cambria Math" panose="02040503050406030204" pitchFamily="18" charset="0"/>
+                            </a:rPr>
+                            <m:t>𝐷</m:t>
+                          </m:r>
+                        </m:e>
+                      </m:d>
+                      <m:r>
+                        <a:rPr lang="en-US" altLang="zh-CN" sz="1800" i="1" dirty="0" smtClean="0">
+                          <a:solidFill>
+                            <a:schemeClr val="tx1"/>
+                          </a:solidFill>
+                          <a:latin typeface="Cambria Math" panose="02040503050406030204" pitchFamily="18" charset="0"/>
+                          <a:ea typeface="Cambria Math" panose="02040503050406030204" pitchFamily="18" charset="0"/>
+                        </a:rPr>
+                        <m:t>⋂</m:t>
+                      </m:r>
+                      <m:r>
+                        <a:rPr lang="en-US" altLang="zh-CN" sz="1800" b="0" i="1" dirty="0" smtClean="0">
+                          <a:solidFill>
+                            <a:schemeClr val="tx1"/>
+                          </a:solidFill>
+                          <a:latin typeface="Cambria Math" panose="02040503050406030204" pitchFamily="18" charset="0"/>
+                          <a:ea typeface="Cambria Math" panose="02040503050406030204" pitchFamily="18" charset="0"/>
+                        </a:rPr>
+                        <m:t>[</m:t>
+                      </m:r>
+                      <m:sSup>
+                        <m:sSupPr>
+                          <m:ctrlPr>
+                            <a:rPr lang="en-US" altLang="zh-CN" sz="1800" b="0" i="1" dirty="0" smtClean="0">
+                              <a:solidFill>
+                                <a:schemeClr val="tx1"/>
+                              </a:solidFill>
+                              <a:latin typeface="Cambria Math" panose="02040503050406030204" pitchFamily="18" charset="0"/>
+                              <a:ea typeface="Cambria Math" panose="02040503050406030204" pitchFamily="18" charset="0"/>
+                            </a:rPr>
+                          </m:ctrlPr>
+                        </m:sSupPr>
+                        <m:e>
+                          <m:r>
+                            <a:rPr lang="en-US" altLang="zh-CN" sz="1800" b="0" i="1" dirty="0" smtClean="0">
+                              <a:solidFill>
+                                <a:schemeClr val="tx1"/>
+                              </a:solidFill>
+                              <a:latin typeface="Cambria Math" panose="02040503050406030204" pitchFamily="18" charset="0"/>
+                              <a:ea typeface="Cambria Math" panose="02040503050406030204" pitchFamily="18" charset="0"/>
+                            </a:rPr>
+                            <m:t>𝐴</m:t>
+                          </m:r>
+                        </m:e>
+                        <m:sup>
+                          <m:r>
+                            <a:rPr lang="en-US" altLang="zh-CN" sz="1800" b="0" i="1" dirty="0" smtClean="0">
+                              <a:solidFill>
+                                <a:schemeClr val="tx1"/>
+                              </a:solidFill>
+                              <a:latin typeface="Cambria Math" panose="02040503050406030204" pitchFamily="18" charset="0"/>
+                              <a:ea typeface="Cambria Math" panose="02040503050406030204" pitchFamily="18" charset="0"/>
+                            </a:rPr>
+                            <m:t>𝑐</m:t>
+                          </m:r>
+                        </m:sup>
+                      </m:sSup>
+                      <m:r>
+                        <a:rPr lang="en-US" altLang="zh-CN" sz="1800" b="0" i="1" dirty="0" smtClean="0">
+                          <a:solidFill>
+                            <a:schemeClr val="tx1"/>
+                          </a:solidFill>
+                          <a:latin typeface="Cambria Math" panose="02040503050406030204" pitchFamily="18" charset="0"/>
+                          <a:ea typeface="Cambria Math" panose="02040503050406030204" pitchFamily="18" charset="0"/>
+                        </a:rPr>
+                        <m:t>⊖(</m:t>
+                      </m:r>
+                      <m:r>
+                        <a:rPr lang="en-US" altLang="zh-CN" sz="1800" b="0" i="1" dirty="0" smtClean="0">
+                          <a:solidFill>
+                            <a:schemeClr val="tx1"/>
+                          </a:solidFill>
+                          <a:latin typeface="Cambria Math" panose="02040503050406030204" pitchFamily="18" charset="0"/>
+                          <a:ea typeface="Cambria Math" panose="02040503050406030204" pitchFamily="18" charset="0"/>
+                        </a:rPr>
+                        <m:t>𝑊</m:t>
+                      </m:r>
+                      <m:r>
+                        <a:rPr lang="en-US" altLang="zh-CN" sz="1800" b="0" i="1" dirty="0" smtClean="0">
+                          <a:solidFill>
+                            <a:schemeClr val="tx1"/>
+                          </a:solidFill>
+                          <a:latin typeface="Cambria Math" panose="02040503050406030204" pitchFamily="18" charset="0"/>
+                          <a:ea typeface="Cambria Math" panose="02040503050406030204" pitchFamily="18" charset="0"/>
+                        </a:rPr>
+                        <m:t>−</m:t>
+                      </m:r>
+                      <m:r>
+                        <a:rPr lang="en-US" altLang="zh-CN" sz="1800" b="0" i="1" dirty="0" smtClean="0">
+                          <a:solidFill>
+                            <a:schemeClr val="tx1"/>
+                          </a:solidFill>
+                          <a:latin typeface="Cambria Math" panose="02040503050406030204" pitchFamily="18" charset="0"/>
+                          <a:ea typeface="Cambria Math" panose="02040503050406030204" pitchFamily="18" charset="0"/>
+                        </a:rPr>
+                        <m:t>𝐷</m:t>
+                      </m:r>
+                      <m:r>
+                        <a:rPr lang="en-US" altLang="zh-CN" sz="1800" b="0" i="1" dirty="0" smtClean="0">
+                          <a:solidFill>
+                            <a:schemeClr val="tx1"/>
+                          </a:solidFill>
+                          <a:latin typeface="Cambria Math" panose="02040503050406030204" pitchFamily="18" charset="0"/>
+                          <a:ea typeface="Cambria Math" panose="02040503050406030204" pitchFamily="18" charset="0"/>
+                        </a:rPr>
+                        <m:t>)]</m:t>
+                      </m:r>
+                    </m:oMath>
+                  </m:oMathPara>
+                </a14:m>
+                <a:endParaRPr lang="en-US" altLang="zh-CN" sz="1800" dirty="0">
+                  <a:solidFill>
+                    <a:schemeClr val="tx1"/>
+                  </a:solidFill>
+                </a:endParaRPr>
+              </a:p>
+              <a:p>
+                <a:pPr marL="285750" indent="-285750">
+                  <a:buFont typeface="Arial" panose="020B0604020202020204" pitchFamily="34" charset="0"/>
+                  <a:buChar char="•"/>
+                </a:pPr>
+                <a:r>
+                  <a:rPr lang="zh-CN" altLang="en-US" sz="1800" dirty="0">
+                    <a:solidFill>
+                      <a:schemeClr val="tx1"/>
+                    </a:solidFill>
+                  </a:rPr>
+                  <a:t>举例：检测形状</a:t>
+                </a:r>
+                <a:r>
+                  <a:rPr lang="en-US" altLang="zh-CN" sz="1800" dirty="0">
+                    <a:solidFill>
+                      <a:schemeClr val="tx1"/>
+                    </a:solidFill>
+                  </a:rPr>
+                  <a:t>D</a:t>
+                </a:r>
+              </a:p>
+            </p:txBody>
+          </p:sp>
+        </mc:Choice>
+        <mc:Fallback xmlns="">
+          <p:sp>
+            <p:nvSpPr>
+              <p:cNvPr id="5" name="内容占位符 2">
+                <a:extLst>
+                  <a:ext uri="{FF2B5EF4-FFF2-40B4-BE49-F238E27FC236}">
+                    <a16:creationId xmlns:a16="http://schemas.microsoft.com/office/drawing/2014/main" id="{8F78F637-EED3-E0E7-572E-8A66A6E9E778}"/>
+                  </a:ext>
+                </a:extLst>
+              </p:cNvPr>
+              <p:cNvSpPr>
+                <a:spLocks noGrp="1" noRot="1" noChangeAspect="1" noMove="1" noResize="1" noEditPoints="1" noAdjustHandles="1" noChangeArrowheads="1" noChangeShapeType="1" noTextEdit="1"/>
+              </p:cNvSpPr>
+              <p:nvPr>
+                <p:ph sz="quarter" idx="10"/>
+              </p:nvPr>
+            </p:nvSpPr>
+            <p:spPr>
+              <a:xfrm>
+                <a:off x="634718" y="1481955"/>
+                <a:ext cx="5248973" cy="5057581"/>
+              </a:xfrm>
+              <a:blipFill>
+                <a:blip r:embed="rId2"/>
+                <a:stretch>
+                  <a:fillRect l="-697"/>
+                </a:stretch>
+              </a:blipFill>
+            </p:spPr>
+            <p:txBody>
+              <a:bodyPr/>
+              <a:lstStyle/>
+              <a:p>
+                <a:r>
+                  <a:rPr lang="zh-CN" altLang="en-US">
+                    <a:noFill/>
+                  </a:rPr>
+                  <a:t> </a:t>
+                </a:r>
+              </a:p>
+            </p:txBody>
+          </p:sp>
+        </mc:Fallback>
+      </mc:AlternateContent>
+      <p:pic>
+        <p:nvPicPr>
+          <p:cNvPr id="6" name="图片 5">
+            <a:extLst>
+              <a:ext uri="{FF2B5EF4-FFF2-40B4-BE49-F238E27FC236}">
+                <a16:creationId xmlns:a16="http://schemas.microsoft.com/office/drawing/2014/main" id="{5B57DDBD-F4A3-FA58-D3E7-0234D2C63672}"/>
+              </a:ext>
+            </a:extLst>
+          </p:cNvPr>
+          <p:cNvPicPr>
+            <a:picLocks noChangeAspect="1"/>
+          </p:cNvPicPr>
+          <p:nvPr/>
+        </p:nvPicPr>
+        <p:blipFill>
+          <a:blip r:embed="rId3"/>
+          <a:stretch>
+            <a:fillRect/>
+          </a:stretch>
+        </p:blipFill>
+        <p:spPr>
+          <a:xfrm>
+            <a:off x="6096000" y="1481955"/>
+            <a:ext cx="5442304" cy="2413177"/>
+          </a:xfrm>
+          <a:prstGeom prst="rect">
+            <a:avLst/>
+          </a:prstGeom>
+        </p:spPr>
+      </p:pic>
+    </p:spTree>
+    <p:extLst>
+      <p:ext uri="{BB962C8B-B14F-4D97-AF65-F5344CB8AC3E}">
+        <p14:creationId xmlns:p14="http://schemas.microsoft.com/office/powerpoint/2010/main" val="3319958562"/>
+      </p:ext>
+    </p:extLst>
+  </p:cSld>
+  <p:clrMapOvr>
+    <a:masterClrMapping/>
+  </p:clrMapOvr>
+</p:sld>
+</file>
+
+<file path=ppt/slides/slide33.xml><?xml version="1.0" encoding="utf-8"?>
+<p:sld xmlns:a="http://schemas.openxmlformats.org/drawingml/2006/main" xmlns:r="http://schemas.openxmlformats.org/officeDocument/2006/relationships" xmlns:p="http://schemas.openxmlformats.org/presentationml/2006/main">
+  <p:cSld>
+    <p:spTree>
+      <p:nvGrpSpPr>
+        <p:cNvPr id="1" name=""/>
+        <p:cNvGrpSpPr/>
+        <p:nvPr/>
+      </p:nvGrpSpPr>
+      <p:grpSpPr>
+        <a:xfrm>
+          <a:off x="0" y="0"/>
+          <a:ext cx="0" cy="0"/>
+          <a:chOff x="0" y="0"/>
+          <a:chExt cx="0" cy="0"/>
+        </a:xfrm>
+      </p:grpSpPr>
+      <p:sp>
+        <p:nvSpPr>
+          <p:cNvPr id="2" name="标题 1">
+            <a:extLst>
+              <a:ext uri="{FF2B5EF4-FFF2-40B4-BE49-F238E27FC236}">
+                <a16:creationId xmlns:a16="http://schemas.microsoft.com/office/drawing/2014/main" id="{62D1486B-7D0B-D15D-EE46-750E419DD258}"/>
+              </a:ext>
+            </a:extLst>
+          </p:cNvPr>
+          <p:cNvSpPr>
+            <a:spLocks noGrp="1"/>
+          </p:cNvSpPr>
+          <p:nvPr>
+            <p:ph type="title"/>
+          </p:nvPr>
+        </p:nvSpPr>
+        <p:spPr/>
+        <p:txBody>
+          <a:bodyPr/>
+          <a:lstStyle/>
+          <a:p>
+            <a:pPr marL="571500" lvl="1" indent="-342900">
+              <a:lnSpc>
+                <a:spcPct val="145000"/>
+              </a:lnSpc>
+              <a:spcBef>
+                <a:spcPts val="0"/>
+              </a:spcBef>
+              <a:spcAft>
+                <a:spcPts val="0"/>
+              </a:spcAft>
+            </a:pPr>
+            <a:r>
+              <a:rPr lang="zh-CN" altLang="en-US" sz="2800" dirty="0"/>
+              <a:t>击中或击不中（</a:t>
+            </a:r>
+            <a:r>
+              <a:rPr lang="en-US" altLang="zh-CN" sz="2800" dirty="0"/>
+              <a:t>Hit-or-miss</a:t>
+            </a:r>
+            <a:r>
+              <a:rPr lang="zh-CN" altLang="en-US" sz="2800" dirty="0"/>
+              <a:t>）的定义</a:t>
+            </a:r>
+            <a:endParaRPr lang="en-US" altLang="zh-CN" sz="2800" dirty="0"/>
+          </a:p>
+        </p:txBody>
+      </p:sp>
+      <p:pic>
+        <p:nvPicPr>
+          <p:cNvPr id="8" name="图片 7">
+            <a:extLst>
+              <a:ext uri="{FF2B5EF4-FFF2-40B4-BE49-F238E27FC236}">
+                <a16:creationId xmlns:a16="http://schemas.microsoft.com/office/drawing/2014/main" id="{27000D2D-C625-134C-3B8B-DC170D166DDF}"/>
+              </a:ext>
+            </a:extLst>
+          </p:cNvPr>
+          <p:cNvPicPr>
+            <a:picLocks noChangeAspect="1"/>
+          </p:cNvPicPr>
+          <p:nvPr/>
+        </p:nvPicPr>
+        <p:blipFill>
+          <a:blip r:embed="rId2"/>
+          <a:stretch>
+            <a:fillRect/>
+          </a:stretch>
+        </p:blipFill>
+        <p:spPr>
+          <a:xfrm>
+            <a:off x="2631426" y="1966180"/>
+            <a:ext cx="6929147" cy="2925640"/>
+          </a:xfrm>
+          <a:prstGeom prst="rect">
+            <a:avLst/>
+          </a:prstGeom>
+        </p:spPr>
+      </p:pic>
+      <p:sp>
+        <p:nvSpPr>
+          <p:cNvPr id="9" name="内容占位符 2">
+            <a:extLst>
+              <a:ext uri="{FF2B5EF4-FFF2-40B4-BE49-F238E27FC236}">
+                <a16:creationId xmlns:a16="http://schemas.microsoft.com/office/drawing/2014/main" id="{EF94FC1A-5E3F-D7C1-38AC-BD5440355070}"/>
+              </a:ext>
+            </a:extLst>
+          </p:cNvPr>
+          <p:cNvSpPr>
+            <a:spLocks noGrp="1"/>
+          </p:cNvSpPr>
+          <p:nvPr>
+            <p:ph sz="quarter" idx="10"/>
+          </p:nvPr>
+        </p:nvSpPr>
+        <p:spPr>
+          <a:xfrm>
+            <a:off x="5345724" y="5027096"/>
+            <a:ext cx="2180491" cy="742768"/>
+          </a:xfrm>
+        </p:spPr>
+        <p:txBody>
+          <a:bodyPr>
+            <a:normAutofit/>
+          </a:bodyPr>
+          <a:lstStyle/>
+          <a:p>
+            <a:r>
+              <a:rPr lang="en-US" altLang="zh-CN" sz="1800" dirty="0">
+                <a:solidFill>
+                  <a:schemeClr val="tx1"/>
+                </a:solidFill>
+              </a:rPr>
+              <a:t>D </a:t>
+            </a:r>
+            <a:r>
+              <a:rPr lang="zh-CN" altLang="en-US" sz="1800" dirty="0">
+                <a:solidFill>
+                  <a:schemeClr val="tx1"/>
+                </a:solidFill>
+              </a:rPr>
+              <a:t>对 </a:t>
+            </a:r>
+            <a:r>
+              <a:rPr lang="en-US" altLang="zh-CN" sz="1800" dirty="0">
+                <a:solidFill>
+                  <a:schemeClr val="tx1"/>
+                </a:solidFill>
+              </a:rPr>
+              <a:t>A </a:t>
+            </a:r>
+            <a:r>
+              <a:rPr lang="zh-CN" altLang="en-US" sz="1800" dirty="0">
+                <a:solidFill>
+                  <a:schemeClr val="tx1"/>
+                </a:solidFill>
+              </a:rPr>
+              <a:t>腐蚀后</a:t>
+            </a:r>
+            <a:endParaRPr lang="en-US" altLang="zh-CN" sz="1800" dirty="0">
+              <a:solidFill>
+                <a:schemeClr val="tx1"/>
+              </a:solidFill>
+            </a:endParaRPr>
+          </a:p>
+        </p:txBody>
+      </p:sp>
+    </p:spTree>
+    <p:extLst>
+      <p:ext uri="{BB962C8B-B14F-4D97-AF65-F5344CB8AC3E}">
+        <p14:creationId xmlns:p14="http://schemas.microsoft.com/office/powerpoint/2010/main" val="3298712669"/>
+      </p:ext>
+    </p:extLst>
+  </p:cSld>
+  <p:clrMapOvr>
+    <a:masterClrMapping/>
+  </p:clrMapOvr>
+</p:sld>
+</file>
+
+<file path=ppt/slides/slide34.xml><?xml version="1.0" encoding="utf-8"?>
+<p:sld xmlns:a="http://schemas.openxmlformats.org/drawingml/2006/main" xmlns:r="http://schemas.openxmlformats.org/officeDocument/2006/relationships" xmlns:p="http://schemas.openxmlformats.org/presentationml/2006/main">
+  <p:cSld>
+    <p:spTree>
+      <p:nvGrpSpPr>
+        <p:cNvPr id="1" name=""/>
+        <p:cNvGrpSpPr/>
+        <p:nvPr/>
+      </p:nvGrpSpPr>
+      <p:grpSpPr>
+        <a:xfrm>
+          <a:off x="0" y="0"/>
+          <a:ext cx="0" cy="0"/>
+          <a:chOff x="0" y="0"/>
+          <a:chExt cx="0" cy="0"/>
+        </a:xfrm>
+      </p:grpSpPr>
+      <p:sp>
+        <p:nvSpPr>
+          <p:cNvPr id="2" name="标题 1">
+            <a:extLst>
+              <a:ext uri="{FF2B5EF4-FFF2-40B4-BE49-F238E27FC236}">
+                <a16:creationId xmlns:a16="http://schemas.microsoft.com/office/drawing/2014/main" id="{62D1486B-7D0B-D15D-EE46-750E419DD258}"/>
+              </a:ext>
+            </a:extLst>
+          </p:cNvPr>
+          <p:cNvSpPr>
+            <a:spLocks noGrp="1"/>
+          </p:cNvSpPr>
+          <p:nvPr>
+            <p:ph type="title"/>
+          </p:nvPr>
+        </p:nvSpPr>
+        <p:spPr/>
+        <p:txBody>
+          <a:bodyPr/>
+          <a:lstStyle/>
+          <a:p>
+            <a:pPr marL="571500" lvl="1" indent="-342900">
+              <a:lnSpc>
+                <a:spcPct val="145000"/>
+              </a:lnSpc>
+              <a:spcBef>
+                <a:spcPts val="0"/>
+              </a:spcBef>
+              <a:spcAft>
+                <a:spcPts val="0"/>
+              </a:spcAft>
+            </a:pPr>
+            <a:r>
+              <a:rPr lang="zh-CN" altLang="en-US" sz="2800" dirty="0"/>
+              <a:t>击中或击不中（</a:t>
+            </a:r>
+            <a:r>
+              <a:rPr lang="en-US" altLang="zh-CN" sz="2800" dirty="0"/>
+              <a:t>Hit-or-miss</a:t>
+            </a:r>
+            <a:r>
+              <a:rPr lang="zh-CN" altLang="en-US" sz="2800" dirty="0"/>
+              <a:t>）的定义</a:t>
+            </a:r>
+            <a:endParaRPr lang="en-US" altLang="zh-CN" sz="2800" dirty="0"/>
+          </a:p>
+        </p:txBody>
+      </p:sp>
+      <p:pic>
+        <p:nvPicPr>
+          <p:cNvPr id="12" name="图片 11">
+            <a:extLst>
+              <a:ext uri="{FF2B5EF4-FFF2-40B4-BE49-F238E27FC236}">
+                <a16:creationId xmlns:a16="http://schemas.microsoft.com/office/drawing/2014/main" id="{9532FFDA-EEA4-F23D-393F-7499B253CE6D}"/>
+              </a:ext>
+            </a:extLst>
+          </p:cNvPr>
+          <p:cNvPicPr>
+            <a:picLocks noChangeAspect="1"/>
+          </p:cNvPicPr>
+          <p:nvPr/>
+        </p:nvPicPr>
+        <p:blipFill>
+          <a:blip r:embed="rId2"/>
+          <a:stretch>
+            <a:fillRect/>
+          </a:stretch>
+        </p:blipFill>
+        <p:spPr>
+          <a:xfrm>
+            <a:off x="2843212" y="1300162"/>
+            <a:ext cx="6810375" cy="4257675"/>
+          </a:xfrm>
+          <a:prstGeom prst="rect">
+            <a:avLst/>
+          </a:prstGeom>
+        </p:spPr>
+      </p:pic>
+      <mc:AlternateContent xmlns:mc="http://schemas.openxmlformats.org/markup-compatibility/2006" xmlns:a14="http://schemas.microsoft.com/office/drawing/2010/main">
+        <mc:Choice Requires="a14">
+          <p:sp>
+            <p:nvSpPr>
+              <p:cNvPr id="13" name="内容占位符 2">
+                <a:extLst>
+                  <a:ext uri="{FF2B5EF4-FFF2-40B4-BE49-F238E27FC236}">
+                    <a16:creationId xmlns:a16="http://schemas.microsoft.com/office/drawing/2014/main" id="{6921880C-9B38-F67C-0FA6-42D760A146FE}"/>
+                  </a:ext>
+                </a:extLst>
+              </p:cNvPr>
+              <p:cNvSpPr>
+                <a:spLocks noGrp="1"/>
+              </p:cNvSpPr>
+              <p:nvPr>
+                <p:ph sz="quarter" idx="10"/>
+              </p:nvPr>
+            </p:nvSpPr>
+            <p:spPr>
+              <a:xfrm>
+                <a:off x="5357447" y="5667176"/>
+                <a:ext cx="2180491" cy="742768"/>
+              </a:xfrm>
+            </p:spPr>
+            <p:txBody>
+              <a:bodyPr>
+                <a:normAutofit/>
+              </a:bodyPr>
+              <a:lstStyle/>
+              <a:p>
+                <a14:m>
+                  <m:oMath xmlns:m="http://schemas.openxmlformats.org/officeDocument/2006/math">
+                    <m:r>
+                      <a:rPr lang="en-US" altLang="zh-CN" sz="1800" i="1" dirty="0" smtClean="0">
+                        <a:solidFill>
+                          <a:schemeClr val="tx1"/>
+                        </a:solidFill>
+                        <a:latin typeface="Cambria Math" panose="02040503050406030204" pitchFamily="18" charset="0"/>
+                      </a:rPr>
+                      <m:t>𝑊</m:t>
+                    </m:r>
+                    <m:r>
+                      <a:rPr lang="en-US" altLang="zh-CN" sz="1800" i="1" dirty="0" smtClean="0">
+                        <a:solidFill>
+                          <a:schemeClr val="tx1"/>
+                        </a:solidFill>
+                        <a:latin typeface="Cambria Math" panose="02040503050406030204" pitchFamily="18" charset="0"/>
+                      </a:rPr>
+                      <m:t> – </m:t>
+                    </m:r>
+                    <m:r>
+                      <a:rPr lang="en-US" altLang="zh-CN" sz="1800" i="1" dirty="0" smtClean="0">
+                        <a:solidFill>
+                          <a:schemeClr val="tx1"/>
+                        </a:solidFill>
+                        <a:latin typeface="Cambria Math" panose="02040503050406030204" pitchFamily="18" charset="0"/>
+                      </a:rPr>
+                      <m:t>𝐷</m:t>
+                    </m:r>
+                    <m:r>
+                      <a:rPr lang="en-US" altLang="zh-CN" sz="1800" i="1" dirty="0" smtClean="0">
+                        <a:solidFill>
+                          <a:schemeClr val="tx1"/>
+                        </a:solidFill>
+                        <a:latin typeface="Cambria Math" panose="02040503050406030204" pitchFamily="18" charset="0"/>
+                      </a:rPr>
+                      <m:t> </m:t>
+                    </m:r>
+                  </m:oMath>
+                </a14:m>
+                <a:r>
+                  <a:rPr lang="zh-CN" altLang="en-US" sz="1800" dirty="0">
+                    <a:solidFill>
+                      <a:schemeClr val="tx1"/>
+                    </a:solidFill>
+                  </a:rPr>
+                  <a:t>对 </a:t>
+                </a:r>
+                <a14:m>
+                  <m:oMath xmlns:m="http://schemas.openxmlformats.org/officeDocument/2006/math">
+                    <m:sSup>
+                      <m:sSupPr>
+                        <m:ctrlPr>
+                          <a:rPr lang="en-US" altLang="zh-CN" sz="1800" b="0" i="1" smtClean="0">
+                            <a:solidFill>
+                              <a:schemeClr val="tx1"/>
+                            </a:solidFill>
+                            <a:latin typeface="Cambria Math" panose="02040503050406030204" pitchFamily="18" charset="0"/>
+                          </a:rPr>
+                        </m:ctrlPr>
+                      </m:sSupPr>
+                      <m:e>
+                        <m:r>
+                          <a:rPr lang="en-US" altLang="zh-CN" sz="1800" b="0" i="1" smtClean="0">
+                            <a:solidFill>
+                              <a:schemeClr val="tx1"/>
+                            </a:solidFill>
+                            <a:latin typeface="Cambria Math" panose="02040503050406030204" pitchFamily="18" charset="0"/>
+                          </a:rPr>
+                          <m:t>𝐴</m:t>
+                        </m:r>
+                      </m:e>
+                      <m:sup>
+                        <m:r>
+                          <a:rPr lang="en-US" altLang="zh-CN" sz="1800" b="0" i="1" smtClean="0">
+                            <a:solidFill>
+                              <a:schemeClr val="tx1"/>
+                            </a:solidFill>
+                            <a:latin typeface="Cambria Math" panose="02040503050406030204" pitchFamily="18" charset="0"/>
+                          </a:rPr>
+                          <m:t>𝑐</m:t>
+                        </m:r>
+                      </m:sup>
+                    </m:sSup>
+                  </m:oMath>
+                </a14:m>
+                <a:r>
+                  <a:rPr lang="en-US" altLang="zh-CN" sz="1800" dirty="0">
+                    <a:solidFill>
+                      <a:schemeClr val="tx1"/>
+                    </a:solidFill>
+                  </a:rPr>
+                  <a:t> </a:t>
+                </a:r>
+                <a:r>
+                  <a:rPr lang="zh-CN" altLang="en-US" sz="1800" dirty="0">
+                    <a:solidFill>
+                      <a:schemeClr val="tx1"/>
+                    </a:solidFill>
+                  </a:rPr>
+                  <a:t>腐蚀后</a:t>
+                </a:r>
+                <a:endParaRPr lang="en-US" altLang="zh-CN" sz="1800" dirty="0">
+                  <a:solidFill>
+                    <a:schemeClr val="tx1"/>
+                  </a:solidFill>
+                </a:endParaRPr>
+              </a:p>
+            </p:txBody>
+          </p:sp>
+        </mc:Choice>
+        <mc:Fallback xmlns="">
+          <p:sp>
+            <p:nvSpPr>
+              <p:cNvPr id="13" name="内容占位符 2">
+                <a:extLst>
+                  <a:ext uri="{FF2B5EF4-FFF2-40B4-BE49-F238E27FC236}">
+                    <a16:creationId xmlns:a16="http://schemas.microsoft.com/office/drawing/2014/main" id="{6921880C-9B38-F67C-0FA6-42D760A146FE}"/>
+                  </a:ext>
+                </a:extLst>
+              </p:cNvPr>
+              <p:cNvSpPr>
+                <a:spLocks noGrp="1" noRot="1" noChangeAspect="1" noMove="1" noResize="1" noEditPoints="1" noAdjustHandles="1" noChangeArrowheads="1" noChangeShapeType="1" noTextEdit="1"/>
+              </p:cNvSpPr>
+              <p:nvPr>
+                <p:ph sz="quarter" idx="10"/>
+              </p:nvPr>
+            </p:nvSpPr>
+            <p:spPr>
+              <a:xfrm>
+                <a:off x="5357447" y="5667176"/>
+                <a:ext cx="2180491" cy="742768"/>
+              </a:xfrm>
+              <a:blipFill>
+                <a:blip r:embed="rId3"/>
+                <a:stretch>
+                  <a:fillRect r="-2235"/>
+                </a:stretch>
+              </a:blipFill>
+            </p:spPr>
+            <p:txBody>
+              <a:bodyPr/>
+              <a:lstStyle/>
+              <a:p>
+                <a:r>
+                  <a:rPr lang="zh-CN" altLang="en-US">
+                    <a:noFill/>
+                  </a:rPr>
+                  <a:t> </a:t>
+                </a:r>
+              </a:p>
+            </p:txBody>
+          </p:sp>
+        </mc:Fallback>
+      </mc:AlternateContent>
+    </p:spTree>
+    <p:extLst>
+      <p:ext uri="{BB962C8B-B14F-4D97-AF65-F5344CB8AC3E}">
+        <p14:creationId xmlns:p14="http://schemas.microsoft.com/office/powerpoint/2010/main" val="1299468599"/>
+      </p:ext>
+    </p:extLst>
+  </p:cSld>
+  <p:clrMapOvr>
+    <a:masterClrMapping/>
+  </p:clrMapOvr>
+</p:sld>
+</file>
+
+<file path=ppt/slides/slide35.xml><?xml version="1.0" encoding="utf-8"?>
+<p:sld xmlns:a="http://schemas.openxmlformats.org/drawingml/2006/main" xmlns:r="http://schemas.openxmlformats.org/officeDocument/2006/relationships" xmlns:p="http://schemas.openxmlformats.org/presentationml/2006/main">
+  <p:cSld>
+    <p:spTree>
+      <p:nvGrpSpPr>
+        <p:cNvPr id="1" name=""/>
+        <p:cNvGrpSpPr/>
+        <p:nvPr/>
+      </p:nvGrpSpPr>
+      <p:grpSpPr>
+        <a:xfrm>
+          <a:off x="0" y="0"/>
+          <a:ext cx="0" cy="0"/>
+          <a:chOff x="0" y="0"/>
+          <a:chExt cx="0" cy="0"/>
+        </a:xfrm>
+      </p:grpSpPr>
+      <p:sp>
+        <p:nvSpPr>
+          <p:cNvPr id="2" name="标题 1">
+            <a:extLst>
+              <a:ext uri="{FF2B5EF4-FFF2-40B4-BE49-F238E27FC236}">
+                <a16:creationId xmlns:a16="http://schemas.microsoft.com/office/drawing/2014/main" id="{62D1486B-7D0B-D15D-EE46-750E419DD258}"/>
+              </a:ext>
+            </a:extLst>
+          </p:cNvPr>
+          <p:cNvSpPr>
+            <a:spLocks noGrp="1"/>
+          </p:cNvSpPr>
+          <p:nvPr>
+            <p:ph type="title"/>
+          </p:nvPr>
+        </p:nvSpPr>
+        <p:spPr/>
+        <p:txBody>
+          <a:bodyPr/>
+          <a:lstStyle/>
+          <a:p>
+            <a:pPr marL="571500" lvl="1" indent="-342900">
+              <a:lnSpc>
+                <a:spcPct val="145000"/>
+              </a:lnSpc>
+              <a:spcBef>
+                <a:spcPts val="0"/>
+              </a:spcBef>
+              <a:spcAft>
+                <a:spcPts val="0"/>
+              </a:spcAft>
+            </a:pPr>
+            <a:r>
+              <a:rPr lang="zh-CN" altLang="en-US" sz="2800" dirty="0"/>
+              <a:t>击中或击不中（</a:t>
+            </a:r>
+            <a:r>
+              <a:rPr lang="en-US" altLang="zh-CN" sz="2800" dirty="0"/>
+              <a:t>Hit-or-miss</a:t>
+            </a:r>
+            <a:r>
+              <a:rPr lang="zh-CN" altLang="en-US" sz="2800" dirty="0"/>
+              <a:t>）的定义</a:t>
+            </a:r>
+            <a:endParaRPr lang="en-US" altLang="zh-CN" sz="2800" dirty="0"/>
+          </a:p>
+        </p:txBody>
+      </p:sp>
+      <p:pic>
+        <p:nvPicPr>
+          <p:cNvPr id="8" name="图片 7">
+            <a:extLst>
+              <a:ext uri="{FF2B5EF4-FFF2-40B4-BE49-F238E27FC236}">
+                <a16:creationId xmlns:a16="http://schemas.microsoft.com/office/drawing/2014/main" id="{48AF0A98-F2A6-78E9-73A1-EAA02E78118D}"/>
+              </a:ext>
+            </a:extLst>
+          </p:cNvPr>
+          <p:cNvPicPr>
+            <a:picLocks noChangeAspect="1"/>
+          </p:cNvPicPr>
+          <p:nvPr/>
+        </p:nvPicPr>
+        <p:blipFill>
+          <a:blip r:embed="rId2"/>
+          <a:stretch>
+            <a:fillRect/>
+          </a:stretch>
+        </p:blipFill>
+        <p:spPr>
+          <a:xfrm>
+            <a:off x="2519610" y="1673103"/>
+            <a:ext cx="7534394" cy="3511794"/>
+          </a:xfrm>
+          <a:prstGeom prst="rect">
+            <a:avLst/>
+          </a:prstGeom>
+        </p:spPr>
+      </p:pic>
+      <mc:AlternateContent xmlns:mc="http://schemas.openxmlformats.org/markup-compatibility/2006" xmlns:a14="http://schemas.microsoft.com/office/drawing/2010/main">
+        <mc:Choice Requires="a14">
+          <p:sp>
+            <p:nvSpPr>
+              <p:cNvPr id="9" name="内容占位符 2">
+                <a:extLst>
+                  <a:ext uri="{FF2B5EF4-FFF2-40B4-BE49-F238E27FC236}">
+                    <a16:creationId xmlns:a16="http://schemas.microsoft.com/office/drawing/2014/main" id="{D71563E6-F0DC-B65B-FB67-4000DCAAC1B5}"/>
+                  </a:ext>
+                </a:extLst>
+              </p:cNvPr>
+              <p:cNvSpPr>
+                <a:spLocks noGrp="1"/>
+              </p:cNvSpPr>
+              <p:nvPr>
+                <p:ph sz="quarter" idx="10"/>
+              </p:nvPr>
+            </p:nvSpPr>
+            <p:spPr>
+              <a:xfrm>
+                <a:off x="5134709" y="5268592"/>
+                <a:ext cx="2930769" cy="501272"/>
+              </a:xfrm>
+            </p:spPr>
+            <p:txBody>
+              <a:bodyPr>
+                <a:normAutofit/>
+              </a:bodyPr>
+              <a:lstStyle/>
+              <a:p>
+                <a14:m>
+                  <m:oMath xmlns:m="http://schemas.openxmlformats.org/officeDocument/2006/math">
+                    <m:r>
+                      <a:rPr lang="zh-CN" altLang="en-US" sz="1800" i="1" dirty="0" smtClean="0">
+                        <a:solidFill>
+                          <a:schemeClr val="tx1"/>
+                        </a:solidFill>
+                        <a:latin typeface="Cambria Math" panose="02040503050406030204" pitchFamily="18" charset="0"/>
+                      </a:rPr>
+                      <m:t>取交集</m:t>
+                    </m:r>
+                  </m:oMath>
+                </a14:m>
+                <a:r>
+                  <a:rPr lang="zh-CN" altLang="en-US" sz="1800" dirty="0">
+                    <a:solidFill>
+                      <a:schemeClr val="tx1"/>
+                    </a:solidFill>
+                  </a:rPr>
+                  <a:t>，即可得到图形位置</a:t>
+                </a:r>
+                <a:endParaRPr lang="en-US" altLang="zh-CN" sz="1800" dirty="0">
+                  <a:solidFill>
+                    <a:schemeClr val="tx1"/>
+                  </a:solidFill>
+                </a:endParaRPr>
+              </a:p>
+            </p:txBody>
+          </p:sp>
+        </mc:Choice>
+        <mc:Fallback xmlns="">
+          <p:sp>
+            <p:nvSpPr>
+              <p:cNvPr id="9" name="内容占位符 2">
+                <a:extLst>
+                  <a:ext uri="{FF2B5EF4-FFF2-40B4-BE49-F238E27FC236}">
+                    <a16:creationId xmlns:a16="http://schemas.microsoft.com/office/drawing/2014/main" id="{D71563E6-F0DC-B65B-FB67-4000DCAAC1B5}"/>
+                  </a:ext>
+                </a:extLst>
+              </p:cNvPr>
+              <p:cNvSpPr>
+                <a:spLocks noGrp="1" noRot="1" noChangeAspect="1" noMove="1" noResize="1" noEditPoints="1" noAdjustHandles="1" noChangeArrowheads="1" noChangeShapeType="1" noTextEdit="1"/>
+              </p:cNvSpPr>
+              <p:nvPr>
+                <p:ph sz="quarter" idx="10"/>
+              </p:nvPr>
+            </p:nvSpPr>
+            <p:spPr>
+              <a:xfrm>
+                <a:off x="5134709" y="5268592"/>
+                <a:ext cx="2930769" cy="501272"/>
+              </a:xfrm>
+              <a:blipFill>
+                <a:blip r:embed="rId3"/>
+                <a:stretch>
+                  <a:fillRect l="-832" r="-1871" b="-9639"/>
+                </a:stretch>
+              </a:blipFill>
+            </p:spPr>
+            <p:txBody>
+              <a:bodyPr/>
+              <a:lstStyle/>
+              <a:p>
+                <a:r>
+                  <a:rPr lang="zh-CN" altLang="en-US">
+                    <a:noFill/>
+                  </a:rPr>
+                  <a:t> </a:t>
+                </a:r>
+              </a:p>
+            </p:txBody>
+          </p:sp>
+        </mc:Fallback>
+      </mc:AlternateContent>
+    </p:spTree>
+    <p:extLst>
+      <p:ext uri="{BB962C8B-B14F-4D97-AF65-F5344CB8AC3E}">
+        <p14:creationId xmlns:p14="http://schemas.microsoft.com/office/powerpoint/2010/main" val="52559014"/>
+      </p:ext>
+    </p:extLst>
+  </p:cSld>
+  <p:clrMapOvr>
+    <a:masterClrMapping/>
+  </p:clrMapOvr>
+</p:sld>
+</file>
+
+<file path=ppt/slides/slide36.xml><?xml version="1.0" encoding="utf-8"?>
+<p:sld xmlns:a="http://schemas.openxmlformats.org/drawingml/2006/main" xmlns:r="http://schemas.openxmlformats.org/officeDocument/2006/relationships" xmlns:p="http://schemas.openxmlformats.org/presentationml/2006/main">
+  <p:cSld>
+    <p:spTree>
+      <p:nvGrpSpPr>
+        <p:cNvPr id="1" name=""/>
+        <p:cNvGrpSpPr/>
+        <p:nvPr/>
+      </p:nvGrpSpPr>
+      <p:grpSpPr>
+        <a:xfrm>
+          <a:off x="0" y="0"/>
+          <a:ext cx="0" cy="0"/>
+          <a:chOff x="0" y="0"/>
+          <a:chExt cx="0" cy="0"/>
+        </a:xfrm>
+      </p:grpSpPr>
+      <p:sp>
+        <p:nvSpPr>
+          <p:cNvPr id="2" name="标题 1">
+            <a:extLst>
+              <a:ext uri="{FF2B5EF4-FFF2-40B4-BE49-F238E27FC236}">
+                <a16:creationId xmlns:a16="http://schemas.microsoft.com/office/drawing/2014/main" id="{62D1486B-7D0B-D15D-EE46-750E419DD258}"/>
+              </a:ext>
+            </a:extLst>
+          </p:cNvPr>
+          <p:cNvSpPr>
+            <a:spLocks noGrp="1"/>
+          </p:cNvSpPr>
+          <p:nvPr>
+            <p:ph type="title"/>
+          </p:nvPr>
+        </p:nvSpPr>
+        <p:spPr/>
+        <p:txBody>
+          <a:bodyPr/>
+          <a:lstStyle/>
+          <a:p>
+            <a:pPr marL="571500" lvl="1" indent="-342900">
+              <a:lnSpc>
+                <a:spcPct val="145000"/>
+              </a:lnSpc>
+              <a:spcBef>
+                <a:spcPts val="0"/>
+              </a:spcBef>
+              <a:spcAft>
+                <a:spcPts val="0"/>
+              </a:spcAft>
+            </a:pPr>
+            <a:r>
+              <a:rPr lang="zh-CN" altLang="en-US" sz="2800" dirty="0"/>
+              <a:t>击中或击不中（</a:t>
+            </a:r>
+            <a:r>
+              <a:rPr lang="en-US" altLang="zh-CN" sz="2800" dirty="0"/>
+              <a:t>Hit-or-miss</a:t>
+            </a:r>
+            <a:r>
+              <a:rPr lang="zh-CN" altLang="en-US" sz="2800" dirty="0"/>
+              <a:t>）的应用</a:t>
+            </a:r>
+            <a:endParaRPr lang="en-US" altLang="zh-CN" sz="2800" dirty="0"/>
+          </a:p>
+        </p:txBody>
+      </p:sp>
+      <p:pic>
+        <p:nvPicPr>
+          <p:cNvPr id="8" name="图片 7">
+            <a:extLst>
+              <a:ext uri="{FF2B5EF4-FFF2-40B4-BE49-F238E27FC236}">
+                <a16:creationId xmlns:a16="http://schemas.microsoft.com/office/drawing/2014/main" id="{78BCE70A-D71F-FEF1-2160-E083FBF73CB6}"/>
+              </a:ext>
+            </a:extLst>
+          </p:cNvPr>
+          <p:cNvPicPr>
+            <a:picLocks noChangeAspect="1"/>
+          </p:cNvPicPr>
+          <p:nvPr/>
+        </p:nvPicPr>
+        <p:blipFill>
+          <a:blip r:embed="rId2"/>
+          <a:stretch>
+            <a:fillRect/>
+          </a:stretch>
+        </p:blipFill>
+        <p:spPr>
+          <a:xfrm>
+            <a:off x="4408867" y="1418619"/>
+            <a:ext cx="3374264" cy="4277119"/>
+          </a:xfrm>
+          <a:prstGeom prst="rect">
+            <a:avLst/>
+          </a:prstGeom>
+        </p:spPr>
+      </p:pic>
+      <mc:AlternateContent xmlns:mc="http://schemas.openxmlformats.org/markup-compatibility/2006" xmlns:a14="http://schemas.microsoft.com/office/drawing/2010/main">
+        <mc:Choice Requires="a14">
+          <p:sp>
+            <p:nvSpPr>
+              <p:cNvPr id="9" name="内容占位符 2">
+                <a:extLst>
+                  <a:ext uri="{FF2B5EF4-FFF2-40B4-BE49-F238E27FC236}">
+                    <a16:creationId xmlns:a16="http://schemas.microsoft.com/office/drawing/2014/main" id="{7E957BBB-48AE-6090-61B1-547EC212328D}"/>
+                  </a:ext>
+                </a:extLst>
+              </p:cNvPr>
+              <p:cNvSpPr>
+                <a:spLocks noGrp="1"/>
+              </p:cNvSpPr>
+              <p:nvPr>
+                <p:ph sz="quarter" idx="10"/>
+              </p:nvPr>
+            </p:nvSpPr>
+            <p:spPr>
+              <a:xfrm>
+                <a:off x="4630615" y="5861725"/>
+                <a:ext cx="2930769" cy="501272"/>
+              </a:xfrm>
+            </p:spPr>
+            <p:txBody>
+              <a:bodyPr>
+                <a:noAutofit/>
+              </a:bodyPr>
+              <a:lstStyle/>
+              <a:p>
+                <a:pPr/>
+                <a14:m>
+                  <m:oMathPara xmlns:m="http://schemas.openxmlformats.org/officeDocument/2006/math">
+                    <m:oMathParaPr>
+                      <m:jc m:val="centerGroup"/>
+                    </m:oMathParaPr>
+                    <m:oMath xmlns:m="http://schemas.openxmlformats.org/officeDocument/2006/math">
+                      <m:r>
+                        <m:rPr>
+                          <m:sty m:val="p"/>
+                        </m:rPr>
+                        <a:rPr lang="en-US" altLang="zh-CN" i="1" dirty="0" smtClean="0">
+                          <a:solidFill>
+                            <a:schemeClr val="tx1"/>
+                          </a:solidFill>
+                          <a:latin typeface="Cambria Math" panose="02040503050406030204" pitchFamily="18" charset="0"/>
+                        </a:rPr>
+                        <m:t>Lab</m:t>
+                      </m:r>
+                      <m:r>
+                        <a:rPr lang="en-US" altLang="zh-CN" b="0" i="1" dirty="0" smtClean="0">
+                          <a:solidFill>
+                            <a:schemeClr val="tx1"/>
+                          </a:solidFill>
+                          <a:latin typeface="Cambria Math" panose="02040503050406030204" pitchFamily="18" charset="0"/>
+                        </a:rPr>
+                        <m:t>:</m:t>
+                      </m:r>
+                      <m:r>
+                        <a:rPr lang="zh-CN" altLang="en-US" i="1" dirty="0">
+                          <a:solidFill>
+                            <a:schemeClr val="tx1"/>
+                          </a:solidFill>
+                          <a:latin typeface="Cambria Math" panose="02040503050406030204" pitchFamily="18" charset="0"/>
+                        </a:rPr>
+                        <m:t>基于</m:t>
+                      </m:r>
+                      <m:r>
+                        <a:rPr lang="zh-CN" altLang="en-US" i="1" dirty="0" smtClean="0">
+                          <a:solidFill>
+                            <a:schemeClr val="tx1"/>
+                          </a:solidFill>
+                          <a:latin typeface="Cambria Math" panose="02040503050406030204" pitchFamily="18" charset="0"/>
+                        </a:rPr>
+                        <m:t>形态学</m:t>
+                      </m:r>
+                      <m:r>
+                        <a:rPr lang="zh-CN" altLang="en-US" i="1" dirty="0">
+                          <a:solidFill>
+                            <a:schemeClr val="tx1"/>
+                          </a:solidFill>
+                          <a:latin typeface="Cambria Math" panose="02040503050406030204" pitchFamily="18" charset="0"/>
+                        </a:rPr>
+                        <m:t>的</m:t>
+                      </m:r>
+                      <m:r>
+                        <a:rPr lang="zh-CN" altLang="en-US" i="0" dirty="0" smtClean="0">
+                          <a:solidFill>
+                            <a:schemeClr val="tx1"/>
+                          </a:solidFill>
+                          <a:latin typeface="Cambria Math" panose="02040503050406030204" pitchFamily="18" charset="0"/>
+                        </a:rPr>
+                        <m:t>车牌识别</m:t>
+                      </m:r>
+                    </m:oMath>
+                  </m:oMathPara>
+                </a14:m>
+                <a:endParaRPr lang="en-US" altLang="zh-CN" dirty="0">
+                  <a:solidFill>
+                    <a:schemeClr val="tx1"/>
+                  </a:solidFill>
+                </a:endParaRPr>
+              </a:p>
+            </p:txBody>
+          </p:sp>
+        </mc:Choice>
+        <mc:Fallback xmlns="">
+          <p:sp>
+            <p:nvSpPr>
+              <p:cNvPr id="9" name="内容占位符 2">
+                <a:extLst>
+                  <a:ext uri="{FF2B5EF4-FFF2-40B4-BE49-F238E27FC236}">
+                    <a16:creationId xmlns:a16="http://schemas.microsoft.com/office/drawing/2014/main" id="{7E957BBB-48AE-6090-61B1-547EC212328D}"/>
+                  </a:ext>
+                </a:extLst>
+              </p:cNvPr>
+              <p:cNvSpPr>
+                <a:spLocks noGrp="1" noRot="1" noChangeAspect="1" noMove="1" noResize="1" noEditPoints="1" noAdjustHandles="1" noChangeArrowheads="1" noChangeShapeType="1" noTextEdit="1"/>
+              </p:cNvSpPr>
+              <p:nvPr>
+                <p:ph sz="quarter" idx="10"/>
+              </p:nvPr>
+            </p:nvSpPr>
+            <p:spPr>
+              <a:xfrm>
+                <a:off x="4630615" y="5861725"/>
+                <a:ext cx="2930769" cy="501272"/>
+              </a:xfrm>
+              <a:blipFill>
+                <a:blip r:embed="rId3"/>
+                <a:stretch>
+                  <a:fillRect/>
+                </a:stretch>
+              </a:blipFill>
+            </p:spPr>
+            <p:txBody>
+              <a:bodyPr/>
+              <a:lstStyle/>
+              <a:p>
+                <a:r>
+                  <a:rPr lang="zh-CN" altLang="en-US">
+                    <a:noFill/>
+                  </a:rPr>
+                  <a:t> </a:t>
+                </a:r>
+              </a:p>
+            </p:txBody>
+          </p:sp>
+        </mc:Fallback>
+      </mc:AlternateContent>
+    </p:spTree>
+    <p:extLst>
+      <p:ext uri="{BB962C8B-B14F-4D97-AF65-F5344CB8AC3E}">
+        <p14:creationId xmlns:p14="http://schemas.microsoft.com/office/powerpoint/2010/main" val="839642838"/>
+      </p:ext>
+    </p:extLst>
+  </p:cSld>
+  <p:clrMapOvr>
+    <a:masterClrMapping/>
+  </p:clrMapOvr>
+</p:sld>
+</file>
+
+<file path=ppt/slides/slide37.xml><?xml version="1.0" encoding="utf-8"?>
+<p:sld xmlns:a="http://schemas.openxmlformats.org/drawingml/2006/main" xmlns:r="http://schemas.openxmlformats.org/officeDocument/2006/relationships" xmlns:p="http://schemas.openxmlformats.org/presentationml/2006/main">
+  <p:cSld>
+    <p:spTree>
+      <p:nvGrpSpPr>
+        <p:cNvPr id="1" name=""/>
+        <p:cNvGrpSpPr/>
+        <p:nvPr/>
+      </p:nvGrpSpPr>
+      <p:grpSpPr>
+        <a:xfrm>
+          <a:off x="0" y="0"/>
+          <a:ext cx="0" cy="0"/>
+          <a:chOff x="0" y="0"/>
+          <a:chExt cx="0" cy="0"/>
+        </a:xfrm>
+      </p:grpSpPr>
+      <p:sp>
+        <p:nvSpPr>
+          <p:cNvPr id="2" name="标题 1">
+            <a:extLst>
+              <a:ext uri="{FF2B5EF4-FFF2-40B4-BE49-F238E27FC236}">
+                <a16:creationId xmlns:a16="http://schemas.microsoft.com/office/drawing/2014/main" id="{62D1486B-7D0B-D15D-EE46-750E419DD258}"/>
+              </a:ext>
+            </a:extLst>
+          </p:cNvPr>
+          <p:cNvSpPr>
+            <a:spLocks noGrp="1"/>
+          </p:cNvSpPr>
+          <p:nvPr>
+            <p:ph type="title"/>
+          </p:nvPr>
+        </p:nvSpPr>
+        <p:spPr/>
+        <p:txBody>
+          <a:bodyPr/>
+          <a:lstStyle/>
+          <a:p>
+            <a:pPr marL="571500" lvl="1" indent="-342900">
+              <a:lnSpc>
+                <a:spcPct val="145000"/>
+              </a:lnSpc>
+              <a:spcBef>
+                <a:spcPts val="0"/>
+              </a:spcBef>
+              <a:spcAft>
+                <a:spcPts val="0"/>
+              </a:spcAft>
+            </a:pPr>
+            <a:r>
+              <a:rPr lang="zh-CN" altLang="en-US" sz="2800" dirty="0"/>
+              <a:t>随堂练习</a:t>
+            </a:r>
+            <a:endParaRPr lang="en-US" altLang="zh-CN" sz="2800" dirty="0"/>
+          </a:p>
+        </p:txBody>
+      </p:sp>
+      <mc:AlternateContent xmlns:mc="http://schemas.openxmlformats.org/markup-compatibility/2006">
+        <mc:Choice xmlns:a14="http://schemas.microsoft.com/office/drawing/2010/main" Requires="a14">
+          <p:sp>
+            <p:nvSpPr>
+              <p:cNvPr id="9" name="内容占位符 2">
+                <a:extLst>
+                  <a:ext uri="{FF2B5EF4-FFF2-40B4-BE49-F238E27FC236}">
+                    <a16:creationId xmlns:a16="http://schemas.microsoft.com/office/drawing/2014/main" id="{7E957BBB-48AE-6090-61B1-547EC212328D}"/>
+                  </a:ext>
+                </a:extLst>
+              </p:cNvPr>
+              <p:cNvSpPr>
+                <a:spLocks noGrp="1"/>
+              </p:cNvSpPr>
+              <p:nvPr>
+                <p:ph sz="quarter" idx="10"/>
+              </p:nvPr>
+            </p:nvSpPr>
+            <p:spPr>
+              <a:xfrm>
+                <a:off x="3861377" y="5004080"/>
+                <a:ext cx="4469243" cy="324664"/>
+              </a:xfrm>
+            </p:spPr>
+            <p:txBody>
+              <a:bodyPr>
+                <a:noAutofit/>
+              </a:bodyPr>
+              <a:lstStyle/>
+              <a:p>
+                <a:pPr/>
+                <a14:m>
+                  <m:oMath xmlns:m="http://schemas.openxmlformats.org/officeDocument/2006/math">
+                    <m:r>
+                      <a:rPr lang="zh-CN" altLang="en-US" i="1" dirty="0" smtClean="0">
+                        <a:solidFill>
+                          <a:schemeClr val="tx1"/>
+                        </a:solidFill>
+                        <a:latin typeface="Cambria Math" panose="02040503050406030204" pitchFamily="18" charset="0"/>
+                      </a:rPr>
+                      <m:t>结构元</m:t>
+                    </m:r>
+                    <m:r>
+                      <a:rPr lang="zh-CN" altLang="en-US" i="1" dirty="0">
+                        <a:solidFill>
+                          <a:schemeClr val="tx1"/>
+                        </a:solidFill>
+                        <a:latin typeface="Cambria Math" panose="02040503050406030204" pitchFamily="18" charset="0"/>
+                      </a:rPr>
+                      <m:t>为</m:t>
+                    </m:r>
+                    <m:r>
+                      <a:rPr lang="zh-CN" altLang="en-US" i="1" dirty="0" smtClean="0">
+                        <a:solidFill>
+                          <a:schemeClr val="tx1"/>
+                        </a:solidFill>
+                        <a:latin typeface="Cambria Math" panose="02040503050406030204" pitchFamily="18" charset="0"/>
+                      </a:rPr>
+                      <m:t>小</m:t>
+                    </m:r>
+                    <m:r>
+                      <a:rPr lang="zh-CN" altLang="en-US" i="1" dirty="0">
+                        <a:solidFill>
+                          <a:schemeClr val="tx1"/>
+                        </a:solidFill>
+                        <a:latin typeface="Cambria Math" panose="02040503050406030204" pitchFamily="18" charset="0"/>
+                      </a:rPr>
+                      <m:t>圆</m:t>
+                    </m:r>
+                    <m:r>
+                      <a:rPr lang="zh-CN" altLang="en-US" i="1" dirty="0" smtClean="0">
+                        <a:solidFill>
+                          <a:schemeClr val="tx1"/>
+                        </a:solidFill>
+                        <a:latin typeface="Cambria Math" panose="02040503050406030204" pitchFamily="18" charset="0"/>
+                      </a:rPr>
+                      <m:t>时</m:t>
+                    </m:r>
+                    <m:r>
+                      <a:rPr lang="en-US" altLang="zh-CN" b="0" i="1" dirty="0" smtClean="0">
+                        <a:solidFill>
+                          <a:schemeClr val="tx1"/>
+                        </a:solidFill>
+                        <a:latin typeface="Cambria Math" panose="02040503050406030204" pitchFamily="18" charset="0"/>
+                      </a:rPr>
+                      <m:t>, </m:t>
+                    </m:r>
+                    <m:r>
+                      <a:rPr lang="zh-CN" altLang="en-US" i="1" dirty="0">
+                        <a:solidFill>
+                          <a:schemeClr val="tx1"/>
+                        </a:solidFill>
+                        <a:latin typeface="Cambria Math" panose="02040503050406030204" pitchFamily="18" charset="0"/>
+                      </a:rPr>
+                      <m:t>分别</m:t>
+                    </m:r>
+                    <m:r>
+                      <a:rPr lang="zh-CN" altLang="en-US" i="1" dirty="0">
+                        <a:solidFill>
+                          <a:schemeClr val="tx1"/>
+                        </a:solidFill>
+                        <a:latin typeface="Cambria Math" panose="02040503050406030204" pitchFamily="18" charset="0"/>
+                      </a:rPr>
+                      <m:t>画出</m:t>
+                    </m:r>
+                  </m:oMath>
+                </a14:m>
+                <a:r>
+                  <a:rPr lang="zh-CN" altLang="en-US" dirty="0">
+                    <a:solidFill>
+                      <a:schemeClr val="tx1"/>
+                    </a:solidFill>
+                  </a:rPr>
+                  <a:t>膨胀腐蚀，开操作，闭操作的结果图。</a:t>
+                </a:r>
+                <a:endParaRPr lang="en-US" altLang="zh-CN" dirty="0">
+                  <a:solidFill>
+                    <a:schemeClr val="tx1"/>
+                  </a:solidFill>
+                </a:endParaRPr>
+              </a:p>
+            </p:txBody>
+          </p:sp>
+        </mc:Choice>
+        <mc:Fallback>
+          <p:sp>
+            <p:nvSpPr>
+              <p:cNvPr id="9" name="内容占位符 2">
+                <a:extLst>
+                  <a:ext uri="{FF2B5EF4-FFF2-40B4-BE49-F238E27FC236}">
+                    <a16:creationId xmlns:a16="http://schemas.microsoft.com/office/drawing/2014/main" id="{7E957BBB-48AE-6090-61B1-547EC212328D}"/>
+                  </a:ext>
+                </a:extLst>
+              </p:cNvPr>
+              <p:cNvSpPr>
+                <a:spLocks noGrp="1" noRot="1" noChangeAspect="1" noMove="1" noResize="1" noEditPoints="1" noAdjustHandles="1" noChangeArrowheads="1" noChangeShapeType="1" noTextEdit="1"/>
+              </p:cNvSpPr>
+              <p:nvPr>
+                <p:ph sz="quarter" idx="10"/>
+              </p:nvPr>
+            </p:nvSpPr>
+            <p:spPr>
+              <a:xfrm>
+                <a:off x="3861377" y="5004080"/>
+                <a:ext cx="4469243" cy="324664"/>
+              </a:xfrm>
+              <a:blipFill>
+                <a:blip r:embed="rId2"/>
+                <a:stretch>
+                  <a:fillRect r="-3406" b="-18868"/>
+                </a:stretch>
+              </a:blipFill>
+            </p:spPr>
+            <p:txBody>
+              <a:bodyPr/>
+              <a:lstStyle/>
+              <a:p>
+                <a:r>
+                  <a:rPr lang="zh-CN" altLang="en-US">
+                    <a:noFill/>
+                  </a:rPr>
+                  <a:t> </a:t>
+                </a:r>
+              </a:p>
+            </p:txBody>
+          </p:sp>
+        </mc:Fallback>
+      </mc:AlternateContent>
+      <p:pic>
+        <p:nvPicPr>
+          <p:cNvPr id="4" name="图片 3">
+            <a:extLst>
+              <a:ext uri="{FF2B5EF4-FFF2-40B4-BE49-F238E27FC236}">
+                <a16:creationId xmlns:a16="http://schemas.microsoft.com/office/drawing/2014/main" id="{8D877762-EBAE-A877-C525-A6CEF87BB6B7}"/>
+              </a:ext>
+            </a:extLst>
+          </p:cNvPr>
+          <p:cNvPicPr>
+            <a:picLocks noChangeAspect="1"/>
+          </p:cNvPicPr>
+          <p:nvPr/>
+        </p:nvPicPr>
+        <p:blipFill>
+          <a:blip r:embed="rId3"/>
+          <a:stretch>
+            <a:fillRect/>
+          </a:stretch>
+        </p:blipFill>
+        <p:spPr>
+          <a:xfrm>
+            <a:off x="3402444" y="1365294"/>
+            <a:ext cx="5387111" cy="3591407"/>
+          </a:xfrm>
+          <a:prstGeom prst="rect">
+            <a:avLst/>
+          </a:prstGeom>
+        </p:spPr>
+      </p:pic>
+    </p:spTree>
+    <p:extLst>
+      <p:ext uri="{BB962C8B-B14F-4D97-AF65-F5344CB8AC3E}">
+        <p14:creationId xmlns:p14="http://schemas.microsoft.com/office/powerpoint/2010/main" val="809675887"/>
+      </p:ext>
+    </p:extLst>
+  </p:cSld>
+  <p:clrMapOvr>
+    <a:masterClrMapping/>
+  </p:clrMapOvr>
+</p:sld>
+</file>
+
+<file path=ppt/slides/slide38.xml><?xml version="1.0" encoding="utf-8"?>
+<p:sld xmlns:a="http://schemas.openxmlformats.org/drawingml/2006/main" xmlns:r="http://schemas.openxmlformats.org/officeDocument/2006/relationships" xmlns:p="http://schemas.openxmlformats.org/presentationml/2006/main">
+  <p:cSld>
+    <p:spTree>
+      <p:nvGrpSpPr>
+        <p:cNvPr id="1" name=""/>
+        <p:cNvGrpSpPr/>
+        <p:nvPr/>
+      </p:nvGrpSpPr>
+      <p:grpSpPr>
+        <a:xfrm>
+          <a:off x="0" y="0"/>
+          <a:ext cx="0" cy="0"/>
+          <a:chOff x="0" y="0"/>
+          <a:chExt cx="0" cy="0"/>
+        </a:xfrm>
+      </p:grpSpPr>
+      <p:sp>
+        <p:nvSpPr>
+          <p:cNvPr id="2" name="标题 1">
+            <a:extLst>
+              <a:ext uri="{FF2B5EF4-FFF2-40B4-BE49-F238E27FC236}">
+                <a16:creationId xmlns:a16="http://schemas.microsoft.com/office/drawing/2014/main" id="{173F081B-D28B-4645-4615-3EFE97359F9B}"/>
+              </a:ext>
+            </a:extLst>
+          </p:cNvPr>
+          <p:cNvSpPr>
+            <a:spLocks noGrp="1"/>
+          </p:cNvSpPr>
+          <p:nvPr>
+            <p:ph type="title"/>
+          </p:nvPr>
+        </p:nvSpPr>
+        <p:spPr>
+          <a:xfrm>
+            <a:off x="3278908" y="2623129"/>
+            <a:ext cx="5634183" cy="1145308"/>
+          </a:xfrm>
+        </p:spPr>
+        <p:txBody>
+          <a:bodyPr>
+            <a:normAutofit/>
+          </a:bodyPr>
+          <a:lstStyle/>
+          <a:p>
+            <a:r>
+              <a:rPr lang="en-US" altLang="zh-CN" dirty="0">
+                <a:solidFill>
+                  <a:schemeClr val="bg1"/>
+                </a:solidFill>
+              </a:rPr>
+              <a:t>THANKS,</a:t>
+            </a:r>
+            <a:r>
+              <a:rPr lang="zh-CN" altLang="en-US" dirty="0">
+                <a:solidFill>
+                  <a:schemeClr val="bg1"/>
+                </a:solidFill>
+              </a:rPr>
+              <a:t>希望大家实验课玩的愉快！</a:t>
+            </a:r>
+          </a:p>
+        </p:txBody>
+      </p:sp>
+    </p:spTree>
+    <p:extLst>
+      <p:ext uri="{BB962C8B-B14F-4D97-AF65-F5344CB8AC3E}">
+        <p14:creationId xmlns:p14="http://schemas.microsoft.com/office/powerpoint/2010/main" val="2947316665"/>
       </p:ext>
     </p:extLst>
   </p:cSld>
@@ -13279,7 +18135,7 @@
         </p:nvSpPr>
         <p:spPr>
           <a:xfrm>
-            <a:off x="4541518" y="5327020"/>
+            <a:off x="4541520" y="4671175"/>
             <a:ext cx="3108960" cy="400110"/>
           </a:xfrm>
           <a:prstGeom prst="rect">
@@ -13302,10 +18158,10 @@
       </p:sp>
       <p:pic>
         <p:nvPicPr>
-          <p:cNvPr id="4" name="图片 3">
+          <p:cNvPr id="5" name="图片 4">
             <a:extLst>
               <a:ext uri="{FF2B5EF4-FFF2-40B4-BE49-F238E27FC236}">
-                <a16:creationId xmlns:a16="http://schemas.microsoft.com/office/drawing/2014/main" id="{0B04DA05-EE9D-5782-C38F-697624F7F955}"/>
+                <a16:creationId xmlns:a16="http://schemas.microsoft.com/office/drawing/2014/main" id="{7B5D3FDE-C757-AB01-84D4-355EE32EB4C9}"/>
               </a:ext>
             </a:extLst>
           </p:cNvPr>
@@ -13322,8 +18178,8 @@
         </p:blipFill>
         <p:spPr>
           <a:xfrm>
-            <a:off x="4231956" y="1601082"/>
-            <a:ext cx="3728085" cy="3655835"/>
+            <a:off x="2994240" y="2264913"/>
+            <a:ext cx="6027381" cy="2328173"/>
           </a:xfrm>
           <a:prstGeom prst="rect">
             <a:avLst/>
